--- a/lectures/2024_GNET_Class6_Viz_ExpDesign.pptx
+++ b/lectures/2024_GNET_Class6_Viz_ExpDesign.pptx
@@ -5,29 +5,33 @@
     <p:sldMasterId id="2147483648" r:id="rId1"/>
   </p:sldMasterIdLst>
   <p:notesMasterIdLst>
-    <p:notesMasterId r:id="rId22"/>
+    <p:notesMasterId r:id="rId26"/>
   </p:notesMasterIdLst>
   <p:sldIdLst>
-    <p:sldId id="256" r:id="rId2"/>
+    <p:sldId id="350" r:id="rId2"/>
     <p:sldId id="339" r:id="rId3"/>
     <p:sldId id="340" r:id="rId4"/>
     <p:sldId id="341" r:id="rId5"/>
-    <p:sldId id="342" r:id="rId6"/>
-    <p:sldId id="343" r:id="rId7"/>
-    <p:sldId id="344" r:id="rId8"/>
-    <p:sldId id="345" r:id="rId9"/>
+    <p:sldId id="351" r:id="rId6"/>
+    <p:sldId id="344" r:id="rId7"/>
+    <p:sldId id="343" r:id="rId8"/>
+    <p:sldId id="352" r:id="rId9"/>
     <p:sldId id="346" r:id="rId10"/>
     <p:sldId id="348" r:id="rId11"/>
     <p:sldId id="349" r:id="rId12"/>
-    <p:sldId id="309" r:id="rId13"/>
-    <p:sldId id="310" r:id="rId14"/>
-    <p:sldId id="311" r:id="rId15"/>
-    <p:sldId id="312" r:id="rId16"/>
-    <p:sldId id="313" r:id="rId17"/>
-    <p:sldId id="314" r:id="rId18"/>
-    <p:sldId id="315" r:id="rId19"/>
-    <p:sldId id="316" r:id="rId20"/>
-    <p:sldId id="317" r:id="rId21"/>
+    <p:sldId id="353" r:id="rId13"/>
+    <p:sldId id="354" r:id="rId14"/>
+    <p:sldId id="317" r:id="rId15"/>
+    <p:sldId id="309" r:id="rId16"/>
+    <p:sldId id="310" r:id="rId17"/>
+    <p:sldId id="311" r:id="rId18"/>
+    <p:sldId id="312" r:id="rId19"/>
+    <p:sldId id="313" r:id="rId20"/>
+    <p:sldId id="314" r:id="rId21"/>
+    <p:sldId id="315" r:id="rId22"/>
+    <p:sldId id="355" r:id="rId23"/>
+    <p:sldId id="356" r:id="rId24"/>
+    <p:sldId id="357" r:id="rId25"/>
   </p:sldIdLst>
   <p:sldSz cx="12192000" cy="6858000"/>
   <p:notesSz cx="6858000" cy="9144000"/>
@@ -643,7 +647,7 @@
       </p:grpSpPr>
       <p:sp>
         <p:nvSpPr>
-          <p:cNvPr id="605" name="Shape 605"/>
+          <p:cNvPr id="879" name="Shape 879"/>
           <p:cNvSpPr>
             <a:spLocks noGrp="1" noRot="1" noChangeAspect="1"/>
           </p:cNvSpPr>
@@ -666,7 +670,7 @@
       </p:sp>
       <p:sp>
         <p:nvSpPr>
-          <p:cNvPr id="606" name="Shape 606"/>
+          <p:cNvPr id="880" name="Shape 880"/>
           <p:cNvSpPr>
             <a:spLocks noGrp="1"/>
           </p:cNvSpPr>
@@ -684,20 +688,17 @@
           <a:lstStyle/>
           <a:p>
             <a:r>
-              <a:t>some of these are just by chance - you can sort of look at th edistrubtion and assume at least ~800 of them are, but there could be a few hundred p-values that really are  - we use an correction for multiple testing to find these. </a:t>
-            </a:r>
-          </a:p>
-          <a:p>
-            <a:endParaRPr/>
-          </a:p>
-          <a:p>
-            <a:r>
-              <a:t>Default here is false discovery rate (benjami hochberg) -or the proportion of false discoveries - so with an FDR of 0.1, we expect ~10% of the rejected null hypothesis to be an error, and to actually be just due to chance. </a:t>
+              <a:t>So here you can see nothing happens in ES cells and the gene seems to be off, in the FGF treatments loss of ARID2 increase this gene, but inEB it decreases, but in EB WT cells turn this gene way up, ARID2 do not.</a:t>
             </a:r>
           </a:p>
         </p:txBody>
       </p:sp>
     </p:spTree>
+    <p:extLst>
+      <p:ext uri="{BB962C8B-B14F-4D97-AF65-F5344CB8AC3E}">
+        <p14:creationId xmlns:p14="http://schemas.microsoft.com/office/powerpoint/2010/main" val="852341361"/>
+      </p:ext>
+    </p:extLst>
   </p:cSld>
   <p:clrMapOvr>
     <a:masterClrMapping/>
@@ -724,7 +725,7 @@
       </p:grpSpPr>
       <p:sp>
         <p:nvSpPr>
-          <p:cNvPr id="611" name="Shape 611"/>
+          <p:cNvPr id="605" name="Shape 605"/>
           <p:cNvSpPr>
             <a:spLocks noGrp="1" noRot="1" noChangeAspect="1"/>
           </p:cNvSpPr>
@@ -747,7 +748,7 @@
       </p:sp>
       <p:sp>
         <p:nvSpPr>
-          <p:cNvPr id="612" name="Shape 612"/>
+          <p:cNvPr id="606" name="Shape 606"/>
           <p:cNvSpPr>
             <a:spLocks noGrp="1"/>
           </p:cNvSpPr>
@@ -765,7 +766,15 @@
           <a:lstStyle/>
           <a:p>
             <a:r>
-              <a:t>basic plot shows few genes with pretty strong log fold changes are significant . BUt you can see some odd banding and stuff in the data. This is inpart becuase the genes with low counts can have very high (but pretty unreliabile ) fold changes</a:t>
+              <a:t>some of these are just by chance - you can sort of look at th edistrubtion and assume at least ~800 of them are, but there could be a few hundred p-values that really are  - we use an correction for multiple testing to find these. </a:t>
+            </a:r>
+          </a:p>
+          <a:p>
+            <a:endParaRPr/>
+          </a:p>
+          <a:p>
+            <a:r>
+              <a:t>Default here is false discovery rate (benjami hochberg) -or the proportion of false discoveries - so with an FDR of 0.1, we expect ~10% of the rejected null hypothesis to be an error, and to actually be just due to chance. </a:t>
             </a:r>
           </a:p>
         </p:txBody>
@@ -797,7 +806,7 @@
       </p:grpSpPr>
       <p:sp>
         <p:nvSpPr>
-          <p:cNvPr id="634" name="Shape 634"/>
+          <p:cNvPr id="611" name="Shape 611"/>
           <p:cNvSpPr>
             <a:spLocks noGrp="1" noRot="1" noChangeAspect="1"/>
           </p:cNvSpPr>
@@ -820,7 +829,7 @@
       </p:sp>
       <p:sp>
         <p:nvSpPr>
-          <p:cNvPr id="635" name="Shape 635"/>
+          <p:cNvPr id="612" name="Shape 612"/>
           <p:cNvSpPr>
             <a:spLocks noGrp="1"/>
           </p:cNvSpPr>
@@ -838,12 +847,7 @@
           <a:lstStyle/>
           <a:p>
             <a:r>
-              <a:t>Important to go back to your original count data transformed somehow to do these plots</a:t>
-            </a:r>
-          </a:p>
-          <a:p>
-            <a:r>
-              <a:t>Like last time, we can see that the count data varies a lot so this is really just dominated by the total counts. Usually we want to scale this by row, so that we can see difference between groups. Also notice that one sample GM12832 is sort of off doing its own thing, which is in line with what we saw the other day. </a:t>
+              <a:t>basic plot shows few genes with pretty strong log fold changes are significant . BUt you can see some odd banding and stuff in the data. This is inpart becuase the genes with low counts can have very high (but pretty unreliabile ) fold changes</a:t>
             </a:r>
           </a:p>
         </p:txBody>
@@ -875,7 +879,7 @@
       </p:grpSpPr>
       <p:sp>
         <p:nvSpPr>
-          <p:cNvPr id="640" name="Shape 640"/>
+          <p:cNvPr id="634" name="Shape 634"/>
           <p:cNvSpPr>
             <a:spLocks noGrp="1" noRot="1" noChangeAspect="1"/>
           </p:cNvSpPr>
@@ -898,7 +902,7 @@
       </p:sp>
       <p:sp>
         <p:nvSpPr>
-          <p:cNvPr id="641" name="Shape 641"/>
+          <p:cNvPr id="635" name="Shape 635"/>
           <p:cNvSpPr>
             <a:spLocks noGrp="1"/>
           </p:cNvSpPr>
@@ -916,30 +920,12 @@
           <a:lstStyle/>
           <a:p>
             <a:r>
-              <a:t>center = T subtracts the column mean from each value</a:t>
-            </a:r>
-          </a:p>
-          <a:p>
-            <a:r>
-              <a:t>scale = T divides these values by the standard deviation of the column</a:t>
-            </a:r>
-          </a:p>
-          <a:p>
-            <a:r>
-              <a:t>This gives you a z-score of the expression in that row. </a:t>
-            </a:r>
-          </a:p>
-          <a:p>
-            <a:r>
-              <a:t>We transpose the original matrix since scale operates on columns, then transpose again to return to the original dimensions</a:t>
-            </a:r>
-          </a:p>
-          <a:p>
-            <a:endParaRPr/>
-          </a:p>
-          <a:p>
-            <a:r>
-              <a:t>NOw this behaves much better and our samples cluster. Even the problem child 12832, which because we put all these values on the same scales (z-scores) a few genes with very high counts in that sample don’t drag it away.</a:t>
+              <a:t>Important to go back to your original count data transformed somehow to do these plots</a:t>
+            </a:r>
+          </a:p>
+          <a:p>
+            <a:r>
+              <a:t>Like last time, we can see that the count data varies a lot so this is really just dominated by the total counts. Usually we want to scale this by row, so that we can see difference between groups. Also notice that one sample GM12832 is sort of off doing its own thing, which is in line with what we saw the other day. </a:t>
             </a:r>
           </a:p>
         </p:txBody>
@@ -971,7 +957,7 @@
       </p:grpSpPr>
       <p:sp>
         <p:nvSpPr>
-          <p:cNvPr id="646" name="Shape 646"/>
+          <p:cNvPr id="640" name="Shape 640"/>
           <p:cNvSpPr>
             <a:spLocks noGrp="1" noRot="1" noChangeAspect="1"/>
           </p:cNvSpPr>
@@ -994,7 +980,7 @@
       </p:sp>
       <p:sp>
         <p:nvSpPr>
-          <p:cNvPr id="647" name="Shape 647"/>
+          <p:cNvPr id="641" name="Shape 641"/>
           <p:cNvSpPr>
             <a:spLocks noGrp="1"/>
           </p:cNvSpPr>
@@ -1012,7 +998,22 @@
           <a:lstStyle/>
           <a:p>
             <a:r>
-              <a:t>We tested the null hypothesis that there was not a difference in experssion between two conditions (condition A == condition B). It’s possible that we’lll have small fold changes that relate to large enough p-values to pass our threshold for significance. This coudl be becuase we have lots of replicates and very high power or because we have some very h igh expression levels that we’re pretty sure of and can mroe easily ‘see’ the difference (i.e. we’re more sure of our estimate of that genes expression in each condition). </a:t>
+              <a:t>center = T subtracts the column mean from each value</a:t>
+            </a:r>
+          </a:p>
+          <a:p>
+            <a:r>
+              <a:t>scale = T divides these values by the standard deviation of the column</a:t>
+            </a:r>
+          </a:p>
+          <a:p>
+            <a:r>
+              <a:t>This gives you a z-score of the expression in that row. </a:t>
+            </a:r>
+          </a:p>
+          <a:p>
+            <a:r>
+              <a:t>We transpose the original matrix since scale operates on columns, then transpose again to return to the original dimensions</a:t>
             </a:r>
           </a:p>
           <a:p>
@@ -1020,7 +1021,7 @@
           </a:p>
           <a:p>
             <a:r>
-              <a:t>While these might statistically be different, we might not care biologically - in practice, some will enforce a threshold of 2-fold or 1.5 fold or something like that. This experient has few genes, so I woulnd’t bother even though a couple have pretty small fold changes</a:t>
+              <a:t>NOw this behaves much better and our samples cluster. Even the problem child 12832, which because we put all these values on the same scales (z-scores) a few genes with very high counts in that sample don’t drag it away.</a:t>
             </a:r>
           </a:p>
         </p:txBody>
@@ -4249,58 +4250,43 @@
       </p:grpSpPr>
       <p:sp>
         <p:nvSpPr>
-          <p:cNvPr id="2" name="Title 1">
-            <a:extLst>
-              <a:ext uri="{FF2B5EF4-FFF2-40B4-BE49-F238E27FC236}">
-                <a16:creationId xmlns:a16="http://schemas.microsoft.com/office/drawing/2014/main" id="{3F323257-C824-188C-C40A-30EFFE16DAC5}"/>
-              </a:ext>
-            </a:extLst>
-          </p:cNvPr>
-          <p:cNvSpPr>
-            <a:spLocks noGrp="1"/>
-          </p:cNvSpPr>
-          <p:nvPr>
-            <p:ph type="ctrTitle"/>
-          </p:nvPr>
-        </p:nvSpPr>
-        <p:spPr/>
-        <p:txBody>
-          <a:bodyPr/>
-          <a:lstStyle/>
-          <a:p>
-            <a:endParaRPr lang="en-US"/>
-          </a:p>
-        </p:txBody>
-      </p:sp>
-      <p:sp>
-        <p:nvSpPr>
-          <p:cNvPr id="3" name="Subtitle 2">
-            <a:extLst>
-              <a:ext uri="{FF2B5EF4-FFF2-40B4-BE49-F238E27FC236}">
-                <a16:creationId xmlns:a16="http://schemas.microsoft.com/office/drawing/2014/main" id="{72ECC135-B5BB-FE71-FA24-5D97BF09D272}"/>
-              </a:ext>
-            </a:extLst>
-          </p:cNvPr>
-          <p:cNvSpPr>
-            <a:spLocks noGrp="1"/>
-          </p:cNvSpPr>
-          <p:nvPr>
-            <p:ph type="subTitle" idx="1"/>
-          </p:nvPr>
-        </p:nvSpPr>
-        <p:spPr/>
-        <p:txBody>
-          <a:bodyPr/>
-          <a:lstStyle/>
-          <a:p>
-            <a:endParaRPr lang="en-US"/>
+          <p:cNvPr id="2" name="TextBox 1">
+            <a:extLst>
+              <a:ext uri="{FF2B5EF4-FFF2-40B4-BE49-F238E27FC236}">
+                <a16:creationId xmlns:a16="http://schemas.microsoft.com/office/drawing/2014/main" id="{81DFBDC4-B9E4-8C0D-B778-80457EE2903F}"/>
+              </a:ext>
+            </a:extLst>
+          </p:cNvPr>
+          <p:cNvSpPr txBox="1"/>
+          <p:nvPr/>
+        </p:nvSpPr>
+        <p:spPr>
+          <a:xfrm>
+            <a:off x="3529712" y="569102"/>
+            <a:ext cx="5799726" cy="646331"/>
+          </a:xfrm>
+          <a:prstGeom prst="rect">
+            <a:avLst/>
+          </a:prstGeom>
+          <a:noFill/>
+        </p:spPr>
+        <p:txBody>
+          <a:bodyPr wrap="square" rtlCol="0">
+            <a:spAutoFit/>
+          </a:bodyPr>
+          <a:lstStyle/>
+          <a:p>
+            <a:r>
+              <a:rPr lang="en-US" dirty="0"/>
+              <a:t>Lecture 6 – experimental designs, visualization, enrichment/downstream analysis </a:t>
+            </a:r>
           </a:p>
         </p:txBody>
       </p:sp>
     </p:spTree>
     <p:extLst>
       <p:ext uri="{BB962C8B-B14F-4D97-AF65-F5344CB8AC3E}">
-        <p14:creationId xmlns:p14="http://schemas.microsoft.com/office/powerpoint/2010/main" val="2358855048"/>
+        <p14:creationId xmlns:p14="http://schemas.microsoft.com/office/powerpoint/2010/main" val="3117986518"/>
       </p:ext>
     </p:extLst>
   </p:cSld>
@@ -4375,7 +4361,7 @@
         </p:nvSpPr>
         <p:spPr>
           <a:xfrm>
-            <a:off x="5487314" y="1104593"/>
+            <a:off x="5692043" y="1111687"/>
             <a:ext cx="807913" cy="189796"/>
           </a:xfrm>
           <a:prstGeom prst="rect">
@@ -4397,7 +4383,7 @@
           <a:lstStyle/>
           <a:p>
             <a:r>
-              <a:rPr sz="900"/>
+              <a:rPr sz="900" dirty="0"/>
               <a:t>WT vs ARID2 KO</a:t>
             </a:r>
           </a:p>
@@ -4667,43 +4653,16 @@
           </a:p>
         </p:txBody>
       </p:sp>
-      <p:pic>
-        <p:nvPicPr>
-          <p:cNvPr id="855" name="Image" descr="Image"/>
-          <p:cNvPicPr>
-            <a:picLocks noChangeAspect="1"/>
-          </p:cNvPicPr>
-          <p:nvPr/>
-        </p:nvPicPr>
-        <p:blipFill>
-          <a:blip r:embed="rId2"/>
-          <a:stretch>
-            <a:fillRect/>
-          </a:stretch>
-        </p:blipFill>
-        <p:spPr>
-          <a:xfrm>
-            <a:off x="2107188" y="4220757"/>
-            <a:ext cx="3267402" cy="511894"/>
-          </a:xfrm>
-          <a:prstGeom prst="rect">
-            <a:avLst/>
-          </a:prstGeom>
-          <a:ln w="12700">
-            <a:miter lim="400000"/>
-          </a:ln>
-        </p:spPr>
-      </p:pic>
-      <p:sp>
-        <p:nvSpPr>
-          <p:cNvPr id="856" name="Genotype comparison"/>
+      <p:sp>
+        <p:nvSpPr>
+          <p:cNvPr id="858" name="What genes does loss of ARID2 affect?"/>
           <p:cNvSpPr txBox="1"/>
           <p:nvPr/>
         </p:nvSpPr>
         <p:spPr>
           <a:xfrm>
-            <a:off x="292738" y="4502797"/>
-            <a:ext cx="1090042" cy="189796"/>
+            <a:off x="1420663" y="3165523"/>
+            <a:ext cx="4931991" cy="420628"/>
           </a:xfrm>
           <a:prstGeom prst="rect">
             <a:avLst/>
@@ -4721,33 +4680,37 @@
           <a:bodyPr wrap="none" lIns="25400" tIns="25400" rIns="25400" bIns="25400" anchor="ctr">
             <a:spAutoFit/>
           </a:bodyPr>
-          <a:lstStyle/>
-          <a:p>
-            <a:r>
-              <a:rPr sz="900"/>
-              <a:t>Genotype comparison</a:t>
+          <a:lstStyle>
+            <a:lvl1pPr>
+              <a:defRPr b="1"/>
+            </a:lvl1pPr>
+          </a:lstStyle>
+          <a:p>
+            <a:r>
+              <a:rPr sz="2400"/>
+              <a:t>What genes does loss of ARID2 affect?</a:t>
             </a:r>
           </a:p>
         </p:txBody>
       </p:sp>
       <p:pic>
         <p:nvPicPr>
-          <p:cNvPr id="857" name="Image" descr="Image"/>
+          <p:cNvPr id="859" name="Image" descr="Image"/>
           <p:cNvPicPr>
             <a:picLocks noChangeAspect="1"/>
           </p:cNvPicPr>
           <p:nvPr/>
         </p:nvPicPr>
         <p:blipFill>
-          <a:blip r:embed="rId3"/>
+          <a:blip r:embed="rId2"/>
           <a:stretch>
             <a:fillRect/>
           </a:stretch>
         </p:blipFill>
         <p:spPr>
           <a:xfrm>
-            <a:off x="196583" y="3595512"/>
-            <a:ext cx="7999877" cy="477296"/>
+            <a:off x="8193928" y="3504949"/>
+            <a:ext cx="3691469" cy="2838990"/>
           </a:xfrm>
           <a:prstGeom prst="rect">
             <a:avLst/>
@@ -4759,14 +4722,14 @@
       </p:pic>
       <p:sp>
         <p:nvSpPr>
-          <p:cNvPr id="858" name="What genes does loss of ARID2 affect?"/>
+          <p:cNvPr id="860" name="~4x increase regardless of treatment"/>
           <p:cNvSpPr txBox="1"/>
           <p:nvPr/>
         </p:nvSpPr>
         <p:spPr>
           <a:xfrm>
-            <a:off x="1420663" y="3165523"/>
-            <a:ext cx="4931991" cy="420628"/>
+            <a:off x="8867059" y="3334102"/>
+            <a:ext cx="1809791" cy="189796"/>
           </a:xfrm>
           <a:prstGeom prst="rect">
             <a:avLst/>
@@ -4791,15 +4754,51 @@
           </a:lstStyle>
           <a:p>
             <a:r>
-              <a:rPr sz="2400"/>
-              <a:t>What genes does loss of ARID2 affect?</a:t>
+              <a:rPr sz="900"/>
+              <a:t>~4x increase regardless of treatment</a:t>
             </a:r>
           </a:p>
         </p:txBody>
       </p:sp>
       <p:pic>
         <p:nvPicPr>
-          <p:cNvPr id="859" name="Image" descr="Image"/>
+          <p:cNvPr id="2" name="Picture 1">
+            <a:extLst>
+              <a:ext uri="{FF2B5EF4-FFF2-40B4-BE49-F238E27FC236}">
+                <a16:creationId xmlns:a16="http://schemas.microsoft.com/office/drawing/2014/main" id="{101ABFE1-8D34-D934-8D83-C1537BAA228D}"/>
+              </a:ext>
+            </a:extLst>
+          </p:cNvPr>
+          <p:cNvPicPr>
+            <a:picLocks noChangeAspect="1"/>
+          </p:cNvPicPr>
+          <p:nvPr/>
+        </p:nvPicPr>
+        <p:blipFill>
+          <a:blip r:embed="rId3"/>
+          <a:stretch>
+            <a:fillRect/>
+          </a:stretch>
+        </p:blipFill>
+        <p:spPr>
+          <a:xfrm>
+            <a:off x="196583" y="779774"/>
+            <a:ext cx="3746500" cy="956986"/>
+          </a:xfrm>
+          <a:prstGeom prst="rect">
+            <a:avLst/>
+          </a:prstGeom>
+        </p:spPr>
+      </p:pic>
+      <p:pic>
+        <p:nvPicPr>
+          <p:cNvPr id="3" name="Picture 2">
+            <a:extLst>
+              <a:ext uri="{FF2B5EF4-FFF2-40B4-BE49-F238E27FC236}">
+                <a16:creationId xmlns:a16="http://schemas.microsoft.com/office/drawing/2014/main" id="{62E85DB6-1F84-38B9-E5BC-00A714A3D2D4}"/>
+              </a:ext>
+            </a:extLst>
+          </p:cNvPr>
           <p:cNvPicPr>
             <a:picLocks noChangeAspect="1"/>
           </p:cNvPicPr>
@@ -4813,57 +4812,74 @@
         </p:blipFill>
         <p:spPr>
           <a:xfrm>
-            <a:off x="8193928" y="3504949"/>
-            <a:ext cx="3691469" cy="2838990"/>
-          </a:xfrm>
-          <a:prstGeom prst="rect">
-            <a:avLst/>
-          </a:prstGeom>
-          <a:ln w="12700">
-            <a:miter lim="400000"/>
-          </a:ln>
+            <a:off x="285233" y="1999603"/>
+            <a:ext cx="2133600" cy="355600"/>
+          </a:xfrm>
+          <a:prstGeom prst="rect">
+            <a:avLst/>
+          </a:prstGeom>
         </p:spPr>
       </p:pic>
-      <p:sp>
-        <p:nvSpPr>
-          <p:cNvPr id="860" name="~4x increase regardless of treatment"/>
-          <p:cNvSpPr txBox="1"/>
-          <p:nvPr/>
-        </p:nvSpPr>
-        <p:spPr>
-          <a:xfrm>
-            <a:off x="8867059" y="3334102"/>
-            <a:ext cx="1809791" cy="189796"/>
-          </a:xfrm>
-          <a:prstGeom prst="rect">
-            <a:avLst/>
-          </a:prstGeom>
-          <a:ln w="12700">
-            <a:miter lim="400000"/>
-          </a:ln>
-          <a:extLst>
-            <a:ext uri="{C572A759-6A51-4108-AA02-DFA0A04FC94B}">
-              <ma14:wrappingTextBoxFlag xmlns:ma14="http://schemas.microsoft.com/office/mac/drawingml/2011/main" xmlns:a14="http://schemas.microsoft.com/office/drawing/2010/main" xmlns:m="http://schemas.openxmlformats.org/officeDocument/2006/math" xmlns="" val="1"/>
-            </a:ext>
-          </a:extLst>
-        </p:spPr>
-        <p:txBody>
-          <a:bodyPr wrap="none" lIns="25400" tIns="25400" rIns="25400" bIns="25400" anchor="ctr">
-            <a:spAutoFit/>
-          </a:bodyPr>
-          <a:lstStyle>
-            <a:lvl1pPr>
-              <a:defRPr b="1"/>
-            </a:lvl1pPr>
-          </a:lstStyle>
-          <a:p>
-            <a:r>
-              <a:rPr sz="900"/>
-              <a:t>~4x increase regardless of treatment</a:t>
-            </a:r>
-          </a:p>
-        </p:txBody>
-      </p:sp>
+      <p:pic>
+        <p:nvPicPr>
+          <p:cNvPr id="4" name="Picture 3">
+            <a:extLst>
+              <a:ext uri="{FF2B5EF4-FFF2-40B4-BE49-F238E27FC236}">
+                <a16:creationId xmlns:a16="http://schemas.microsoft.com/office/drawing/2014/main" id="{15D7B9E0-EBD4-8C34-62C0-0D3FA0819793}"/>
+              </a:ext>
+            </a:extLst>
+          </p:cNvPr>
+          <p:cNvPicPr>
+            <a:picLocks noChangeAspect="1"/>
+          </p:cNvPicPr>
+          <p:nvPr/>
+        </p:nvPicPr>
+        <p:blipFill>
+          <a:blip r:embed="rId5"/>
+          <a:stretch>
+            <a:fillRect/>
+          </a:stretch>
+        </p:blipFill>
+        <p:spPr>
+          <a:xfrm>
+            <a:off x="528205" y="4000311"/>
+            <a:ext cx="7099300" cy="647700"/>
+          </a:xfrm>
+          <a:prstGeom prst="rect">
+            <a:avLst/>
+          </a:prstGeom>
+        </p:spPr>
+      </p:pic>
+      <p:pic>
+        <p:nvPicPr>
+          <p:cNvPr id="5" name="Picture 4">
+            <a:extLst>
+              <a:ext uri="{FF2B5EF4-FFF2-40B4-BE49-F238E27FC236}">
+                <a16:creationId xmlns:a16="http://schemas.microsoft.com/office/drawing/2014/main" id="{9473132F-0B97-3DC9-3767-65F7356A2491}"/>
+              </a:ext>
+            </a:extLst>
+          </p:cNvPr>
+          <p:cNvPicPr>
+            <a:picLocks noChangeAspect="1"/>
+          </p:cNvPicPr>
+          <p:nvPr/>
+        </p:nvPicPr>
+        <p:blipFill>
+          <a:blip r:embed="rId6"/>
+          <a:stretch>
+            <a:fillRect/>
+          </a:stretch>
+        </p:blipFill>
+        <p:spPr>
+          <a:xfrm>
+            <a:off x="528205" y="4993427"/>
+            <a:ext cx="7000355" cy="206677"/>
+          </a:xfrm>
+          <a:prstGeom prst="rect">
+            <a:avLst/>
+          </a:prstGeom>
+        </p:spPr>
+      </p:pic>
     </p:spTree>
   </p:cSld>
   <p:clrMapOvr>
@@ -5261,14 +5277,19 @@
           <a:p>
             <a:pPr algn="l"/>
             <a:r>
-              <a:rPr sz="2000"/>
-              <a:t>full = ~ genotype + treatment + genotype:treatment</a:t>
-            </a:r>
+              <a:rPr sz="2000" dirty="0"/>
+              <a:t>full = ~ genotype + treatment + </a:t>
+            </a:r>
+            <a:r>
+              <a:rPr sz="2000" dirty="0" err="1"/>
+              <a:t>genotype:treatment</a:t>
+            </a:r>
+            <a:endParaRPr sz="2000" dirty="0"/>
           </a:p>
           <a:p>
             <a:pPr algn="l"/>
             <a:r>
-              <a:rPr sz="2000"/>
+              <a:rPr sz="2000" dirty="0"/>
               <a:t>reduced = ~ genotype + treatment</a:t>
             </a:r>
           </a:p>
@@ -5304,8 +5325,14 @@
           <a:lstStyle/>
           <a:p>
             <a:r>
-              <a:t>Small p values mean that there is a genotype specific effect of one (or more) treatments</a:t>
-            </a:r>
+              <a:rPr dirty="0"/>
+              <a:t>Small p values mean that there is a</a:t>
+            </a:r>
+            <a:r>
+              <a:rPr lang="en-US" dirty="0"/>
+              <a:t>n interaction between genotype and treatment</a:t>
+            </a:r>
+            <a:endParaRPr dirty="0"/>
           </a:p>
         </p:txBody>
       </p:sp>
@@ -5391,7 +5418,7 @@
       </p:sp>
       <p:pic>
         <p:nvPicPr>
-          <p:cNvPr id="876" name="Image" descr="Image"/>
+          <p:cNvPr id="878" name="Image" descr="Image"/>
           <p:cNvPicPr>
             <a:picLocks noChangeAspect="1"/>
           </p:cNvPicPr>
@@ -5405,8 +5432,8 @@
         </p:blipFill>
         <p:spPr>
           <a:xfrm>
-            <a:off x="302821" y="4671531"/>
-            <a:ext cx="5503648" cy="960955"/>
+            <a:off x="7689089" y="2871757"/>
+            <a:ext cx="4514322" cy="3486191"/>
           </a:xfrm>
           <a:prstGeom prst="rect">
             <a:avLst/>
@@ -5418,7 +5445,13 @@
       </p:pic>
       <p:pic>
         <p:nvPicPr>
-          <p:cNvPr id="877" name="Image" descr="Image"/>
+          <p:cNvPr id="2" name="Picture 1">
+            <a:extLst>
+              <a:ext uri="{FF2B5EF4-FFF2-40B4-BE49-F238E27FC236}">
+                <a16:creationId xmlns:a16="http://schemas.microsoft.com/office/drawing/2014/main" id="{E428CA98-068C-8BDD-D37E-C56243C9615B}"/>
+              </a:ext>
+            </a:extLst>
+          </p:cNvPr>
           <p:cNvPicPr>
             <a:picLocks noChangeAspect="1"/>
           </p:cNvPicPr>
@@ -5432,20 +5465,23 @@
         </p:blipFill>
         <p:spPr>
           <a:xfrm>
-            <a:off x="302821" y="5694747"/>
-            <a:ext cx="4029046" cy="620916"/>
-          </a:xfrm>
-          <a:prstGeom prst="rect">
-            <a:avLst/>
-          </a:prstGeom>
-          <a:ln w="12700">
-            <a:miter lim="400000"/>
-          </a:ln>
+            <a:off x="332752" y="4805665"/>
+            <a:ext cx="6735917" cy="545628"/>
+          </a:xfrm>
+          <a:prstGeom prst="rect">
+            <a:avLst/>
+          </a:prstGeom>
         </p:spPr>
       </p:pic>
       <p:pic>
         <p:nvPicPr>
-          <p:cNvPr id="878" name="Image" descr="Image"/>
+          <p:cNvPr id="3" name="Picture 2">
+            <a:extLst>
+              <a:ext uri="{FF2B5EF4-FFF2-40B4-BE49-F238E27FC236}">
+                <a16:creationId xmlns:a16="http://schemas.microsoft.com/office/drawing/2014/main" id="{8FC76921-C602-BC33-DCA3-56825019D2A2}"/>
+              </a:ext>
+            </a:extLst>
+          </p:cNvPr>
           <p:cNvPicPr>
             <a:picLocks noChangeAspect="1"/>
           </p:cNvPicPr>
@@ -5459,15 +5495,12 @@
         </p:blipFill>
         <p:spPr>
           <a:xfrm>
-            <a:off x="7689089" y="2871757"/>
-            <a:ext cx="4514322" cy="3486191"/>
-          </a:xfrm>
-          <a:prstGeom prst="rect">
-            <a:avLst/>
-          </a:prstGeom>
-          <a:ln w="12700">
-            <a:miter lim="400000"/>
-          </a:ln>
+            <a:off x="371620" y="5496360"/>
+            <a:ext cx="6768199" cy="307360"/>
+          </a:xfrm>
+          <a:prstGeom prst="rect">
+            <a:avLst/>
+          </a:prstGeom>
         </p:spPr>
       </p:pic>
     </p:spTree>
@@ -5497,14 +5530,14 @@
       </p:grpSpPr>
       <p:sp>
         <p:nvSpPr>
-          <p:cNvPr id="603" name="P-values"/>
+          <p:cNvPr id="862" name="A concrete example"/>
           <p:cNvSpPr txBox="1"/>
           <p:nvPr/>
         </p:nvSpPr>
         <p:spPr>
           <a:xfrm>
-            <a:off x="5438013" y="149605"/>
-            <a:ext cx="1113446" cy="420628"/>
+            <a:off x="3375389" y="136237"/>
+            <a:ext cx="5839676" cy="420628"/>
           </a:xfrm>
           <a:prstGeom prst="rect">
             <a:avLst/>
@@ -5514,7 +5547,7 @@
           </a:ln>
           <a:extLst>
             <a:ext uri="{C572A759-6A51-4108-AA02-DFA0A04FC94B}">
-              <ma14:wrappingTextBoxFlag xmlns:ma14="http://schemas.microsoft.com/office/mac/drawingml/2011/main" xmlns:a14="http://schemas.microsoft.com/office/drawing/2010/main" xmlns:m="http://schemas.openxmlformats.org/officeDocument/2006/math" xmlns="" val="1"/>
+              <ma14:wrappingTextBoxFlag xmlns="" xmlns:m="http://schemas.openxmlformats.org/officeDocument/2006/math" xmlns:a14="http://schemas.microsoft.com/office/drawing/2010/main" xmlns:ma14="http://schemas.microsoft.com/office/mac/drawingml/2011/main" val="1"/>
             </a:ext>
           </a:extLst>
         </p:spPr>
@@ -5529,15 +5562,445 @@
           </a:lstStyle>
           <a:p>
             <a:r>
-              <a:rPr sz="2400"/>
-              <a:t>P-values</a:t>
+              <a:rPr lang="en-US" sz="2400" dirty="0"/>
+              <a:t>Interaction between treatment and genotype</a:t>
+            </a:r>
+            <a:endParaRPr sz="2400" dirty="0"/>
+          </a:p>
+        </p:txBody>
+      </p:sp>
+      <p:sp>
+        <p:nvSpPr>
+          <p:cNvPr id="863" name="WT vs ARID2 KO"/>
+          <p:cNvSpPr txBox="1"/>
+          <p:nvPr/>
+        </p:nvSpPr>
+        <p:spPr>
+          <a:xfrm>
+            <a:off x="5745984" y="799702"/>
+            <a:ext cx="2056782" cy="420628"/>
+          </a:xfrm>
+          <a:prstGeom prst="rect">
+            <a:avLst/>
+          </a:prstGeom>
+          <a:ln w="12700">
+            <a:miter lim="400000"/>
+          </a:ln>
+          <a:extLst>
+            <a:ext uri="{C572A759-6A51-4108-AA02-DFA0A04FC94B}">
+              <ma14:wrappingTextBoxFlag xmlns="" xmlns:m="http://schemas.openxmlformats.org/officeDocument/2006/math" xmlns:a14="http://schemas.microsoft.com/office/drawing/2010/main" xmlns:ma14="http://schemas.microsoft.com/office/mac/drawingml/2011/main" val="1"/>
+            </a:ext>
+          </a:extLst>
+        </p:spPr>
+        <p:txBody>
+          <a:bodyPr wrap="none" lIns="25400" tIns="25400" rIns="25400" bIns="25400" anchor="ctr">
+            <a:spAutoFit/>
+          </a:bodyPr>
+          <a:lstStyle/>
+          <a:p>
+            <a:r>
+              <a:rPr sz="2400" dirty="0"/>
+              <a:t>WT vs ARID2 KO</a:t>
+            </a:r>
+          </a:p>
+        </p:txBody>
+      </p:sp>
+      <p:sp>
+        <p:nvSpPr>
+          <p:cNvPr id="864" name="Line"/>
+          <p:cNvSpPr/>
+          <p:nvPr/>
+        </p:nvSpPr>
+        <p:spPr>
+          <a:xfrm flipH="1">
+            <a:off x="4024515" y="1376391"/>
+            <a:ext cx="1904628" cy="891319"/>
+          </a:xfrm>
+          <a:prstGeom prst="line">
+            <a:avLst/>
+          </a:prstGeom>
+          <a:ln w="25400">
+            <a:solidFill>
+              <a:srgbClr val="000000"/>
+            </a:solidFill>
+            <a:miter lim="400000"/>
+            <a:tailEnd type="triangle"/>
+          </a:ln>
+        </p:spPr>
+        <p:txBody>
+          <a:bodyPr lIns="25400" tIns="25400" rIns="25400" bIns="25400" anchor="ctr"/>
+          <a:lstStyle/>
+          <a:p>
+            <a:endParaRPr sz="900"/>
+          </a:p>
+        </p:txBody>
+      </p:sp>
+      <p:sp>
+        <p:nvSpPr>
+          <p:cNvPr id="865" name="Line"/>
+          <p:cNvSpPr/>
+          <p:nvPr/>
+        </p:nvSpPr>
+        <p:spPr>
+          <a:xfrm flipH="1">
+            <a:off x="5499325" y="1439891"/>
+            <a:ext cx="493318" cy="1102928"/>
+          </a:xfrm>
+          <a:prstGeom prst="line">
+            <a:avLst/>
+          </a:prstGeom>
+          <a:ln w="25400">
+            <a:solidFill>
+              <a:srgbClr val="000000"/>
+            </a:solidFill>
+            <a:miter lim="400000"/>
+            <a:tailEnd type="triangle"/>
+          </a:ln>
+        </p:spPr>
+        <p:txBody>
+          <a:bodyPr lIns="25400" tIns="25400" rIns="25400" bIns="25400" anchor="ctr"/>
+          <a:lstStyle/>
+          <a:p>
+            <a:endParaRPr sz="900"/>
+          </a:p>
+        </p:txBody>
+      </p:sp>
+      <p:sp>
+        <p:nvSpPr>
+          <p:cNvPr id="866" name="Line"/>
+          <p:cNvSpPr/>
+          <p:nvPr/>
+        </p:nvSpPr>
+        <p:spPr>
+          <a:xfrm>
+            <a:off x="6287128" y="1491321"/>
+            <a:ext cx="693280" cy="1001005"/>
+          </a:xfrm>
+          <a:prstGeom prst="line">
+            <a:avLst/>
+          </a:prstGeom>
+          <a:ln w="25400">
+            <a:solidFill>
+              <a:srgbClr val="000000"/>
+            </a:solidFill>
+            <a:miter lim="400000"/>
+            <a:tailEnd type="triangle"/>
+          </a:ln>
+        </p:spPr>
+        <p:txBody>
+          <a:bodyPr lIns="25400" tIns="25400" rIns="25400" bIns="25400" anchor="ctr"/>
+          <a:lstStyle/>
+          <a:p>
+            <a:endParaRPr sz="900"/>
+          </a:p>
+        </p:txBody>
+      </p:sp>
+      <p:sp>
+        <p:nvSpPr>
+          <p:cNvPr id="867" name="Line"/>
+          <p:cNvSpPr/>
+          <p:nvPr/>
+        </p:nvSpPr>
+        <p:spPr>
+          <a:xfrm>
+            <a:off x="6644755" y="1396931"/>
+            <a:ext cx="2141545" cy="846217"/>
+          </a:xfrm>
+          <a:prstGeom prst="line">
+            <a:avLst/>
+          </a:prstGeom>
+          <a:ln w="25400">
+            <a:solidFill>
+              <a:srgbClr val="000000"/>
+            </a:solidFill>
+            <a:miter lim="400000"/>
+            <a:tailEnd type="triangle"/>
+          </a:ln>
+        </p:spPr>
+        <p:txBody>
+          <a:bodyPr lIns="25400" tIns="25400" rIns="25400" bIns="25400" anchor="ctr"/>
+          <a:lstStyle/>
+          <a:p>
+            <a:endParaRPr sz="900"/>
+          </a:p>
+        </p:txBody>
+      </p:sp>
+      <p:sp>
+        <p:nvSpPr>
+          <p:cNvPr id="868" name="ES"/>
+          <p:cNvSpPr txBox="1"/>
+          <p:nvPr/>
+        </p:nvSpPr>
+        <p:spPr>
+          <a:xfrm>
+            <a:off x="3700711" y="2430247"/>
+            <a:ext cx="185948" cy="189796"/>
+          </a:xfrm>
+          <a:prstGeom prst="rect">
+            <a:avLst/>
+          </a:prstGeom>
+          <a:ln w="12700">
+            <a:miter lim="400000"/>
+          </a:ln>
+          <a:extLst>
+            <a:ext uri="{C572A759-6A51-4108-AA02-DFA0A04FC94B}">
+              <ma14:wrappingTextBoxFlag xmlns="" xmlns:m="http://schemas.openxmlformats.org/officeDocument/2006/math" xmlns:a14="http://schemas.microsoft.com/office/drawing/2010/main" xmlns:ma14="http://schemas.microsoft.com/office/mac/drawingml/2011/main" val="1"/>
+            </a:ext>
+          </a:extLst>
+        </p:spPr>
+        <p:txBody>
+          <a:bodyPr wrap="none" lIns="25400" tIns="25400" rIns="25400" bIns="25400" anchor="ctr">
+            <a:spAutoFit/>
+          </a:bodyPr>
+          <a:lstStyle/>
+          <a:p>
+            <a:r>
+              <a:rPr sz="900"/>
+              <a:t>ES </a:t>
+            </a:r>
+          </a:p>
+        </p:txBody>
+      </p:sp>
+      <p:sp>
+        <p:nvSpPr>
+          <p:cNvPr id="869" name="EB"/>
+          <p:cNvSpPr txBox="1"/>
+          <p:nvPr/>
+        </p:nvSpPr>
+        <p:spPr>
+          <a:xfrm>
+            <a:off x="5297945" y="2594175"/>
+            <a:ext cx="195566" cy="189796"/>
+          </a:xfrm>
+          <a:prstGeom prst="rect">
+            <a:avLst/>
+          </a:prstGeom>
+          <a:ln w="12700">
+            <a:miter lim="400000"/>
+          </a:ln>
+          <a:extLst>
+            <a:ext uri="{C572A759-6A51-4108-AA02-DFA0A04FC94B}">
+              <ma14:wrappingTextBoxFlag xmlns="" xmlns:m="http://schemas.openxmlformats.org/officeDocument/2006/math" xmlns:a14="http://schemas.microsoft.com/office/drawing/2010/main" xmlns:ma14="http://schemas.microsoft.com/office/mac/drawingml/2011/main" val="1"/>
+            </a:ext>
+          </a:extLst>
+        </p:spPr>
+        <p:txBody>
+          <a:bodyPr wrap="none" lIns="25400" tIns="25400" rIns="25400" bIns="25400" anchor="ctr">
+            <a:spAutoFit/>
+          </a:bodyPr>
+          <a:lstStyle/>
+          <a:p>
+            <a:r>
+              <a:rPr sz="900"/>
+              <a:t>EB </a:t>
+            </a:r>
+          </a:p>
+        </p:txBody>
+      </p:sp>
+      <p:sp>
+        <p:nvSpPr>
+          <p:cNvPr id="870" name="FGF24"/>
+          <p:cNvSpPr txBox="1"/>
+          <p:nvPr/>
+        </p:nvSpPr>
+        <p:spPr>
+          <a:xfrm>
+            <a:off x="6769525" y="2594175"/>
+            <a:ext cx="370294" cy="189796"/>
+          </a:xfrm>
+          <a:prstGeom prst="rect">
+            <a:avLst/>
+          </a:prstGeom>
+          <a:ln w="12700">
+            <a:miter lim="400000"/>
+          </a:ln>
+          <a:extLst>
+            <a:ext uri="{C572A759-6A51-4108-AA02-DFA0A04FC94B}">
+              <ma14:wrappingTextBoxFlag xmlns="" xmlns:m="http://schemas.openxmlformats.org/officeDocument/2006/math" xmlns:a14="http://schemas.microsoft.com/office/drawing/2010/main" xmlns:ma14="http://schemas.microsoft.com/office/mac/drawingml/2011/main" val="1"/>
+            </a:ext>
+          </a:extLst>
+        </p:spPr>
+        <p:txBody>
+          <a:bodyPr wrap="none" lIns="25400" tIns="25400" rIns="25400" bIns="25400" anchor="ctr">
+            <a:spAutoFit/>
+          </a:bodyPr>
+          <a:lstStyle/>
+          <a:p>
+            <a:r>
+              <a:rPr sz="900"/>
+              <a:t>FGF24 </a:t>
+            </a:r>
+          </a:p>
+        </p:txBody>
+      </p:sp>
+      <p:sp>
+        <p:nvSpPr>
+          <p:cNvPr id="871" name="FGF48"/>
+          <p:cNvSpPr txBox="1"/>
+          <p:nvPr/>
+        </p:nvSpPr>
+        <p:spPr>
+          <a:xfrm>
+            <a:off x="8771292" y="2594175"/>
+            <a:ext cx="370294" cy="189796"/>
+          </a:xfrm>
+          <a:prstGeom prst="rect">
+            <a:avLst/>
+          </a:prstGeom>
+          <a:ln w="12700">
+            <a:miter lim="400000"/>
+          </a:ln>
+          <a:extLst>
+            <a:ext uri="{C572A759-6A51-4108-AA02-DFA0A04FC94B}">
+              <ma14:wrappingTextBoxFlag xmlns="" xmlns:m="http://schemas.openxmlformats.org/officeDocument/2006/math" xmlns:a14="http://schemas.microsoft.com/office/drawing/2010/main" xmlns:ma14="http://schemas.microsoft.com/office/mac/drawingml/2011/main" val="1"/>
+            </a:ext>
+          </a:extLst>
+        </p:spPr>
+        <p:txBody>
+          <a:bodyPr wrap="none" lIns="25400" tIns="25400" rIns="25400" bIns="25400" anchor="ctr">
+            <a:spAutoFit/>
+          </a:bodyPr>
+          <a:lstStyle/>
+          <a:p>
+            <a:r>
+              <a:rPr sz="900"/>
+              <a:t>FGF48 </a:t>
+            </a:r>
+          </a:p>
+        </p:txBody>
+      </p:sp>
+      <p:sp>
+        <p:nvSpPr>
+          <p:cNvPr id="872" name="full = ~ genotype + treatment + genotype:treatment…"/>
+          <p:cNvSpPr txBox="1"/>
+          <p:nvPr/>
+        </p:nvSpPr>
+        <p:spPr>
+          <a:xfrm>
+            <a:off x="974644" y="3406276"/>
+            <a:ext cx="5452134" cy="666849"/>
+          </a:xfrm>
+          <a:prstGeom prst="rect">
+            <a:avLst/>
+          </a:prstGeom>
+          <a:ln w="12700">
+            <a:miter lim="400000"/>
+          </a:ln>
+          <a:extLst>
+            <a:ext uri="{C572A759-6A51-4108-AA02-DFA0A04FC94B}">
+              <ma14:wrappingTextBoxFlag xmlns="" xmlns:m="http://schemas.openxmlformats.org/officeDocument/2006/math" xmlns:a14="http://schemas.microsoft.com/office/drawing/2010/main" xmlns:ma14="http://schemas.microsoft.com/office/mac/drawingml/2011/main" val="1"/>
+            </a:ext>
+          </a:extLst>
+        </p:spPr>
+        <p:txBody>
+          <a:bodyPr wrap="none" lIns="25400" tIns="25400" rIns="25400" bIns="25400" anchor="ctr">
+            <a:spAutoFit/>
+          </a:bodyPr>
+          <a:lstStyle/>
+          <a:p>
+            <a:pPr algn="l"/>
+            <a:r>
+              <a:rPr sz="2000" dirty="0"/>
+              <a:t>full = ~ genotype + treatment + </a:t>
+            </a:r>
+            <a:r>
+              <a:rPr sz="2000" dirty="0" err="1"/>
+              <a:t>genotype:treatment</a:t>
+            </a:r>
+            <a:endParaRPr sz="2000" dirty="0"/>
+          </a:p>
+          <a:p>
+            <a:pPr algn="l"/>
+            <a:r>
+              <a:rPr sz="2000" dirty="0"/>
+              <a:t>reduced = ~ genotype + treatment</a:t>
+            </a:r>
+          </a:p>
+        </p:txBody>
+      </p:sp>
+      <p:sp>
+        <p:nvSpPr>
+          <p:cNvPr id="874" name="What genes have a different outcome to treatment based on genotype?"/>
+          <p:cNvSpPr txBox="1"/>
+          <p:nvPr/>
+        </p:nvSpPr>
+        <p:spPr>
+          <a:xfrm>
+            <a:off x="437381" y="2992162"/>
+            <a:ext cx="6898555" cy="328295"/>
+          </a:xfrm>
+          <a:prstGeom prst="rect">
+            <a:avLst/>
+          </a:prstGeom>
+          <a:ln w="12700">
+            <a:miter lim="400000"/>
+          </a:ln>
+          <a:extLst>
+            <a:ext uri="{C572A759-6A51-4108-AA02-DFA0A04FC94B}">
+              <ma14:wrappingTextBoxFlag xmlns="" xmlns:m="http://schemas.openxmlformats.org/officeDocument/2006/math" xmlns:a14="http://schemas.microsoft.com/office/drawing/2010/main" xmlns:ma14="http://schemas.microsoft.com/office/mac/drawingml/2011/main" val="1"/>
+            </a:ext>
+          </a:extLst>
+        </p:spPr>
+        <p:txBody>
+          <a:bodyPr wrap="none" lIns="25400" tIns="25400" rIns="25400" bIns="25400" anchor="ctr">
+            <a:spAutoFit/>
+          </a:bodyPr>
+          <a:lstStyle>
+            <a:lvl1pPr>
+              <a:defRPr b="1"/>
+            </a:lvl1pPr>
+          </a:lstStyle>
+          <a:p>
+            <a:r>
+              <a:rPr dirty="0"/>
+              <a:t>What genes have a different outcome to treatment based on genotype?</a:t>
+            </a:r>
+          </a:p>
+        </p:txBody>
+      </p:sp>
+      <p:sp>
+        <p:nvSpPr>
+          <p:cNvPr id="875" name="LRT"/>
+          <p:cNvSpPr txBox="1"/>
+          <p:nvPr/>
+        </p:nvSpPr>
+        <p:spPr>
+          <a:xfrm>
+            <a:off x="443837" y="3298035"/>
+            <a:ext cx="428707" cy="359073"/>
+          </a:xfrm>
+          <a:prstGeom prst="rect">
+            <a:avLst/>
+          </a:prstGeom>
+          <a:ln w="12700">
+            <a:miter lim="400000"/>
+          </a:ln>
+          <a:extLst>
+            <a:ext uri="{C572A759-6A51-4108-AA02-DFA0A04FC94B}">
+              <ma14:wrappingTextBoxFlag xmlns="" xmlns:m="http://schemas.openxmlformats.org/officeDocument/2006/math" xmlns:a14="http://schemas.microsoft.com/office/drawing/2010/main" xmlns:ma14="http://schemas.microsoft.com/office/mac/drawingml/2011/main" val="1"/>
+            </a:ext>
+          </a:extLst>
+        </p:spPr>
+        <p:txBody>
+          <a:bodyPr wrap="none" lIns="25400" tIns="25400" rIns="25400" bIns="25400" anchor="ctr">
+            <a:spAutoFit/>
+          </a:bodyPr>
+          <a:lstStyle>
+            <a:lvl1pPr>
+              <a:defRPr sz="4000" b="1"/>
+            </a:lvl1pPr>
+          </a:lstStyle>
+          <a:p>
+            <a:r>
+              <a:rPr sz="2000" dirty="0"/>
+              <a:t>LRT</a:t>
             </a:r>
           </a:p>
         </p:txBody>
       </p:sp>
       <p:pic>
         <p:nvPicPr>
-          <p:cNvPr id="604" name="Image" descr="Image"/>
+          <p:cNvPr id="878" name="Image" descr="Image"/>
           <p:cNvPicPr>
             <a:picLocks noChangeAspect="1"/>
           </p:cNvPicPr>
@@ -5551,8 +6014,8 @@
         </p:blipFill>
         <p:spPr>
           <a:xfrm>
-            <a:off x="2702154" y="1230170"/>
-            <a:ext cx="6787692" cy="4397660"/>
+            <a:off x="7689089" y="2871757"/>
+            <a:ext cx="4514322" cy="3486191"/>
           </a:xfrm>
           <a:prstGeom prst="rect">
             <a:avLst/>
@@ -5562,7 +6025,115 @@
           </a:ln>
         </p:spPr>
       </p:pic>
+      <p:sp>
+        <p:nvSpPr>
+          <p:cNvPr id="4" name="TextBox 3">
+            <a:extLst>
+              <a:ext uri="{FF2B5EF4-FFF2-40B4-BE49-F238E27FC236}">
+                <a16:creationId xmlns:a16="http://schemas.microsoft.com/office/drawing/2014/main" id="{32D8973C-6973-D4B0-25A6-77AEEF711A6B}"/>
+              </a:ext>
+            </a:extLst>
+          </p:cNvPr>
+          <p:cNvSpPr txBox="1"/>
+          <p:nvPr/>
+        </p:nvSpPr>
+        <p:spPr>
+          <a:xfrm>
+            <a:off x="655320" y="4511040"/>
+            <a:ext cx="6325088" cy="646331"/>
+          </a:xfrm>
+          <a:prstGeom prst="rect">
+            <a:avLst/>
+          </a:prstGeom>
+          <a:noFill/>
+        </p:spPr>
+        <p:txBody>
+          <a:bodyPr wrap="square" rtlCol="0">
+            <a:spAutoFit/>
+          </a:bodyPr>
+          <a:lstStyle/>
+          <a:p>
+            <a:r>
+              <a:rPr lang="en-US" dirty="0"/>
+              <a:t>You can extract fold changes between comparisons – but </a:t>
+            </a:r>
+            <a:r>
+              <a:rPr lang="en-US" dirty="0" err="1"/>
+              <a:t>pvalues</a:t>
+            </a:r>
+            <a:r>
+              <a:rPr lang="en-US" dirty="0"/>
+              <a:t> are for the interaction term</a:t>
+            </a:r>
+          </a:p>
+        </p:txBody>
+      </p:sp>
+      <p:pic>
+        <p:nvPicPr>
+          <p:cNvPr id="5" name="Picture 4">
+            <a:extLst>
+              <a:ext uri="{FF2B5EF4-FFF2-40B4-BE49-F238E27FC236}">
+                <a16:creationId xmlns:a16="http://schemas.microsoft.com/office/drawing/2014/main" id="{72153F5E-6816-217D-1A6A-E5B8FED97F4E}"/>
+              </a:ext>
+            </a:extLst>
+          </p:cNvPr>
+          <p:cNvPicPr>
+            <a:picLocks noChangeAspect="1"/>
+          </p:cNvPicPr>
+          <p:nvPr/>
+        </p:nvPicPr>
+        <p:blipFill>
+          <a:blip r:embed="rId4"/>
+          <a:stretch>
+            <a:fillRect/>
+          </a:stretch>
+        </p:blipFill>
+        <p:spPr>
+          <a:xfrm>
+            <a:off x="460571" y="5263708"/>
+            <a:ext cx="5826557" cy="432211"/>
+          </a:xfrm>
+          <a:prstGeom prst="rect">
+            <a:avLst/>
+          </a:prstGeom>
+        </p:spPr>
+      </p:pic>
+      <p:pic>
+        <p:nvPicPr>
+          <p:cNvPr id="6" name="Picture 5">
+            <a:extLst>
+              <a:ext uri="{FF2B5EF4-FFF2-40B4-BE49-F238E27FC236}">
+                <a16:creationId xmlns:a16="http://schemas.microsoft.com/office/drawing/2014/main" id="{5F505D58-28AC-1079-2EFB-40FDB145CBB1}"/>
+              </a:ext>
+            </a:extLst>
+          </p:cNvPr>
+          <p:cNvPicPr>
+            <a:picLocks noChangeAspect="1"/>
+          </p:cNvPicPr>
+          <p:nvPr/>
+        </p:nvPicPr>
+        <p:blipFill>
+          <a:blip r:embed="rId5"/>
+          <a:stretch>
+            <a:fillRect/>
+          </a:stretch>
+        </p:blipFill>
+        <p:spPr>
+          <a:xfrm>
+            <a:off x="460571" y="5870500"/>
+            <a:ext cx="5826557" cy="614220"/>
+          </a:xfrm>
+          <a:prstGeom prst="rect">
+            <a:avLst/>
+          </a:prstGeom>
+        </p:spPr>
+      </p:pic>
     </p:spTree>
+    <p:extLst>
+      <p:ext uri="{BB962C8B-B14F-4D97-AF65-F5344CB8AC3E}">
+        <p14:creationId xmlns:p14="http://schemas.microsoft.com/office/powerpoint/2010/main" val="3670359663"/>
+      </p:ext>
+    </p:extLst>
   </p:cSld>
   <p:clrMapOvr>
     <a:masterClrMapping/>
@@ -5589,99 +6160,83 @@
       </p:grpSpPr>
       <p:sp>
         <p:nvSpPr>
-          <p:cNvPr id="608" name="Basic plotting and visualizing of results"/>
+          <p:cNvPr id="2" name="TextBox 1">
+            <a:extLst>
+              <a:ext uri="{FF2B5EF4-FFF2-40B4-BE49-F238E27FC236}">
+                <a16:creationId xmlns:a16="http://schemas.microsoft.com/office/drawing/2014/main" id="{8F467AEF-D135-A092-BAEC-63251C13C075}"/>
+              </a:ext>
+            </a:extLst>
+          </p:cNvPr>
           <p:cNvSpPr txBox="1"/>
           <p:nvPr/>
         </p:nvSpPr>
         <p:spPr>
           <a:xfrm>
-            <a:off x="3154313" y="337961"/>
-            <a:ext cx="4973477" cy="420628"/>
-          </a:xfrm>
-          <a:prstGeom prst="rect">
-            <a:avLst/>
-          </a:prstGeom>
-          <a:ln w="12700">
-            <a:miter lim="400000"/>
-          </a:ln>
-          <a:extLst>
-            <a:ext uri="{C572A759-6A51-4108-AA02-DFA0A04FC94B}">
-              <ma14:wrappingTextBoxFlag xmlns:ma14="http://schemas.microsoft.com/office/mac/drawingml/2011/main" xmlns:a14="http://schemas.microsoft.com/office/drawing/2010/main" xmlns:m="http://schemas.openxmlformats.org/officeDocument/2006/math" xmlns="" val="1"/>
-            </a:ext>
-          </a:extLst>
-        </p:spPr>
-        <p:txBody>
-          <a:bodyPr wrap="none" lIns="25400" tIns="25400" rIns="25400" bIns="25400" anchor="ctr">
+            <a:off x="1234440" y="1188720"/>
+            <a:ext cx="5372100" cy="646331"/>
+          </a:xfrm>
+          <a:prstGeom prst="rect">
+            <a:avLst/>
+          </a:prstGeom>
+          <a:noFill/>
+        </p:spPr>
+        <p:txBody>
+          <a:bodyPr wrap="square" rtlCol="0">
             <a:spAutoFit/>
           </a:bodyPr>
-          <a:lstStyle>
-            <a:lvl1pPr>
-              <a:defRPr sz="4800" b="1"/>
-            </a:lvl1pPr>
-          </a:lstStyle>
-          <a:p>
-            <a:r>
-              <a:rPr sz="2400"/>
-              <a:t>Basic plotting and visualizing of results</a:t>
+          <a:lstStyle/>
+          <a:p>
+            <a:r>
+              <a:rPr lang="en-US" dirty="0"/>
+              <a:t>You may want the LRT style analysis to find genes </a:t>
+            </a:r>
+            <a:r>
+              <a:rPr lang="en-US" dirty="0" err="1"/>
+              <a:t>chaning</a:t>
+            </a:r>
+            <a:r>
+              <a:rPr lang="en-US" dirty="0"/>
+              <a:t> in complicated experimental designs </a:t>
             </a:r>
           </a:p>
         </p:txBody>
       </p:sp>
       <p:pic>
         <p:nvPicPr>
-          <p:cNvPr id="609" name="Image" descr="Image"/>
+          <p:cNvPr id="3" name="Picture 2">
+            <a:extLst>
+              <a:ext uri="{FF2B5EF4-FFF2-40B4-BE49-F238E27FC236}">
+                <a16:creationId xmlns:a16="http://schemas.microsoft.com/office/drawing/2014/main" id="{C35FA0C5-B6F8-7843-0C97-3C16D28E2599}"/>
+              </a:ext>
+            </a:extLst>
+          </p:cNvPr>
           <p:cNvPicPr>
             <a:picLocks noChangeAspect="1"/>
           </p:cNvPicPr>
           <p:nvPr/>
         </p:nvPicPr>
         <p:blipFill>
-          <a:blip r:embed="rId3"/>
+          <a:blip r:embed="rId2"/>
           <a:stretch>
             <a:fillRect/>
           </a:stretch>
         </p:blipFill>
         <p:spPr>
           <a:xfrm>
-            <a:off x="2313452" y="1102438"/>
-            <a:ext cx="7721157" cy="1592958"/>
-          </a:xfrm>
-          <a:prstGeom prst="rect">
-            <a:avLst/>
-          </a:prstGeom>
-          <a:ln w="12700">
-            <a:miter lim="400000"/>
-          </a:ln>
-        </p:spPr>
-      </p:pic>
-      <p:pic>
-        <p:nvPicPr>
-          <p:cNvPr id="610" name="Image" descr="Image"/>
-          <p:cNvPicPr>
-            <a:picLocks noChangeAspect="1"/>
-          </p:cNvPicPr>
-          <p:nvPr/>
-        </p:nvPicPr>
-        <p:blipFill>
-          <a:blip r:embed="rId4"/>
-          <a:stretch>
-            <a:fillRect/>
-          </a:stretch>
-        </p:blipFill>
-        <p:spPr>
-          <a:xfrm>
-            <a:off x="2685462" y="2800675"/>
-            <a:ext cx="6466526" cy="3496494"/>
-          </a:xfrm>
-          <a:prstGeom prst="rect">
-            <a:avLst/>
-          </a:prstGeom>
-          <a:ln w="12700">
-            <a:miter lim="400000"/>
-          </a:ln>
+            <a:off x="7035876" y="193368"/>
+            <a:ext cx="1216584" cy="6245532"/>
+          </a:xfrm>
+          <a:prstGeom prst="rect">
+            <a:avLst/>
+          </a:prstGeom>
         </p:spPr>
       </p:pic>
     </p:spTree>
+    <p:extLst>
+      <p:ext uri="{BB962C8B-B14F-4D97-AF65-F5344CB8AC3E}">
+        <p14:creationId xmlns:p14="http://schemas.microsoft.com/office/powerpoint/2010/main" val="1719362013"/>
+      </p:ext>
+    </p:extLst>
   </p:cSld>
   <p:clrMapOvr>
     <a:masterClrMapping/>
@@ -5706,43 +6261,22 @@
           <a:chExt cx="0" cy="0"/>
         </a:xfrm>
       </p:grpSpPr>
-      <p:pic>
-        <p:nvPicPr>
-          <p:cNvPr id="614" name="Image" descr="Image"/>
-          <p:cNvPicPr>
-            <a:picLocks noChangeAspect="1"/>
-          </p:cNvPicPr>
-          <p:nvPr/>
-        </p:nvPicPr>
-        <p:blipFill>
-          <a:blip r:embed="rId2"/>
-          <a:stretch>
-            <a:fillRect/>
-          </a:stretch>
-        </p:blipFill>
-        <p:spPr>
-          <a:xfrm>
-            <a:off x="6971615" y="1540727"/>
-            <a:ext cx="4076701" cy="3200401"/>
-          </a:xfrm>
-          <a:prstGeom prst="rect">
-            <a:avLst/>
-          </a:prstGeom>
-          <a:ln w="12700">
-            <a:miter lim="400000"/>
-          </a:ln>
-        </p:spPr>
-      </p:pic>
-      <p:sp>
-        <p:nvSpPr>
-          <p:cNvPr id="615" name="Basic plotting and visualizing of results"/>
+      <p:sp>
+        <p:nvSpPr>
+          <p:cNvPr id="2" name="arid2_es.Rda…">
+            <a:extLst>
+              <a:ext uri="{FF2B5EF4-FFF2-40B4-BE49-F238E27FC236}">
+                <a16:creationId xmlns:a16="http://schemas.microsoft.com/office/drawing/2014/main" id="{5CDF5B6F-E825-EBFD-C314-9EBDB96C1A80}"/>
+              </a:ext>
+            </a:extLst>
+          </p:cNvPr>
           <p:cNvSpPr txBox="1"/>
           <p:nvPr/>
         </p:nvSpPr>
         <p:spPr>
           <a:xfrm>
-            <a:off x="3154313" y="337961"/>
-            <a:ext cx="4973477" cy="420628"/>
+            <a:off x="3541986" y="1178090"/>
+            <a:ext cx="4357540" cy="882293"/>
           </a:xfrm>
           <a:prstGeom prst="rect">
             <a:avLst/>
@@ -5760,127 +6294,129 @@
           <a:bodyPr wrap="none" lIns="25400" tIns="25400" rIns="25400" bIns="25400" anchor="ctr">
             <a:spAutoFit/>
           </a:bodyPr>
-          <a:lstStyle>
-            <a:lvl1pPr>
-              <a:defRPr sz="4800" b="1"/>
-            </a:lvl1pPr>
-          </a:lstStyle>
-          <a:p>
-            <a:r>
-              <a:rPr sz="2400"/>
-              <a:t>Basic plotting and visualizing of results</a:t>
-            </a:r>
-          </a:p>
-        </p:txBody>
-      </p:sp>
-      <p:pic>
-        <p:nvPicPr>
-          <p:cNvPr id="616" name="Image" descr="Image"/>
-          <p:cNvPicPr>
-            <a:picLocks noChangeAspect="1"/>
-          </p:cNvPicPr>
-          <p:nvPr/>
-        </p:nvPicPr>
-        <p:blipFill>
-          <a:blip r:embed="rId3"/>
-          <a:stretch>
-            <a:fillRect/>
-          </a:stretch>
-        </p:blipFill>
-        <p:spPr>
-          <a:xfrm>
-            <a:off x="702193" y="1898435"/>
-            <a:ext cx="5661352" cy="3061131"/>
-          </a:xfrm>
-          <a:prstGeom prst="rect">
-            <a:avLst/>
-          </a:prstGeom>
-          <a:ln w="12700">
-            <a:miter lim="400000"/>
-          </a:ln>
-        </p:spPr>
-      </p:pic>
-      <p:sp>
-        <p:nvSpPr>
-          <p:cNvPr id="617" name="Initial"/>
+          <a:lstStyle/>
+          <a:p>
+            <a:r>
+              <a:rPr lang="en-US" dirty="0"/>
+              <a:t>data/</a:t>
+            </a:r>
+            <a:r>
+              <a:rPr dirty="0"/>
+              <a:t>arid2_es.Rda</a:t>
+            </a:r>
+          </a:p>
+          <a:p>
+            <a:r>
+              <a:rPr dirty="0"/>
+              <a:t>mouse - ARID2 KO vs WT ES cells </a:t>
+            </a:r>
+          </a:p>
+          <a:p>
+            <a:r>
+              <a:rPr dirty="0"/>
+              <a:t>4 treatment conditions (ES, EB, FGF24, FGF48)</a:t>
+            </a:r>
+          </a:p>
+        </p:txBody>
+      </p:sp>
+      <p:sp>
+        <p:nvSpPr>
+          <p:cNvPr id="3" name="TextBox 2">
+            <a:extLst>
+              <a:ext uri="{FF2B5EF4-FFF2-40B4-BE49-F238E27FC236}">
+                <a16:creationId xmlns:a16="http://schemas.microsoft.com/office/drawing/2014/main" id="{F8DF3128-D838-5A36-2747-6B38CF582596}"/>
+              </a:ext>
+            </a:extLst>
+          </p:cNvPr>
           <p:cNvSpPr txBox="1"/>
           <p:nvPr/>
         </p:nvSpPr>
         <p:spPr>
           <a:xfrm>
-            <a:off x="3577833" y="1713694"/>
-            <a:ext cx="597921" cy="328295"/>
-          </a:xfrm>
-          <a:prstGeom prst="rect">
-            <a:avLst/>
-          </a:prstGeom>
-          <a:ln w="12700">
-            <a:miter lim="400000"/>
-          </a:ln>
-          <a:extLst>
-            <a:ext uri="{C572A759-6A51-4108-AA02-DFA0A04FC94B}">
-              <ma14:wrappingTextBoxFlag xmlns:ma14="http://schemas.microsoft.com/office/mac/drawingml/2011/main" xmlns:a14="http://schemas.microsoft.com/office/drawing/2010/main" xmlns:m="http://schemas.openxmlformats.org/officeDocument/2006/math" xmlns="" val="1"/>
-            </a:ext>
-          </a:extLst>
-        </p:spPr>
-        <p:txBody>
-          <a:bodyPr wrap="none" lIns="25400" tIns="25400" rIns="25400" bIns="25400" anchor="ctr">
+            <a:off x="3369453" y="2505670"/>
+            <a:ext cx="4702605" cy="923330"/>
+          </a:xfrm>
+          <a:prstGeom prst="rect">
+            <a:avLst/>
+          </a:prstGeom>
+          <a:noFill/>
+        </p:spPr>
+        <p:txBody>
+          <a:bodyPr wrap="square" rtlCol="0">
             <a:spAutoFit/>
           </a:bodyPr>
-          <a:lstStyle>
-            <a:lvl1pPr>
-              <a:defRPr sz="3600" b="1"/>
-            </a:lvl1pPr>
-          </a:lstStyle>
-          <a:p>
-            <a:r>
-              <a:rPr sz="1800"/>
-              <a:t>Initial</a:t>
-            </a:r>
-          </a:p>
-        </p:txBody>
-      </p:sp>
-      <p:sp>
-        <p:nvSpPr>
-          <p:cNvPr id="618" name="Shrunk"/>
+          <a:lstStyle/>
+          <a:p>
+            <a:r>
+              <a:rPr lang="en-US" dirty="0"/>
+              <a:t>data/Gracz_2020.Rda</a:t>
+            </a:r>
+          </a:p>
+          <a:p>
+            <a:r>
+              <a:rPr lang="en-US" dirty="0"/>
+              <a:t>Mouse </a:t>
+            </a:r>
+            <a:r>
+              <a:rPr lang="en-US" dirty="0" err="1"/>
+              <a:t>facs</a:t>
+            </a:r>
+            <a:r>
+              <a:rPr lang="en-US" dirty="0"/>
+              <a:t> purified cell populations (High, Low, </a:t>
+            </a:r>
+            <a:r>
+              <a:rPr lang="en-US" dirty="0" err="1"/>
+              <a:t>Sublow</a:t>
+            </a:r>
+            <a:r>
+              <a:rPr lang="en-US" dirty="0"/>
+              <a:t>, Negative)</a:t>
+            </a:r>
+          </a:p>
+        </p:txBody>
+      </p:sp>
+      <p:sp>
+        <p:nvSpPr>
+          <p:cNvPr id="4" name="TextBox 3">
+            <a:extLst>
+              <a:ext uri="{FF2B5EF4-FFF2-40B4-BE49-F238E27FC236}">
+                <a16:creationId xmlns:a16="http://schemas.microsoft.com/office/drawing/2014/main" id="{F8884C1D-1EFF-F6A4-A099-F031E5FE1CEC}"/>
+              </a:ext>
+            </a:extLst>
+          </p:cNvPr>
           <p:cNvSpPr txBox="1"/>
           <p:nvPr/>
         </p:nvSpPr>
         <p:spPr>
           <a:xfrm>
-            <a:off x="8867814" y="1713694"/>
-            <a:ext cx="722955" cy="328295"/>
-          </a:xfrm>
-          <a:prstGeom prst="rect">
-            <a:avLst/>
-          </a:prstGeom>
-          <a:ln w="12700">
-            <a:miter lim="400000"/>
-          </a:ln>
-          <a:extLst>
-            <a:ext uri="{C572A759-6A51-4108-AA02-DFA0A04FC94B}">
-              <ma14:wrappingTextBoxFlag xmlns:ma14="http://schemas.microsoft.com/office/mac/drawingml/2011/main" xmlns:a14="http://schemas.microsoft.com/office/drawing/2010/main" xmlns:m="http://schemas.openxmlformats.org/officeDocument/2006/math" xmlns="" val="1"/>
-            </a:ext>
-          </a:extLst>
-        </p:spPr>
-        <p:txBody>
-          <a:bodyPr wrap="none" lIns="25400" tIns="25400" rIns="25400" bIns="25400" anchor="ctr">
+            <a:off x="3541986" y="199697"/>
+            <a:ext cx="4981904" cy="646331"/>
+          </a:xfrm>
+          <a:prstGeom prst="rect">
+            <a:avLst/>
+          </a:prstGeom>
+          <a:noFill/>
+        </p:spPr>
+        <p:txBody>
+          <a:bodyPr wrap="square" rtlCol="0">
             <a:spAutoFit/>
           </a:bodyPr>
-          <a:lstStyle>
-            <a:lvl1pPr>
-              <a:defRPr sz="3600" b="1"/>
-            </a:lvl1pPr>
-          </a:lstStyle>
-          <a:p>
-            <a:r>
-              <a:rPr sz="1800"/>
-              <a:t>Shrunk</a:t>
+          <a:lstStyle/>
+          <a:p>
+            <a:r>
+              <a:rPr lang="en-US" dirty="0"/>
+              <a:t>Advanced experimental designs – Data sets you can try out</a:t>
             </a:r>
           </a:p>
         </p:txBody>
       </p:sp>
     </p:spTree>
+    <p:extLst>
+      <p:ext uri="{BB962C8B-B14F-4D97-AF65-F5344CB8AC3E}">
+        <p14:creationId xmlns:p14="http://schemas.microsoft.com/office/powerpoint/2010/main" val="3281394830"/>
+      </p:ext>
+    </p:extLst>
   </p:cSld>
   <p:clrMapOvr>
     <a:masterClrMapping/>
@@ -5889,7 +6425,7 @@
 </file>
 
 <file path=ppt/slides/slide15.xml><?xml version="1.0" encoding="utf-8"?>
-<p:sld xmlns:a="http://schemas.openxmlformats.org/drawingml/2006/main" xmlns:r="http://schemas.openxmlformats.org/officeDocument/2006/relationships" xmlns:p="http://schemas.openxmlformats.org/presentationml/2006/main">
+<p:sld xmlns:a="http://schemas.openxmlformats.org/drawingml/2006/main" xmlns:r="http://schemas.openxmlformats.org/officeDocument/2006/relationships" xmlns:p="http://schemas.openxmlformats.org/presentationml/2006/main" show="0">
   <p:cSld>
     <p:spTree>
       <p:nvGrpSpPr>
@@ -5907,14 +6443,14 @@
       </p:grpSpPr>
       <p:sp>
         <p:nvSpPr>
-          <p:cNvPr id="620" name="Basic plotting and visualizing of results"/>
+          <p:cNvPr id="603" name="P-values"/>
           <p:cNvSpPr txBox="1"/>
           <p:nvPr/>
         </p:nvSpPr>
         <p:spPr>
           <a:xfrm>
-            <a:off x="3154313" y="337961"/>
-            <a:ext cx="4973477" cy="420628"/>
+            <a:off x="5438013" y="149605"/>
+            <a:ext cx="1113446" cy="420628"/>
           </a:xfrm>
           <a:prstGeom prst="rect">
             <a:avLst/>
@@ -5940,81 +6476,14 @@
           <a:p>
             <a:r>
               <a:rPr sz="2400"/>
-              <a:t>Basic plotting and visualizing of results</a:t>
-            </a:r>
-          </a:p>
-        </p:txBody>
-      </p:sp>
-      <p:sp>
-        <p:nvSpPr>
-          <p:cNvPr id="621" name="VolcanoPlot"/>
-          <p:cNvSpPr txBox="1"/>
-          <p:nvPr/>
-        </p:nvSpPr>
-        <p:spPr>
-          <a:xfrm>
-            <a:off x="8032556" y="1425621"/>
-            <a:ext cx="1195007" cy="328295"/>
-          </a:xfrm>
-          <a:prstGeom prst="rect">
-            <a:avLst/>
-          </a:prstGeom>
-          <a:ln w="12700">
-            <a:miter lim="400000"/>
-          </a:ln>
-          <a:extLst>
-            <a:ext uri="{C572A759-6A51-4108-AA02-DFA0A04FC94B}">
-              <ma14:wrappingTextBoxFlag xmlns:ma14="http://schemas.microsoft.com/office/mac/drawingml/2011/main" xmlns:a14="http://schemas.microsoft.com/office/drawing/2010/main" xmlns:m="http://schemas.openxmlformats.org/officeDocument/2006/math" xmlns="" val="1"/>
-            </a:ext>
-          </a:extLst>
-        </p:spPr>
-        <p:txBody>
-          <a:bodyPr wrap="none" lIns="25400" tIns="25400" rIns="25400" bIns="25400" anchor="ctr">
-            <a:spAutoFit/>
-          </a:bodyPr>
-          <a:lstStyle>
-            <a:lvl1pPr>
-              <a:defRPr sz="3600" b="1"/>
-            </a:lvl1pPr>
-          </a:lstStyle>
-          <a:p>
-            <a:r>
-              <a:rPr sz="1800"/>
-              <a:t>VolcanoPlot</a:t>
+              <a:t>P-values</a:t>
             </a:r>
           </a:p>
         </p:txBody>
       </p:sp>
       <p:pic>
         <p:nvPicPr>
-          <p:cNvPr id="622" name="Image" descr="Image"/>
-          <p:cNvPicPr>
-            <a:picLocks noChangeAspect="1"/>
-          </p:cNvPicPr>
-          <p:nvPr/>
-        </p:nvPicPr>
-        <p:blipFill>
-          <a:blip r:embed="rId2"/>
-          <a:stretch>
-            <a:fillRect/>
-          </a:stretch>
-        </p:blipFill>
-        <p:spPr>
-          <a:xfrm>
-            <a:off x="6608154" y="1741477"/>
-            <a:ext cx="4485379" cy="3978834"/>
-          </a:xfrm>
-          <a:prstGeom prst="rect">
-            <a:avLst/>
-          </a:prstGeom>
-          <a:ln w="12700">
-            <a:miter lim="400000"/>
-          </a:ln>
-        </p:spPr>
-      </p:pic>
-      <p:pic>
-        <p:nvPicPr>
-          <p:cNvPr id="623" name="Image" descr="Image"/>
+          <p:cNvPr id="604" name="Image" descr="Image"/>
           <p:cNvPicPr>
             <a:picLocks noChangeAspect="1"/>
           </p:cNvPicPr>
@@ -6028,8 +6497,8 @@
         </p:blipFill>
         <p:spPr>
           <a:xfrm>
-            <a:off x="691388" y="1679166"/>
-            <a:ext cx="5227020" cy="4103455"/>
+            <a:off x="2702154" y="1230170"/>
+            <a:ext cx="6787692" cy="4397660"/>
           </a:xfrm>
           <a:prstGeom prst="rect">
             <a:avLst/>
@@ -6039,46 +6508,6 @@
           </a:ln>
         </p:spPr>
       </p:pic>
-      <p:sp>
-        <p:nvSpPr>
-          <p:cNvPr id="624" name="Shrunk"/>
-          <p:cNvSpPr txBox="1"/>
-          <p:nvPr/>
-        </p:nvSpPr>
-        <p:spPr>
-          <a:xfrm>
-            <a:off x="3073123" y="1890969"/>
-            <a:ext cx="722955" cy="328295"/>
-          </a:xfrm>
-          <a:prstGeom prst="rect">
-            <a:avLst/>
-          </a:prstGeom>
-          <a:ln w="12700">
-            <a:miter lim="400000"/>
-          </a:ln>
-          <a:extLst>
-            <a:ext uri="{C572A759-6A51-4108-AA02-DFA0A04FC94B}">
-              <ma14:wrappingTextBoxFlag xmlns:ma14="http://schemas.microsoft.com/office/mac/drawingml/2011/main" xmlns:a14="http://schemas.microsoft.com/office/drawing/2010/main" xmlns:m="http://schemas.openxmlformats.org/officeDocument/2006/math" xmlns="" val="1"/>
-            </a:ext>
-          </a:extLst>
-        </p:spPr>
-        <p:txBody>
-          <a:bodyPr wrap="none" lIns="25400" tIns="25400" rIns="25400" bIns="25400" anchor="ctr">
-            <a:spAutoFit/>
-          </a:bodyPr>
-          <a:lstStyle>
-            <a:lvl1pPr>
-              <a:defRPr sz="3600" b="1"/>
-            </a:lvl1pPr>
-          </a:lstStyle>
-          <a:p>
-            <a:r>
-              <a:rPr sz="1800"/>
-              <a:t>Shrunk</a:t>
-            </a:r>
-          </a:p>
-        </p:txBody>
-      </p:sp>
     </p:spTree>
   </p:cSld>
   <p:clrMapOvr>
@@ -6088,7 +6517,7 @@
 </file>
 
 <file path=ppt/slides/slide16.xml><?xml version="1.0" encoding="utf-8"?>
-<p:sld xmlns:a="http://schemas.openxmlformats.org/drawingml/2006/main" xmlns:r="http://schemas.openxmlformats.org/officeDocument/2006/relationships" xmlns:p="http://schemas.openxmlformats.org/presentationml/2006/main">
+<p:sld xmlns:a="http://schemas.openxmlformats.org/drawingml/2006/main" xmlns:r="http://schemas.openxmlformats.org/officeDocument/2006/relationships" xmlns:p="http://schemas.openxmlformats.org/presentationml/2006/main" show="0">
   <p:cSld>
     <p:spTree>
       <p:nvGrpSpPr>
@@ -6106,7 +6535,7 @@
       </p:grpSpPr>
       <p:sp>
         <p:nvSpPr>
-          <p:cNvPr id="626" name="Basic plotting and visualizing of results"/>
+          <p:cNvPr id="608" name="Basic plotting and visualizing of results"/>
           <p:cNvSpPr txBox="1"/>
           <p:nvPr/>
         </p:nvSpPr>
@@ -6146,34 +6575,7 @@
       </p:sp>
       <p:pic>
         <p:nvPicPr>
-          <p:cNvPr id="627" name="Image" descr="Image"/>
-          <p:cNvPicPr>
-            <a:picLocks noChangeAspect="1"/>
-          </p:cNvPicPr>
-          <p:nvPr/>
-        </p:nvPicPr>
-        <p:blipFill>
-          <a:blip r:embed="rId2"/>
-          <a:stretch>
-            <a:fillRect/>
-          </a:stretch>
-        </p:blipFill>
-        <p:spPr>
-          <a:xfrm>
-            <a:off x="514371" y="1237370"/>
-            <a:ext cx="3411661" cy="3749608"/>
-          </a:xfrm>
-          <a:prstGeom prst="rect">
-            <a:avLst/>
-          </a:prstGeom>
-          <a:ln w="12700">
-            <a:miter lim="400000"/>
-          </a:ln>
-        </p:spPr>
-      </p:pic>
-      <p:pic>
-        <p:nvPicPr>
-          <p:cNvPr id="628" name="Image" descr="Image"/>
+          <p:cNvPr id="609" name="Image" descr="Image"/>
           <p:cNvPicPr>
             <a:picLocks noChangeAspect="1"/>
           </p:cNvPicPr>
@@ -6187,8 +6589,8 @@
         </p:blipFill>
         <p:spPr>
           <a:xfrm>
-            <a:off x="1280800" y="5375068"/>
-            <a:ext cx="9062241" cy="537868"/>
+            <a:off x="2313452" y="1102438"/>
+            <a:ext cx="7721157" cy="1592958"/>
           </a:xfrm>
           <a:prstGeom prst="rect">
             <a:avLst/>
@@ -6200,7 +6602,7 @@
       </p:pic>
       <p:pic>
         <p:nvPicPr>
-          <p:cNvPr id="629" name="Image" descr="Image"/>
+          <p:cNvPr id="610" name="Image" descr="Image"/>
           <p:cNvPicPr>
             <a:picLocks noChangeAspect="1"/>
           </p:cNvPicPr>
@@ -6214,35 +6616,8 @@
         </p:blipFill>
         <p:spPr>
           <a:xfrm>
-            <a:off x="4303437" y="1400655"/>
-            <a:ext cx="3354517" cy="3583414"/>
-          </a:xfrm>
-          <a:prstGeom prst="rect">
-            <a:avLst/>
-          </a:prstGeom>
-          <a:ln w="12700">
-            <a:miter lim="400000"/>
-          </a:ln>
-        </p:spPr>
-      </p:pic>
-      <p:pic>
-        <p:nvPicPr>
-          <p:cNvPr id="630" name="Image" descr="Image"/>
-          <p:cNvPicPr>
-            <a:picLocks noChangeAspect="1"/>
-          </p:cNvPicPr>
-          <p:nvPr/>
-        </p:nvPicPr>
-        <p:blipFill>
-          <a:blip r:embed="rId5"/>
-          <a:stretch>
-            <a:fillRect/>
-          </a:stretch>
-        </p:blipFill>
-        <p:spPr>
-          <a:xfrm>
-            <a:off x="7826785" y="1320467"/>
-            <a:ext cx="3282222" cy="3583414"/>
+            <a:off x="2685462" y="2800675"/>
+            <a:ext cx="6466526" cy="3496494"/>
           </a:xfrm>
           <a:prstGeom prst="rect">
             <a:avLst/>
@@ -6261,7 +6636,7 @@
 </file>
 
 <file path=ppt/slides/slide17.xml><?xml version="1.0" encoding="utf-8"?>
-<p:sld xmlns:a="http://schemas.openxmlformats.org/drawingml/2006/main" xmlns:r="http://schemas.openxmlformats.org/officeDocument/2006/relationships" xmlns:p="http://schemas.openxmlformats.org/presentationml/2006/main">
+<p:sld xmlns:a="http://schemas.openxmlformats.org/drawingml/2006/main" xmlns:r="http://schemas.openxmlformats.org/officeDocument/2006/relationships" xmlns:p="http://schemas.openxmlformats.org/presentationml/2006/main" show="0">
   <p:cSld>
     <p:spTree>
       <p:nvGrpSpPr>
@@ -6277,9 +6652,36 @@
           <a:chExt cx="0" cy="0"/>
         </a:xfrm>
       </p:grpSpPr>
-      <p:sp>
-        <p:nvSpPr>
-          <p:cNvPr id="632" name="Basic plotting and visualizing of results"/>
+      <p:pic>
+        <p:nvPicPr>
+          <p:cNvPr id="614" name="Image" descr="Image"/>
+          <p:cNvPicPr>
+            <a:picLocks noChangeAspect="1"/>
+          </p:cNvPicPr>
+          <p:nvPr/>
+        </p:nvPicPr>
+        <p:blipFill>
+          <a:blip r:embed="rId2"/>
+          <a:stretch>
+            <a:fillRect/>
+          </a:stretch>
+        </p:blipFill>
+        <p:spPr>
+          <a:xfrm>
+            <a:off x="6971615" y="1540727"/>
+            <a:ext cx="4076701" cy="3200401"/>
+          </a:xfrm>
+          <a:prstGeom prst="rect">
+            <a:avLst/>
+          </a:prstGeom>
+          <a:ln w="12700">
+            <a:miter lim="400000"/>
+          </a:ln>
+        </p:spPr>
+      </p:pic>
+      <p:sp>
+        <p:nvSpPr>
+          <p:cNvPr id="615" name="Basic plotting and visualizing of results"/>
           <p:cNvSpPr txBox="1"/>
           <p:nvPr/>
         </p:nvSpPr>
@@ -6319,7 +6721,7 @@
       </p:sp>
       <p:pic>
         <p:nvPicPr>
-          <p:cNvPr id="633" name="Image" descr="Image"/>
+          <p:cNvPr id="616" name="Image" descr="Image"/>
           <p:cNvPicPr>
             <a:picLocks noChangeAspect="1"/>
           </p:cNvPicPr>
@@ -6333,8 +6735,8 @@
         </p:blipFill>
         <p:spPr>
           <a:xfrm>
-            <a:off x="4476252" y="837004"/>
-            <a:ext cx="3780716" cy="5566728"/>
+            <a:off x="702193" y="1898435"/>
+            <a:ext cx="5661352" cy="3061131"/>
           </a:xfrm>
           <a:prstGeom prst="rect">
             <a:avLst/>
@@ -6344,6 +6746,86 @@
           </a:ln>
         </p:spPr>
       </p:pic>
+      <p:sp>
+        <p:nvSpPr>
+          <p:cNvPr id="617" name="Initial"/>
+          <p:cNvSpPr txBox="1"/>
+          <p:nvPr/>
+        </p:nvSpPr>
+        <p:spPr>
+          <a:xfrm>
+            <a:off x="3577833" y="1713694"/>
+            <a:ext cx="597921" cy="328295"/>
+          </a:xfrm>
+          <a:prstGeom prst="rect">
+            <a:avLst/>
+          </a:prstGeom>
+          <a:ln w="12700">
+            <a:miter lim="400000"/>
+          </a:ln>
+          <a:extLst>
+            <a:ext uri="{C572A759-6A51-4108-AA02-DFA0A04FC94B}">
+              <ma14:wrappingTextBoxFlag xmlns:ma14="http://schemas.microsoft.com/office/mac/drawingml/2011/main" xmlns:a14="http://schemas.microsoft.com/office/drawing/2010/main" xmlns:m="http://schemas.openxmlformats.org/officeDocument/2006/math" xmlns="" val="1"/>
+            </a:ext>
+          </a:extLst>
+        </p:spPr>
+        <p:txBody>
+          <a:bodyPr wrap="none" lIns="25400" tIns="25400" rIns="25400" bIns="25400" anchor="ctr">
+            <a:spAutoFit/>
+          </a:bodyPr>
+          <a:lstStyle>
+            <a:lvl1pPr>
+              <a:defRPr sz="3600" b="1"/>
+            </a:lvl1pPr>
+          </a:lstStyle>
+          <a:p>
+            <a:r>
+              <a:rPr sz="1800"/>
+              <a:t>Initial</a:t>
+            </a:r>
+          </a:p>
+        </p:txBody>
+      </p:sp>
+      <p:sp>
+        <p:nvSpPr>
+          <p:cNvPr id="618" name="Shrunk"/>
+          <p:cNvSpPr txBox="1"/>
+          <p:nvPr/>
+        </p:nvSpPr>
+        <p:spPr>
+          <a:xfrm>
+            <a:off x="8867814" y="1713694"/>
+            <a:ext cx="722955" cy="328295"/>
+          </a:xfrm>
+          <a:prstGeom prst="rect">
+            <a:avLst/>
+          </a:prstGeom>
+          <a:ln w="12700">
+            <a:miter lim="400000"/>
+          </a:ln>
+          <a:extLst>
+            <a:ext uri="{C572A759-6A51-4108-AA02-DFA0A04FC94B}">
+              <ma14:wrappingTextBoxFlag xmlns:ma14="http://schemas.microsoft.com/office/mac/drawingml/2011/main" xmlns:a14="http://schemas.microsoft.com/office/drawing/2010/main" xmlns:m="http://schemas.openxmlformats.org/officeDocument/2006/math" xmlns="" val="1"/>
+            </a:ext>
+          </a:extLst>
+        </p:spPr>
+        <p:txBody>
+          <a:bodyPr wrap="none" lIns="25400" tIns="25400" rIns="25400" bIns="25400" anchor="ctr">
+            <a:spAutoFit/>
+          </a:bodyPr>
+          <a:lstStyle>
+            <a:lvl1pPr>
+              <a:defRPr sz="3600" b="1"/>
+            </a:lvl1pPr>
+          </a:lstStyle>
+          <a:p>
+            <a:r>
+              <a:rPr sz="1800"/>
+              <a:t>Shrunk</a:t>
+            </a:r>
+          </a:p>
+        </p:txBody>
+      </p:sp>
     </p:spTree>
   </p:cSld>
   <p:clrMapOvr>
@@ -6353,7 +6835,7 @@
 </file>
 
 <file path=ppt/slides/slide18.xml><?xml version="1.0" encoding="utf-8"?>
-<p:sld xmlns:a="http://schemas.openxmlformats.org/drawingml/2006/main" xmlns:r="http://schemas.openxmlformats.org/officeDocument/2006/relationships" xmlns:p="http://schemas.openxmlformats.org/presentationml/2006/main">
+<p:sld xmlns:a="http://schemas.openxmlformats.org/drawingml/2006/main" xmlns:r="http://schemas.openxmlformats.org/officeDocument/2006/relationships" xmlns:p="http://schemas.openxmlformats.org/presentationml/2006/main" show="0">
   <p:cSld>
     <p:spTree>
       <p:nvGrpSpPr>
@@ -6371,7 +6853,7 @@
       </p:grpSpPr>
       <p:sp>
         <p:nvSpPr>
-          <p:cNvPr id="637" name="Basic plotting and visualizing of results"/>
+          <p:cNvPr id="620" name="Basic plotting and visualizing of results"/>
           <p:cNvSpPr txBox="1"/>
           <p:nvPr/>
         </p:nvSpPr>
@@ -6409,9 +6891,76 @@
           </a:p>
         </p:txBody>
       </p:sp>
+      <p:sp>
+        <p:nvSpPr>
+          <p:cNvPr id="621" name="VolcanoPlot"/>
+          <p:cNvSpPr txBox="1"/>
+          <p:nvPr/>
+        </p:nvSpPr>
+        <p:spPr>
+          <a:xfrm>
+            <a:off x="8032556" y="1425621"/>
+            <a:ext cx="1195007" cy="328295"/>
+          </a:xfrm>
+          <a:prstGeom prst="rect">
+            <a:avLst/>
+          </a:prstGeom>
+          <a:ln w="12700">
+            <a:miter lim="400000"/>
+          </a:ln>
+          <a:extLst>
+            <a:ext uri="{C572A759-6A51-4108-AA02-DFA0A04FC94B}">
+              <ma14:wrappingTextBoxFlag xmlns:ma14="http://schemas.microsoft.com/office/mac/drawingml/2011/main" xmlns:a14="http://schemas.microsoft.com/office/drawing/2010/main" xmlns:m="http://schemas.openxmlformats.org/officeDocument/2006/math" xmlns="" val="1"/>
+            </a:ext>
+          </a:extLst>
+        </p:spPr>
+        <p:txBody>
+          <a:bodyPr wrap="none" lIns="25400" tIns="25400" rIns="25400" bIns="25400" anchor="ctr">
+            <a:spAutoFit/>
+          </a:bodyPr>
+          <a:lstStyle>
+            <a:lvl1pPr>
+              <a:defRPr sz="3600" b="1"/>
+            </a:lvl1pPr>
+          </a:lstStyle>
+          <a:p>
+            <a:r>
+              <a:rPr sz="1800"/>
+              <a:t>VolcanoPlot</a:t>
+            </a:r>
+          </a:p>
+        </p:txBody>
+      </p:sp>
       <p:pic>
         <p:nvPicPr>
-          <p:cNvPr id="638" name="Image" descr="Image"/>
+          <p:cNvPr id="622" name="Image" descr="Image"/>
+          <p:cNvPicPr>
+            <a:picLocks noChangeAspect="1"/>
+          </p:cNvPicPr>
+          <p:nvPr/>
+        </p:nvPicPr>
+        <p:blipFill>
+          <a:blip r:embed="rId2"/>
+          <a:stretch>
+            <a:fillRect/>
+          </a:stretch>
+        </p:blipFill>
+        <p:spPr>
+          <a:xfrm>
+            <a:off x="6608154" y="1741477"/>
+            <a:ext cx="4485379" cy="3978834"/>
+          </a:xfrm>
+          <a:prstGeom prst="rect">
+            <a:avLst/>
+          </a:prstGeom>
+          <a:ln w="12700">
+            <a:miter lim="400000"/>
+          </a:ln>
+        </p:spPr>
+      </p:pic>
+      <p:pic>
+        <p:nvPicPr>
+          <p:cNvPr id="623" name="Image" descr="Image"/>
           <p:cNvPicPr>
             <a:picLocks noChangeAspect="1"/>
           </p:cNvPicPr>
@@ -6425,8 +6974,8 @@
         </p:blipFill>
         <p:spPr>
           <a:xfrm>
-            <a:off x="1767084" y="1227050"/>
-            <a:ext cx="8657833" cy="387023"/>
+            <a:off x="691388" y="1679166"/>
+            <a:ext cx="5227020" cy="4103455"/>
           </a:xfrm>
           <a:prstGeom prst="rect">
             <a:avLst/>
@@ -6436,24 +6985,16 @@
           </a:ln>
         </p:spPr>
       </p:pic>
-      <p:pic>
-        <p:nvPicPr>
-          <p:cNvPr id="639" name="Image" descr="Image"/>
-          <p:cNvPicPr>
-            <a:picLocks noChangeAspect="1"/>
-          </p:cNvPicPr>
-          <p:nvPr/>
-        </p:nvPicPr>
-        <p:blipFill>
-          <a:blip r:embed="rId4"/>
-          <a:stretch>
-            <a:fillRect/>
-          </a:stretch>
-        </p:blipFill>
-        <p:spPr>
-          <a:xfrm>
-            <a:off x="4377012" y="1647641"/>
-            <a:ext cx="3282860" cy="4816267"/>
+      <p:sp>
+        <p:nvSpPr>
+          <p:cNvPr id="624" name="Shrunk"/>
+          <p:cNvSpPr txBox="1"/>
+          <p:nvPr/>
+        </p:nvSpPr>
+        <p:spPr>
+          <a:xfrm>
+            <a:off x="3073123" y="1890969"/>
+            <a:ext cx="722955" cy="328295"/>
           </a:xfrm>
           <a:prstGeom prst="rect">
             <a:avLst/>
@@ -6461,8 +7002,29 @@
           <a:ln w="12700">
             <a:miter lim="400000"/>
           </a:ln>
-        </p:spPr>
-      </p:pic>
+          <a:extLst>
+            <a:ext uri="{C572A759-6A51-4108-AA02-DFA0A04FC94B}">
+              <ma14:wrappingTextBoxFlag xmlns:ma14="http://schemas.microsoft.com/office/mac/drawingml/2011/main" xmlns:a14="http://schemas.microsoft.com/office/drawing/2010/main" xmlns:m="http://schemas.openxmlformats.org/officeDocument/2006/math" xmlns="" val="1"/>
+            </a:ext>
+          </a:extLst>
+        </p:spPr>
+        <p:txBody>
+          <a:bodyPr wrap="none" lIns="25400" tIns="25400" rIns="25400" bIns="25400" anchor="ctr">
+            <a:spAutoFit/>
+          </a:bodyPr>
+          <a:lstStyle>
+            <a:lvl1pPr>
+              <a:defRPr sz="3600" b="1"/>
+            </a:lvl1pPr>
+          </a:lstStyle>
+          <a:p>
+            <a:r>
+              <a:rPr sz="1800"/>
+              <a:t>Shrunk</a:t>
+            </a:r>
+          </a:p>
+        </p:txBody>
+      </p:sp>
     </p:spTree>
   </p:cSld>
   <p:clrMapOvr>
@@ -6488,43 +7050,16 @@
           <a:chExt cx="0" cy="0"/>
         </a:xfrm>
       </p:grpSpPr>
-      <p:pic>
-        <p:nvPicPr>
-          <p:cNvPr id="643" name="Image" descr="Image"/>
-          <p:cNvPicPr>
-            <a:picLocks noChangeAspect="1"/>
-          </p:cNvPicPr>
-          <p:nvPr/>
-        </p:nvPicPr>
-        <p:blipFill>
-          <a:blip r:embed="rId3"/>
-          <a:stretch>
-            <a:fillRect/>
-          </a:stretch>
-        </p:blipFill>
-        <p:spPr>
-          <a:xfrm>
-            <a:off x="4048189" y="1268790"/>
-            <a:ext cx="4095623" cy="4950362"/>
-          </a:xfrm>
-          <a:prstGeom prst="rect">
-            <a:avLst/>
-          </a:prstGeom>
-          <a:ln w="12700">
-            <a:miter lim="400000"/>
-          </a:ln>
-        </p:spPr>
-      </p:pic>
-      <p:sp>
-        <p:nvSpPr>
-          <p:cNvPr id="644" name="Filter by Fold Change"/>
+      <p:sp>
+        <p:nvSpPr>
+          <p:cNvPr id="626" name="Basic plotting and visualizing of results"/>
           <p:cNvSpPr txBox="1"/>
           <p:nvPr/>
         </p:nvSpPr>
         <p:spPr>
           <a:xfrm>
-            <a:off x="4521022" y="349040"/>
-            <a:ext cx="2714141" cy="420628"/>
+            <a:off x="3154313" y="337961"/>
+            <a:ext cx="4973477" cy="420628"/>
           </a:xfrm>
           <a:prstGeom prst="rect">
             <a:avLst/>
@@ -6550,14 +7085,80 @@
           <a:p>
             <a:r>
               <a:rPr sz="2400"/>
-              <a:t>Filter by Fold Change</a:t>
+              <a:t>Basic plotting and visualizing of results</a:t>
             </a:r>
           </a:p>
         </p:txBody>
       </p:sp>
       <p:pic>
         <p:nvPicPr>
-          <p:cNvPr id="645" name="Image" descr="Image"/>
+          <p:cNvPr id="2" name="Picture 1">
+            <a:extLst>
+              <a:ext uri="{FF2B5EF4-FFF2-40B4-BE49-F238E27FC236}">
+                <a16:creationId xmlns:a16="http://schemas.microsoft.com/office/drawing/2014/main" id="{9DAEACFF-D776-6844-B46B-89298D783AA4}"/>
+              </a:ext>
+            </a:extLst>
+          </p:cNvPr>
+          <p:cNvPicPr>
+            <a:picLocks noChangeAspect="1"/>
+          </p:cNvPicPr>
+          <p:nvPr/>
+        </p:nvPicPr>
+        <p:blipFill>
+          <a:blip r:embed="rId2"/>
+          <a:stretch>
+            <a:fillRect/>
+          </a:stretch>
+        </p:blipFill>
+        <p:spPr>
+          <a:xfrm>
+            <a:off x="510278" y="1568295"/>
+            <a:ext cx="3585861" cy="3209445"/>
+          </a:xfrm>
+          <a:prstGeom prst="rect">
+            <a:avLst/>
+          </a:prstGeom>
+        </p:spPr>
+      </p:pic>
+      <p:pic>
+        <p:nvPicPr>
+          <p:cNvPr id="3" name="Picture 2">
+            <a:extLst>
+              <a:ext uri="{FF2B5EF4-FFF2-40B4-BE49-F238E27FC236}">
+                <a16:creationId xmlns:a16="http://schemas.microsoft.com/office/drawing/2014/main" id="{715408E3-409B-E569-DD26-3251462B6A15}"/>
+              </a:ext>
+            </a:extLst>
+          </p:cNvPr>
+          <p:cNvPicPr>
+            <a:picLocks noChangeAspect="1"/>
+          </p:cNvPicPr>
+          <p:nvPr/>
+        </p:nvPicPr>
+        <p:blipFill>
+          <a:blip r:embed="rId3"/>
+          <a:stretch>
+            <a:fillRect/>
+          </a:stretch>
+        </p:blipFill>
+        <p:spPr>
+          <a:xfrm>
+            <a:off x="1836420" y="5522742"/>
+            <a:ext cx="7772400" cy="597876"/>
+          </a:xfrm>
+          <a:prstGeom prst="rect">
+            <a:avLst/>
+          </a:prstGeom>
+        </p:spPr>
+      </p:pic>
+      <p:pic>
+        <p:nvPicPr>
+          <p:cNvPr id="4" name="Picture 3">
+            <a:extLst>
+              <a:ext uri="{FF2B5EF4-FFF2-40B4-BE49-F238E27FC236}">
+                <a16:creationId xmlns:a16="http://schemas.microsoft.com/office/drawing/2014/main" id="{F032AF7C-1636-E7C5-6C4D-D4D6A5752843}"/>
+              </a:ext>
+            </a:extLst>
+          </p:cNvPr>
           <p:cNvPicPr>
             <a:picLocks noChangeAspect="1"/>
           </p:cNvPicPr>
@@ -6571,15 +7172,42 @@
         </p:blipFill>
         <p:spPr>
           <a:xfrm>
-            <a:off x="2851360" y="1141587"/>
-            <a:ext cx="6489280" cy="368388"/>
-          </a:xfrm>
-          <a:prstGeom prst="rect">
-            <a:avLst/>
-          </a:prstGeom>
-          <a:ln w="12700">
-            <a:miter lim="400000"/>
-          </a:ln>
+            <a:off x="4096139" y="1568294"/>
+            <a:ext cx="3566878" cy="3138325"/>
+          </a:xfrm>
+          <a:prstGeom prst="rect">
+            <a:avLst/>
+          </a:prstGeom>
+        </p:spPr>
+      </p:pic>
+      <p:pic>
+        <p:nvPicPr>
+          <p:cNvPr id="5" name="Picture 4">
+            <a:extLst>
+              <a:ext uri="{FF2B5EF4-FFF2-40B4-BE49-F238E27FC236}">
+                <a16:creationId xmlns:a16="http://schemas.microsoft.com/office/drawing/2014/main" id="{B37C4D28-C48C-0C81-9CEA-AF1AA4740D85}"/>
+              </a:ext>
+            </a:extLst>
+          </p:cNvPr>
+          <p:cNvPicPr>
+            <a:picLocks noChangeAspect="1"/>
+          </p:cNvPicPr>
+          <p:nvPr/>
+        </p:nvPicPr>
+        <p:blipFill>
+          <a:blip r:embed="rId5"/>
+          <a:stretch>
+            <a:fillRect/>
+          </a:stretch>
+        </p:blipFill>
+        <p:spPr>
+          <a:xfrm>
+            <a:off x="7827004" y="1568294"/>
+            <a:ext cx="3666162" cy="3067605"/>
+          </a:xfrm>
+          <a:prstGeom prst="rect">
+            <a:avLst/>
+          </a:prstGeom>
         </p:spPr>
       </p:pic>
     </p:spTree>
@@ -6647,6 +7275,114 @@
           </a:p>
         </p:txBody>
       </p:sp>
+      <p:sp>
+        <p:nvSpPr>
+          <p:cNvPr id="2" name="GSE102560 - shRNA KD of SWI/SNF subunits…">
+            <a:extLst>
+              <a:ext uri="{FF2B5EF4-FFF2-40B4-BE49-F238E27FC236}">
+                <a16:creationId xmlns:a16="http://schemas.microsoft.com/office/drawing/2014/main" id="{4213A0F3-3E8E-A2FC-EE61-28C13010819F}"/>
+              </a:ext>
+            </a:extLst>
+          </p:cNvPr>
+          <p:cNvSpPr txBox="1"/>
+          <p:nvPr/>
+        </p:nvSpPr>
+        <p:spPr>
+          <a:xfrm>
+            <a:off x="3430824" y="1192863"/>
+            <a:ext cx="5134354" cy="605294"/>
+          </a:xfrm>
+          <a:prstGeom prst="rect">
+            <a:avLst/>
+          </a:prstGeom>
+          <a:ln w="12700">
+            <a:miter lim="400000"/>
+          </a:ln>
+          <a:extLst>
+            <a:ext uri="{C572A759-6A51-4108-AA02-DFA0A04FC94B}">
+              <ma14:wrappingTextBoxFlag xmlns:ma14="http://schemas.microsoft.com/office/mac/drawingml/2011/main" xmlns:a14="http://schemas.microsoft.com/office/drawing/2010/main" xmlns:m="http://schemas.openxmlformats.org/officeDocument/2006/math" xmlns="" val="1"/>
+            </a:ext>
+          </a:extLst>
+        </p:spPr>
+        <p:txBody>
+          <a:bodyPr wrap="none" lIns="25400" tIns="25400" rIns="25400" bIns="25400" anchor="ctr">
+            <a:spAutoFit/>
+          </a:bodyPr>
+          <a:lstStyle/>
+          <a:p>
+            <a:r>
+              <a:rPr dirty="0"/>
+              <a:t>GSE102560 - shRNA KD of SWI/SNF subunits</a:t>
+            </a:r>
+            <a:r>
+              <a:rPr lang="en-US" dirty="0"/>
+              <a:t> in human</a:t>
+            </a:r>
+          </a:p>
+          <a:p>
+            <a:r>
+              <a:rPr lang="en-US" dirty="0"/>
+              <a:t>data/GSE102560.Rda</a:t>
+            </a:r>
+            <a:endParaRPr dirty="0"/>
+          </a:p>
+        </p:txBody>
+      </p:sp>
+      <p:sp>
+        <p:nvSpPr>
+          <p:cNvPr id="3" name="4 Groups - NS, Brg1, Brm, Double">
+            <a:extLst>
+              <a:ext uri="{FF2B5EF4-FFF2-40B4-BE49-F238E27FC236}">
+                <a16:creationId xmlns:a16="http://schemas.microsoft.com/office/drawing/2014/main" id="{D3EE2F3C-D34B-B520-FD73-FA4DDC732DEA}"/>
+              </a:ext>
+            </a:extLst>
+          </p:cNvPr>
+          <p:cNvSpPr txBox="1"/>
+          <p:nvPr/>
+        </p:nvSpPr>
+        <p:spPr>
+          <a:xfrm>
+            <a:off x="3380118" y="2157568"/>
+            <a:ext cx="3089692" cy="297517"/>
+          </a:xfrm>
+          <a:prstGeom prst="rect">
+            <a:avLst/>
+          </a:prstGeom>
+          <a:ln w="12700">
+            <a:miter lim="400000"/>
+          </a:ln>
+          <a:extLst>
+            <a:ext uri="{C572A759-6A51-4108-AA02-DFA0A04FC94B}">
+              <ma14:wrappingTextBoxFlag xmlns:ma14="http://schemas.microsoft.com/office/mac/drawingml/2011/main" xmlns:a14="http://schemas.microsoft.com/office/drawing/2010/main" xmlns:m="http://schemas.openxmlformats.org/officeDocument/2006/math" xmlns="" val="1"/>
+            </a:ext>
+          </a:extLst>
+        </p:spPr>
+        <p:txBody>
+          <a:bodyPr wrap="none" lIns="25400" tIns="25400" rIns="25400" bIns="25400" anchor="ctr">
+            <a:spAutoFit/>
+          </a:bodyPr>
+          <a:lstStyle/>
+          <a:p>
+            <a:r>
+              <a:rPr sz="1600" dirty="0"/>
+              <a:t>4 Groups - NS, Brg1, </a:t>
+            </a:r>
+            <a:r>
+              <a:rPr sz="1600" dirty="0" err="1"/>
+              <a:t>Brm</a:t>
+            </a:r>
+            <a:r>
+              <a:rPr sz="1600" dirty="0"/>
+              <a:t>, Double</a:t>
+            </a:r>
+            <a:r>
+              <a:rPr lang="en-US" sz="1600" dirty="0"/>
+              <a:t> KO</a:t>
+            </a:r>
+            <a:endParaRPr sz="1600" dirty="0"/>
+          </a:p>
+        </p:txBody>
+      </p:sp>
     </p:spTree>
   </p:cSld>
   <p:clrMapOvr>
@@ -6674,20 +7410,14 @@
       </p:grpSpPr>
       <p:sp>
         <p:nvSpPr>
-          <p:cNvPr id="2" name="arid2_es.Rda…">
-            <a:extLst>
-              <a:ext uri="{FF2B5EF4-FFF2-40B4-BE49-F238E27FC236}">
-                <a16:creationId xmlns:a16="http://schemas.microsoft.com/office/drawing/2014/main" id="{5CDF5B6F-E825-EBFD-C314-9EBDB96C1A80}"/>
-              </a:ext>
-            </a:extLst>
-          </p:cNvPr>
+          <p:cNvPr id="632" name="Basic plotting and visualizing of results"/>
           <p:cNvSpPr txBox="1"/>
           <p:nvPr/>
         </p:nvSpPr>
         <p:spPr>
           <a:xfrm>
-            <a:off x="3541986" y="1178090"/>
-            <a:ext cx="4357540" cy="882293"/>
+            <a:off x="3154313" y="337961"/>
+            <a:ext cx="4973477" cy="420628"/>
           </a:xfrm>
           <a:prstGeom prst="rect">
             <a:avLst/>
@@ -6705,47 +7435,425 @@
           <a:bodyPr wrap="none" lIns="25400" tIns="25400" rIns="25400" bIns="25400" anchor="ctr">
             <a:spAutoFit/>
           </a:bodyPr>
-          <a:lstStyle/>
-          <a:p>
-            <a:r>
-              <a:rPr lang="en-US" dirty="0"/>
-              <a:t>data/</a:t>
-            </a:r>
-            <a:r>
-              <a:rPr dirty="0"/>
-              <a:t>arid2_es.Rda</a:t>
-            </a:r>
-          </a:p>
-          <a:p>
-            <a:r>
-              <a:rPr dirty="0"/>
-              <a:t>mouse - ARID2 KO vs WT ES cells </a:t>
-            </a:r>
-          </a:p>
-          <a:p>
-            <a:r>
-              <a:rPr dirty="0"/>
-              <a:t>4 treatment conditions (ES, EB, FGF24, FGF48)</a:t>
-            </a:r>
-          </a:p>
-        </p:txBody>
-      </p:sp>
-      <p:sp>
-        <p:nvSpPr>
-          <p:cNvPr id="3" name="TextBox 2">
-            <a:extLst>
-              <a:ext uri="{FF2B5EF4-FFF2-40B4-BE49-F238E27FC236}">
-                <a16:creationId xmlns:a16="http://schemas.microsoft.com/office/drawing/2014/main" id="{F8DF3128-D838-5A36-2747-6B38CF582596}"/>
-              </a:ext>
-            </a:extLst>
-          </p:cNvPr>
+          <a:lstStyle>
+            <a:lvl1pPr>
+              <a:defRPr sz="4800" b="1"/>
+            </a:lvl1pPr>
+          </a:lstStyle>
+          <a:p>
+            <a:r>
+              <a:rPr sz="2400"/>
+              <a:t>Basic plotting and visualizing of results</a:t>
+            </a:r>
+          </a:p>
+        </p:txBody>
+      </p:sp>
+      <p:pic>
+        <p:nvPicPr>
+          <p:cNvPr id="2" name="Picture 1">
+            <a:extLst>
+              <a:ext uri="{FF2B5EF4-FFF2-40B4-BE49-F238E27FC236}">
+                <a16:creationId xmlns:a16="http://schemas.microsoft.com/office/drawing/2014/main" id="{B00F4044-0E9E-6F48-DE99-0DC85132FB60}"/>
+              </a:ext>
+            </a:extLst>
+          </p:cNvPr>
+          <p:cNvPicPr>
+            <a:picLocks noChangeAspect="1"/>
+          </p:cNvPicPr>
+          <p:nvPr/>
+        </p:nvPicPr>
+        <p:blipFill>
+          <a:blip r:embed="rId3"/>
+          <a:stretch>
+            <a:fillRect/>
+          </a:stretch>
+        </p:blipFill>
+        <p:spPr>
+          <a:xfrm>
+            <a:off x="822960" y="1251278"/>
+            <a:ext cx="3939540" cy="1010301"/>
+          </a:xfrm>
+          <a:prstGeom prst="rect">
+            <a:avLst/>
+          </a:prstGeom>
+        </p:spPr>
+      </p:pic>
+      <p:pic>
+        <p:nvPicPr>
+          <p:cNvPr id="3" name="Picture 2">
+            <a:extLst>
+              <a:ext uri="{FF2B5EF4-FFF2-40B4-BE49-F238E27FC236}">
+                <a16:creationId xmlns:a16="http://schemas.microsoft.com/office/drawing/2014/main" id="{10EBA9A2-F894-2989-2B93-A95D6AD68BC9}"/>
+              </a:ext>
+            </a:extLst>
+          </p:cNvPr>
+          <p:cNvPicPr>
+            <a:picLocks noChangeAspect="1"/>
+          </p:cNvPicPr>
+          <p:nvPr/>
+        </p:nvPicPr>
+        <p:blipFill>
+          <a:blip r:embed="rId4"/>
+          <a:stretch>
+            <a:fillRect/>
+          </a:stretch>
+        </p:blipFill>
+        <p:spPr>
+          <a:xfrm>
+            <a:off x="5334765" y="1251278"/>
+            <a:ext cx="5586049" cy="3836381"/>
+          </a:xfrm>
+          <a:prstGeom prst="rect">
+            <a:avLst/>
+          </a:prstGeom>
+        </p:spPr>
+      </p:pic>
+    </p:spTree>
+  </p:cSld>
+  <p:clrMapOvr>
+    <a:masterClrMapping/>
+  </p:clrMapOvr>
+</p:sld>
+</file>
+
+<file path=ppt/slides/slide21.xml><?xml version="1.0" encoding="utf-8"?>
+<p:sld xmlns:a="http://schemas.openxmlformats.org/drawingml/2006/main" xmlns:r="http://schemas.openxmlformats.org/officeDocument/2006/relationships" xmlns:p="http://schemas.openxmlformats.org/presentationml/2006/main">
+  <p:cSld>
+    <p:spTree>
+      <p:nvGrpSpPr>
+        <p:cNvPr id="1" name=""/>
+        <p:cNvGrpSpPr/>
+        <p:nvPr/>
+      </p:nvGrpSpPr>
+      <p:grpSpPr>
+        <a:xfrm>
+          <a:off x="0" y="0"/>
+          <a:ext cx="0" cy="0"/>
+          <a:chOff x="0" y="0"/>
+          <a:chExt cx="0" cy="0"/>
+        </a:xfrm>
+      </p:grpSpPr>
+      <p:sp>
+        <p:nvSpPr>
+          <p:cNvPr id="637" name="Basic plotting and visualizing of results"/>
           <p:cNvSpPr txBox="1"/>
           <p:nvPr/>
         </p:nvSpPr>
         <p:spPr>
           <a:xfrm>
-            <a:off x="3541986" y="2505670"/>
-            <a:ext cx="4702605" cy="923330"/>
+            <a:off x="3154313" y="337961"/>
+            <a:ext cx="4973477" cy="420628"/>
+          </a:xfrm>
+          <a:prstGeom prst="rect">
+            <a:avLst/>
+          </a:prstGeom>
+          <a:ln w="12700">
+            <a:miter lim="400000"/>
+          </a:ln>
+          <a:extLst>
+            <a:ext uri="{C572A759-6A51-4108-AA02-DFA0A04FC94B}">
+              <ma14:wrappingTextBoxFlag xmlns:ma14="http://schemas.microsoft.com/office/mac/drawingml/2011/main" xmlns:a14="http://schemas.microsoft.com/office/drawing/2010/main" xmlns:m="http://schemas.openxmlformats.org/officeDocument/2006/math" xmlns="" val="1"/>
+            </a:ext>
+          </a:extLst>
+        </p:spPr>
+        <p:txBody>
+          <a:bodyPr wrap="none" lIns="25400" tIns="25400" rIns="25400" bIns="25400" anchor="ctr">
+            <a:spAutoFit/>
+          </a:bodyPr>
+          <a:lstStyle>
+            <a:lvl1pPr>
+              <a:defRPr sz="4800" b="1"/>
+            </a:lvl1pPr>
+          </a:lstStyle>
+          <a:p>
+            <a:r>
+              <a:rPr sz="2400"/>
+              <a:t>Basic plotting and visualizing of results</a:t>
+            </a:r>
+          </a:p>
+        </p:txBody>
+      </p:sp>
+      <p:pic>
+        <p:nvPicPr>
+          <p:cNvPr id="2" name="Picture 1">
+            <a:extLst>
+              <a:ext uri="{FF2B5EF4-FFF2-40B4-BE49-F238E27FC236}">
+                <a16:creationId xmlns:a16="http://schemas.microsoft.com/office/drawing/2014/main" id="{AE285BDD-5369-A9B0-960F-93FFE3F9BDAF}"/>
+              </a:ext>
+            </a:extLst>
+          </p:cNvPr>
+          <p:cNvPicPr>
+            <a:picLocks noChangeAspect="1"/>
+          </p:cNvPicPr>
+          <p:nvPr/>
+        </p:nvPicPr>
+        <p:blipFill>
+          <a:blip r:embed="rId3"/>
+          <a:stretch>
+            <a:fillRect/>
+          </a:stretch>
+        </p:blipFill>
+        <p:spPr>
+          <a:xfrm>
+            <a:off x="4872992" y="1376677"/>
+            <a:ext cx="6316980" cy="4104645"/>
+          </a:xfrm>
+          <a:prstGeom prst="rect">
+            <a:avLst/>
+          </a:prstGeom>
+        </p:spPr>
+      </p:pic>
+      <p:pic>
+        <p:nvPicPr>
+          <p:cNvPr id="3" name="Picture 2">
+            <a:extLst>
+              <a:ext uri="{FF2B5EF4-FFF2-40B4-BE49-F238E27FC236}">
+                <a16:creationId xmlns:a16="http://schemas.microsoft.com/office/drawing/2014/main" id="{F4534869-18FB-F8CF-4CE0-30D78CAAE0F1}"/>
+              </a:ext>
+            </a:extLst>
+          </p:cNvPr>
+          <p:cNvPicPr>
+            <a:picLocks noChangeAspect="1"/>
+          </p:cNvPicPr>
+          <p:nvPr/>
+        </p:nvPicPr>
+        <p:blipFill>
+          <a:blip r:embed="rId4"/>
+          <a:stretch>
+            <a:fillRect/>
+          </a:stretch>
+        </p:blipFill>
+        <p:spPr>
+          <a:xfrm>
+            <a:off x="344169" y="1584960"/>
+            <a:ext cx="4269137" cy="838200"/>
+          </a:xfrm>
+          <a:prstGeom prst="rect">
+            <a:avLst/>
+          </a:prstGeom>
+        </p:spPr>
+      </p:pic>
+    </p:spTree>
+  </p:cSld>
+  <p:clrMapOvr>
+    <a:masterClrMapping/>
+  </p:clrMapOvr>
+</p:sld>
+</file>
+
+<file path=ppt/slides/slide22.xml><?xml version="1.0" encoding="utf-8"?>
+<p:sld xmlns:a="http://schemas.openxmlformats.org/drawingml/2006/main" xmlns:r="http://schemas.openxmlformats.org/officeDocument/2006/relationships" xmlns:p="http://schemas.openxmlformats.org/presentationml/2006/main">
+  <p:cSld>
+    <p:spTree>
+      <p:nvGrpSpPr>
+        <p:cNvPr id="1" name=""/>
+        <p:cNvGrpSpPr/>
+        <p:nvPr/>
+      </p:nvGrpSpPr>
+      <p:grpSpPr>
+        <a:xfrm>
+          <a:off x="0" y="0"/>
+          <a:ext cx="0" cy="0"/>
+          <a:chOff x="0" y="0"/>
+          <a:chExt cx="0" cy="0"/>
+        </a:xfrm>
+      </p:grpSpPr>
+      <p:pic>
+        <p:nvPicPr>
+          <p:cNvPr id="2" name="Picture 1">
+            <a:extLst>
+              <a:ext uri="{FF2B5EF4-FFF2-40B4-BE49-F238E27FC236}">
+                <a16:creationId xmlns:a16="http://schemas.microsoft.com/office/drawing/2014/main" id="{41522347-7DD1-8CF1-337B-C68BA239CB73}"/>
+              </a:ext>
+            </a:extLst>
+          </p:cNvPr>
+          <p:cNvPicPr>
+            <a:picLocks noChangeAspect="1"/>
+          </p:cNvPicPr>
+          <p:nvPr/>
+        </p:nvPicPr>
+        <p:blipFill>
+          <a:blip r:embed="rId2"/>
+          <a:stretch>
+            <a:fillRect/>
+          </a:stretch>
+        </p:blipFill>
+        <p:spPr>
+          <a:xfrm>
+            <a:off x="198120" y="521959"/>
+            <a:ext cx="6019800" cy="666916"/>
+          </a:xfrm>
+          <a:prstGeom prst="rect">
+            <a:avLst/>
+          </a:prstGeom>
+        </p:spPr>
+      </p:pic>
+      <p:pic>
+        <p:nvPicPr>
+          <p:cNvPr id="3" name="Picture 2">
+            <a:extLst>
+              <a:ext uri="{FF2B5EF4-FFF2-40B4-BE49-F238E27FC236}">
+                <a16:creationId xmlns:a16="http://schemas.microsoft.com/office/drawing/2014/main" id="{89A7CA8A-8010-FDE2-B2E4-A7DF48639E5C}"/>
+              </a:ext>
+            </a:extLst>
+          </p:cNvPr>
+          <p:cNvPicPr>
+            <a:picLocks noChangeAspect="1"/>
+          </p:cNvPicPr>
+          <p:nvPr/>
+        </p:nvPicPr>
+        <p:blipFill>
+          <a:blip r:embed="rId3"/>
+          <a:stretch>
+            <a:fillRect/>
+          </a:stretch>
+        </p:blipFill>
+        <p:spPr>
+          <a:xfrm>
+            <a:off x="6817723" y="526090"/>
+            <a:ext cx="4620758" cy="4430864"/>
+          </a:xfrm>
+          <a:prstGeom prst="rect">
+            <a:avLst/>
+          </a:prstGeom>
+        </p:spPr>
+      </p:pic>
+    </p:spTree>
+    <p:extLst>
+      <p:ext uri="{BB962C8B-B14F-4D97-AF65-F5344CB8AC3E}">
+        <p14:creationId xmlns:p14="http://schemas.microsoft.com/office/powerpoint/2010/main" val="481012015"/>
+      </p:ext>
+    </p:extLst>
+  </p:cSld>
+  <p:clrMapOvr>
+    <a:masterClrMapping/>
+  </p:clrMapOvr>
+</p:sld>
+</file>
+
+<file path=ppt/slides/slide23.xml><?xml version="1.0" encoding="utf-8"?>
+<p:sld xmlns:a="http://schemas.openxmlformats.org/drawingml/2006/main" xmlns:r="http://schemas.openxmlformats.org/officeDocument/2006/relationships" xmlns:p="http://schemas.openxmlformats.org/presentationml/2006/main">
+  <p:cSld>
+    <p:spTree>
+      <p:nvGrpSpPr>
+        <p:cNvPr id="1" name=""/>
+        <p:cNvGrpSpPr/>
+        <p:nvPr/>
+      </p:nvGrpSpPr>
+      <p:grpSpPr>
+        <a:xfrm>
+          <a:off x="0" y="0"/>
+          <a:ext cx="0" cy="0"/>
+          <a:chOff x="0" y="0"/>
+          <a:chExt cx="0" cy="0"/>
+        </a:xfrm>
+      </p:grpSpPr>
+      <p:pic>
+        <p:nvPicPr>
+          <p:cNvPr id="2" name="Picture 1">
+            <a:extLst>
+              <a:ext uri="{FF2B5EF4-FFF2-40B4-BE49-F238E27FC236}">
+                <a16:creationId xmlns:a16="http://schemas.microsoft.com/office/drawing/2014/main" id="{6396EF81-8F76-0B15-E73E-38AA89BEDB0F}"/>
+              </a:ext>
+            </a:extLst>
+          </p:cNvPr>
+          <p:cNvPicPr>
+            <a:picLocks noChangeAspect="1"/>
+          </p:cNvPicPr>
+          <p:nvPr/>
+        </p:nvPicPr>
+        <p:blipFill>
+          <a:blip r:embed="rId2"/>
+          <a:stretch>
+            <a:fillRect/>
+          </a:stretch>
+        </p:blipFill>
+        <p:spPr>
+          <a:xfrm>
+            <a:off x="297180" y="641882"/>
+            <a:ext cx="6637020" cy="296239"/>
+          </a:xfrm>
+          <a:prstGeom prst="rect">
+            <a:avLst/>
+          </a:prstGeom>
+        </p:spPr>
+      </p:pic>
+      <p:pic>
+        <p:nvPicPr>
+          <p:cNvPr id="3" name="Picture 2">
+            <a:extLst>
+              <a:ext uri="{FF2B5EF4-FFF2-40B4-BE49-F238E27FC236}">
+                <a16:creationId xmlns:a16="http://schemas.microsoft.com/office/drawing/2014/main" id="{E1C5D49F-3882-8939-0AD0-B0C5BB1681BF}"/>
+              </a:ext>
+            </a:extLst>
+          </p:cNvPr>
+          <p:cNvPicPr>
+            <a:picLocks noChangeAspect="1"/>
+          </p:cNvPicPr>
+          <p:nvPr/>
+        </p:nvPicPr>
+        <p:blipFill>
+          <a:blip r:embed="rId3"/>
+          <a:stretch>
+            <a:fillRect/>
+          </a:stretch>
+        </p:blipFill>
+        <p:spPr>
+          <a:xfrm>
+            <a:off x="6024879" y="1059180"/>
+            <a:ext cx="5483725" cy="4978399"/>
+          </a:xfrm>
+          <a:prstGeom prst="rect">
+            <a:avLst/>
+          </a:prstGeom>
+        </p:spPr>
+      </p:pic>
+    </p:spTree>
+    <p:extLst>
+      <p:ext uri="{BB962C8B-B14F-4D97-AF65-F5344CB8AC3E}">
+        <p14:creationId xmlns:p14="http://schemas.microsoft.com/office/powerpoint/2010/main" val="2486804009"/>
+      </p:ext>
+    </p:extLst>
+  </p:cSld>
+  <p:clrMapOvr>
+    <a:masterClrMapping/>
+  </p:clrMapOvr>
+</p:sld>
+</file>
+
+<file path=ppt/slides/slide24.xml><?xml version="1.0" encoding="utf-8"?>
+<p:sld xmlns:a="http://schemas.openxmlformats.org/drawingml/2006/main" xmlns:r="http://schemas.openxmlformats.org/officeDocument/2006/relationships" xmlns:p="http://schemas.openxmlformats.org/presentationml/2006/main">
+  <p:cSld>
+    <p:spTree>
+      <p:nvGrpSpPr>
+        <p:cNvPr id="1" name=""/>
+        <p:cNvGrpSpPr/>
+        <p:nvPr/>
+      </p:nvGrpSpPr>
+      <p:grpSpPr>
+        <a:xfrm>
+          <a:off x="0" y="0"/>
+          <a:ext cx="0" cy="0"/>
+          <a:chOff x="0" y="0"/>
+          <a:chExt cx="0" cy="0"/>
+        </a:xfrm>
+      </p:grpSpPr>
+      <p:sp>
+        <p:nvSpPr>
+          <p:cNvPr id="2" name="TextBox 1">
+            <a:extLst>
+              <a:ext uri="{FF2B5EF4-FFF2-40B4-BE49-F238E27FC236}">
+                <a16:creationId xmlns:a16="http://schemas.microsoft.com/office/drawing/2014/main" id="{1E3B3B92-5C9B-7519-2099-66FF1604B0E1}"/>
+              </a:ext>
+            </a:extLst>
+          </p:cNvPr>
+          <p:cNvSpPr txBox="1"/>
+          <p:nvPr/>
+        </p:nvSpPr>
+        <p:spPr>
+          <a:xfrm>
+            <a:off x="4846320" y="205740"/>
+            <a:ext cx="4853940" cy="369332"/>
           </a:xfrm>
           <a:prstGeom prst="rect">
             <a:avLst/>
@@ -6760,72 +7868,135 @@
           <a:p>
             <a:r>
               <a:rPr lang="en-US" dirty="0"/>
-              <a:t>data/Gracz_2020.Rda</a:t>
-            </a:r>
-          </a:p>
-          <a:p>
-            <a:r>
-              <a:rPr lang="en-US" dirty="0"/>
-              <a:t>Mouse </a:t>
-            </a:r>
-            <a:r>
-              <a:rPr lang="en-US" dirty="0" err="1"/>
-              <a:t>facs</a:t>
-            </a:r>
-            <a:r>
-              <a:rPr lang="en-US" dirty="0"/>
-              <a:t> purified cell populations (High, Low, </a:t>
-            </a:r>
-            <a:r>
-              <a:rPr lang="en-US" dirty="0" err="1"/>
-              <a:t>Sublow</a:t>
-            </a:r>
-            <a:r>
-              <a:rPr lang="en-US" dirty="0"/>
-              <a:t>, Negative)</a:t>
-            </a:r>
-          </a:p>
-        </p:txBody>
-      </p:sp>
-      <p:sp>
-        <p:nvSpPr>
-          <p:cNvPr id="4" name="TextBox 3">
-            <a:extLst>
-              <a:ext uri="{FF2B5EF4-FFF2-40B4-BE49-F238E27FC236}">
-                <a16:creationId xmlns:a16="http://schemas.microsoft.com/office/drawing/2014/main" id="{F8884C1D-1EFF-F6A4-A099-F031E5FE1CEC}"/>
-              </a:ext>
-            </a:extLst>
-          </p:cNvPr>
-          <p:cNvSpPr txBox="1"/>
-          <p:nvPr/>
-        </p:nvSpPr>
-        <p:spPr>
-          <a:xfrm>
-            <a:off x="3541986" y="199697"/>
-            <a:ext cx="4981904" cy="369332"/>
-          </a:xfrm>
-          <a:prstGeom prst="rect">
-            <a:avLst/>
-          </a:prstGeom>
-          <a:noFill/>
-        </p:spPr>
-        <p:txBody>
-          <a:bodyPr wrap="square" rtlCol="0">
-            <a:spAutoFit/>
-          </a:bodyPr>
-          <a:lstStyle/>
-          <a:p>
-            <a:r>
-              <a:rPr lang="en-US" dirty="0"/>
-              <a:t>Advanced experimental designs</a:t>
-            </a:r>
-          </a:p>
-        </p:txBody>
-      </p:sp>
+              <a:t>Enrichment - GSEA</a:t>
+            </a:r>
+          </a:p>
+        </p:txBody>
+      </p:sp>
+      <p:pic>
+        <p:nvPicPr>
+          <p:cNvPr id="3" name="Picture 2">
+            <a:extLst>
+              <a:ext uri="{FF2B5EF4-FFF2-40B4-BE49-F238E27FC236}">
+                <a16:creationId xmlns:a16="http://schemas.microsoft.com/office/drawing/2014/main" id="{A7F2F6DC-5714-1330-C4A5-297299F772F0}"/>
+              </a:ext>
+            </a:extLst>
+          </p:cNvPr>
+          <p:cNvPicPr>
+            <a:picLocks noChangeAspect="1"/>
+          </p:cNvPicPr>
+          <p:nvPr/>
+        </p:nvPicPr>
+        <p:blipFill>
+          <a:blip r:embed="rId2"/>
+          <a:stretch>
+            <a:fillRect/>
+          </a:stretch>
+        </p:blipFill>
+        <p:spPr>
+          <a:xfrm>
+            <a:off x="1157411" y="1173480"/>
+            <a:ext cx="3804899" cy="4114800"/>
+          </a:xfrm>
+          <a:prstGeom prst="rect">
+            <a:avLst/>
+          </a:prstGeom>
+        </p:spPr>
+      </p:pic>
+      <p:pic>
+        <p:nvPicPr>
+          <p:cNvPr id="4" name="Picture 3">
+            <a:extLst>
+              <a:ext uri="{FF2B5EF4-FFF2-40B4-BE49-F238E27FC236}">
+                <a16:creationId xmlns:a16="http://schemas.microsoft.com/office/drawing/2014/main" id="{89C141EC-7BF1-CC65-2686-1D57FE322140}"/>
+              </a:ext>
+            </a:extLst>
+          </p:cNvPr>
+          <p:cNvPicPr>
+            <a:picLocks noChangeAspect="1"/>
+          </p:cNvPicPr>
+          <p:nvPr/>
+        </p:nvPicPr>
+        <p:blipFill>
+          <a:blip r:embed="rId3"/>
+          <a:stretch>
+            <a:fillRect/>
+          </a:stretch>
+        </p:blipFill>
+        <p:spPr>
+          <a:xfrm>
+            <a:off x="5440680" y="803262"/>
+            <a:ext cx="4617720" cy="509151"/>
+          </a:xfrm>
+          <a:prstGeom prst="rect">
+            <a:avLst/>
+          </a:prstGeom>
+        </p:spPr>
+      </p:pic>
+      <p:pic>
+        <p:nvPicPr>
+          <p:cNvPr id="5" name="Picture 4">
+            <a:extLst>
+              <a:ext uri="{FF2B5EF4-FFF2-40B4-BE49-F238E27FC236}">
+                <a16:creationId xmlns:a16="http://schemas.microsoft.com/office/drawing/2014/main" id="{859A6AFF-2B48-B4E6-0BB8-DEADB6B46F8B}"/>
+              </a:ext>
+            </a:extLst>
+          </p:cNvPr>
+          <p:cNvPicPr>
+            <a:picLocks noChangeAspect="1"/>
+          </p:cNvPicPr>
+          <p:nvPr/>
+        </p:nvPicPr>
+        <p:blipFill>
+          <a:blip r:embed="rId4"/>
+          <a:stretch>
+            <a:fillRect/>
+          </a:stretch>
+        </p:blipFill>
+        <p:spPr>
+          <a:xfrm>
+            <a:off x="5417819" y="1384798"/>
+            <a:ext cx="4212143" cy="573542"/>
+          </a:xfrm>
+          <a:prstGeom prst="rect">
+            <a:avLst/>
+          </a:prstGeom>
+        </p:spPr>
+      </p:pic>
+      <p:pic>
+        <p:nvPicPr>
+          <p:cNvPr id="6" name="Picture 5">
+            <a:extLst>
+              <a:ext uri="{FF2B5EF4-FFF2-40B4-BE49-F238E27FC236}">
+                <a16:creationId xmlns:a16="http://schemas.microsoft.com/office/drawing/2014/main" id="{3D25E771-9FEB-C9F5-7380-1C343608A614}"/>
+              </a:ext>
+            </a:extLst>
+          </p:cNvPr>
+          <p:cNvPicPr>
+            <a:picLocks noChangeAspect="1"/>
+          </p:cNvPicPr>
+          <p:nvPr/>
+        </p:nvPicPr>
+        <p:blipFill>
+          <a:blip r:embed="rId5"/>
+          <a:stretch>
+            <a:fillRect/>
+          </a:stretch>
+        </p:blipFill>
+        <p:spPr>
+          <a:xfrm>
+            <a:off x="5509260" y="2672580"/>
+            <a:ext cx="5836920" cy="2590615"/>
+          </a:xfrm>
+          <a:prstGeom prst="rect">
+            <a:avLst/>
+          </a:prstGeom>
+        </p:spPr>
+      </p:pic>
     </p:spTree>
     <p:extLst>
       <p:ext uri="{BB962C8B-B14F-4D97-AF65-F5344CB8AC3E}">
-        <p14:creationId xmlns:p14="http://schemas.microsoft.com/office/powerpoint/2010/main" val="3281394830"/>
+        <p14:creationId xmlns:p14="http://schemas.microsoft.com/office/powerpoint/2010/main" val="581351450"/>
       </p:ext>
     </p:extLst>
   </p:cSld>
@@ -6902,7 +8073,13 @@
       </p:sp>
       <p:pic>
         <p:nvPicPr>
-          <p:cNvPr id="793" name="Image" descr="Image"/>
+          <p:cNvPr id="2" name="Picture 1">
+            <a:extLst>
+              <a:ext uri="{FF2B5EF4-FFF2-40B4-BE49-F238E27FC236}">
+                <a16:creationId xmlns:a16="http://schemas.microsoft.com/office/drawing/2014/main" id="{AAC44DDF-BE9A-E6BF-85F5-8981F4F33D49}"/>
+              </a:ext>
+            </a:extLst>
+          </p:cNvPr>
           <p:cNvPicPr>
             <a:picLocks noChangeAspect="1"/>
           </p:cNvPicPr>
@@ -6916,20 +8093,23 @@
         </p:blipFill>
         <p:spPr>
           <a:xfrm>
-            <a:off x="909895" y="1742942"/>
-            <a:ext cx="10372210" cy="833003"/>
-          </a:xfrm>
-          <a:prstGeom prst="rect">
-            <a:avLst/>
-          </a:prstGeom>
-          <a:ln w="12700">
-            <a:miter lim="400000"/>
-          </a:ln>
+            <a:off x="2209800" y="1385931"/>
+            <a:ext cx="7772400" cy="1199170"/>
+          </a:xfrm>
+          <a:prstGeom prst="rect">
+            <a:avLst/>
+          </a:prstGeom>
         </p:spPr>
       </p:pic>
       <p:pic>
         <p:nvPicPr>
-          <p:cNvPr id="794" name="Image" descr="Image"/>
+          <p:cNvPr id="4" name="Picture 3">
+            <a:extLst>
+              <a:ext uri="{FF2B5EF4-FFF2-40B4-BE49-F238E27FC236}">
+                <a16:creationId xmlns:a16="http://schemas.microsoft.com/office/drawing/2014/main" id="{AF89C349-6E6C-3E6F-0A4F-66175268D342}"/>
+              </a:ext>
+            </a:extLst>
+          </p:cNvPr>
           <p:cNvPicPr>
             <a:picLocks noChangeAspect="1"/>
           </p:cNvPicPr>
@@ -6943,20 +8123,23 @@
         </p:blipFill>
         <p:spPr>
           <a:xfrm>
-            <a:off x="909895" y="2698638"/>
-            <a:ext cx="7917325" cy="1098661"/>
-          </a:xfrm>
-          <a:prstGeom prst="rect">
-            <a:avLst/>
-          </a:prstGeom>
-          <a:ln w="12700">
-            <a:miter lim="400000"/>
-          </a:ln>
+            <a:off x="2209800" y="3712139"/>
+            <a:ext cx="5471160" cy="606929"/>
+          </a:xfrm>
+          <a:prstGeom prst="rect">
+            <a:avLst/>
+          </a:prstGeom>
         </p:spPr>
       </p:pic>
       <p:pic>
         <p:nvPicPr>
-          <p:cNvPr id="795" name="Image" descr="Image"/>
+          <p:cNvPr id="5" name="Picture 4">
+            <a:extLst>
+              <a:ext uri="{FF2B5EF4-FFF2-40B4-BE49-F238E27FC236}">
+                <a16:creationId xmlns:a16="http://schemas.microsoft.com/office/drawing/2014/main" id="{8AFE4507-06FA-C30B-5BB4-3D35C24A85A6}"/>
+              </a:ext>
+            </a:extLst>
+          </p:cNvPr>
           <p:cNvPicPr>
             <a:picLocks noChangeAspect="1"/>
           </p:cNvPicPr>
@@ -6970,17 +8153,79 @@
         </p:blipFill>
         <p:spPr>
           <a:xfrm>
-            <a:off x="909895" y="4054046"/>
-            <a:ext cx="9669935" cy="456019"/>
-          </a:xfrm>
-          <a:prstGeom prst="rect">
-            <a:avLst/>
-          </a:prstGeom>
-          <a:ln w="12700">
-            <a:miter lim="400000"/>
-          </a:ln>
+            <a:off x="2209800" y="2808316"/>
+            <a:ext cx="7772400" cy="494607"/>
+          </a:xfrm>
+          <a:prstGeom prst="rect">
+            <a:avLst/>
+          </a:prstGeom>
         </p:spPr>
       </p:pic>
+      <p:pic>
+        <p:nvPicPr>
+          <p:cNvPr id="6" name="Picture 5">
+            <a:extLst>
+              <a:ext uri="{FF2B5EF4-FFF2-40B4-BE49-F238E27FC236}">
+                <a16:creationId xmlns:a16="http://schemas.microsoft.com/office/drawing/2014/main" id="{ADEAB36D-5041-B1E4-1D8D-2E3F70786A95}"/>
+              </a:ext>
+            </a:extLst>
+          </p:cNvPr>
+          <p:cNvPicPr>
+            <a:picLocks noChangeAspect="1"/>
+          </p:cNvPicPr>
+          <p:nvPr/>
+        </p:nvPicPr>
+        <p:blipFill>
+          <a:blip r:embed="rId5"/>
+          <a:stretch>
+            <a:fillRect/>
+          </a:stretch>
+        </p:blipFill>
+        <p:spPr>
+          <a:xfrm>
+            <a:off x="2148840" y="4728284"/>
+            <a:ext cx="7772400" cy="389414"/>
+          </a:xfrm>
+          <a:prstGeom prst="rect">
+            <a:avLst/>
+          </a:prstGeom>
+        </p:spPr>
+      </p:pic>
+      <p:sp>
+        <p:nvSpPr>
+          <p:cNvPr id="7" name="TextBox 6">
+            <a:extLst>
+              <a:ext uri="{FF2B5EF4-FFF2-40B4-BE49-F238E27FC236}">
+                <a16:creationId xmlns:a16="http://schemas.microsoft.com/office/drawing/2014/main" id="{3FF75A31-5C6C-8665-025A-DDA74943C666}"/>
+              </a:ext>
+            </a:extLst>
+          </p:cNvPr>
+          <p:cNvSpPr txBox="1"/>
+          <p:nvPr/>
+        </p:nvSpPr>
+        <p:spPr>
+          <a:xfrm>
+            <a:off x="3489960" y="5554980"/>
+            <a:ext cx="4191000" cy="646331"/>
+          </a:xfrm>
+          <a:prstGeom prst="rect">
+            <a:avLst/>
+          </a:prstGeom>
+          <a:noFill/>
+        </p:spPr>
+        <p:txBody>
+          <a:bodyPr wrap="square" rtlCol="0">
+            <a:spAutoFit/>
+          </a:bodyPr>
+          <a:lstStyle/>
+          <a:p>
+            <a:r>
+              <a:rPr lang="en-US" dirty="0"/>
+              <a:t>All our results are relative to Brg1 – is that what we want</a:t>
+            </a:r>
+          </a:p>
+        </p:txBody>
+      </p:sp>
     </p:spTree>
   </p:cSld>
   <p:clrMapOvr>
@@ -7054,60 +8299,6 @@
           </a:p>
         </p:txBody>
       </p:sp>
-      <p:pic>
-        <p:nvPicPr>
-          <p:cNvPr id="798" name="Image" descr="Image"/>
-          <p:cNvPicPr>
-            <a:picLocks noChangeAspect="1"/>
-          </p:cNvPicPr>
-          <p:nvPr/>
-        </p:nvPicPr>
-        <p:blipFill>
-          <a:blip r:embed="rId2"/>
-          <a:stretch>
-            <a:fillRect/>
-          </a:stretch>
-        </p:blipFill>
-        <p:spPr>
-          <a:xfrm>
-            <a:off x="899381" y="1183664"/>
-            <a:ext cx="11036043" cy="824533"/>
-          </a:xfrm>
-          <a:prstGeom prst="rect">
-            <a:avLst/>
-          </a:prstGeom>
-          <a:ln w="12700">
-            <a:miter lim="400000"/>
-          </a:ln>
-        </p:spPr>
-      </p:pic>
-      <p:pic>
-        <p:nvPicPr>
-          <p:cNvPr id="799" name="Image" descr="Image"/>
-          <p:cNvPicPr>
-            <a:picLocks noChangeAspect="1"/>
-          </p:cNvPicPr>
-          <p:nvPr/>
-        </p:nvPicPr>
-        <p:blipFill>
-          <a:blip r:embed="rId3"/>
-          <a:stretch>
-            <a:fillRect/>
-          </a:stretch>
-        </p:blipFill>
-        <p:spPr>
-          <a:xfrm>
-            <a:off x="899381" y="2219478"/>
-            <a:ext cx="9114154" cy="840416"/>
-          </a:xfrm>
-          <a:prstGeom prst="rect">
-            <a:avLst/>
-          </a:prstGeom>
-          <a:ln w="12700">
-            <a:miter lim="400000"/>
-          </a:ln>
-        </p:spPr>
-      </p:pic>
       <p:sp>
         <p:nvSpPr>
           <p:cNvPr id="800" name="Since we are using the Wald test the logfoldchanges here are interpretable as the logfoldchanges between groups."/>
@@ -7116,7 +8307,7 @@
         </p:nvSpPr>
         <p:spPr>
           <a:xfrm>
-            <a:off x="899381" y="3192813"/>
+            <a:off x="853661" y="5623593"/>
             <a:ext cx="7083068" cy="605294"/>
           </a:xfrm>
           <a:prstGeom prst="rect">
@@ -7164,6 +8355,81 @@
           </a:p>
         </p:txBody>
       </p:sp>
+      <p:sp>
+        <p:nvSpPr>
+          <p:cNvPr id="2" name="TextBox 1">
+            <a:extLst>
+              <a:ext uri="{FF2B5EF4-FFF2-40B4-BE49-F238E27FC236}">
+                <a16:creationId xmlns:a16="http://schemas.microsoft.com/office/drawing/2014/main" id="{7BA21B0D-2A5F-86F4-2B4B-A8FB3F7F7690}"/>
+              </a:ext>
+            </a:extLst>
+          </p:cNvPr>
+          <p:cNvSpPr txBox="1"/>
+          <p:nvPr/>
+        </p:nvSpPr>
+        <p:spPr>
+          <a:xfrm>
+            <a:off x="3101340" y="1386840"/>
+            <a:ext cx="6574044" cy="646331"/>
+          </a:xfrm>
+          <a:prstGeom prst="rect">
+            <a:avLst/>
+          </a:prstGeom>
+          <a:noFill/>
+        </p:spPr>
+        <p:txBody>
+          <a:bodyPr wrap="none" rtlCol="0">
+            <a:spAutoFit/>
+          </a:bodyPr>
+          <a:lstStyle/>
+          <a:p>
+            <a:r>
+              <a:rPr lang="en-US" dirty="0"/>
+              <a:t>results() can be used to extract any comparison</a:t>
+            </a:r>
+          </a:p>
+          <a:p>
+            <a:r>
+              <a:rPr lang="en-US" dirty="0" err="1"/>
+              <a:t>lfcShrink</a:t>
+            </a:r>
+            <a:r>
+              <a:rPr lang="en-US" dirty="0"/>
+              <a:t>() must have levels set correctly  before running the test.</a:t>
+            </a:r>
+          </a:p>
+        </p:txBody>
+      </p:sp>
+      <p:pic>
+        <p:nvPicPr>
+          <p:cNvPr id="3" name="Picture 2">
+            <a:extLst>
+              <a:ext uri="{FF2B5EF4-FFF2-40B4-BE49-F238E27FC236}">
+                <a16:creationId xmlns:a16="http://schemas.microsoft.com/office/drawing/2014/main" id="{D31EAAF1-4B50-7C4A-DBB5-458F3DF32221}"/>
+              </a:ext>
+            </a:extLst>
+          </p:cNvPr>
+          <p:cNvPicPr>
+            <a:picLocks noChangeAspect="1"/>
+          </p:cNvPicPr>
+          <p:nvPr/>
+        </p:nvPicPr>
+        <p:blipFill>
+          <a:blip r:embed="rId2"/>
+          <a:stretch>
+            <a:fillRect/>
+          </a:stretch>
+        </p:blipFill>
+        <p:spPr>
+          <a:xfrm>
+            <a:off x="614430" y="2450738"/>
+            <a:ext cx="10963140" cy="918429"/>
+          </a:xfrm>
+          <a:prstGeom prst="rect">
+            <a:avLst/>
+          </a:prstGeom>
+        </p:spPr>
+      </p:pic>
     </p:spTree>
   </p:cSld>
   <p:clrMapOvr>
@@ -7189,9 +8455,172 @@
           <a:chExt cx="0" cy="0"/>
         </a:xfrm>
       </p:grpSpPr>
+      <p:sp>
+        <p:nvSpPr>
+          <p:cNvPr id="797" name="What if you have more than 2 groups?…"/>
+          <p:cNvSpPr txBox="1"/>
+          <p:nvPr/>
+        </p:nvSpPr>
+        <p:spPr>
+          <a:xfrm>
+            <a:off x="3380118" y="246560"/>
+            <a:ext cx="4924681" cy="789960"/>
+          </a:xfrm>
+          <a:prstGeom prst="rect">
+            <a:avLst/>
+          </a:prstGeom>
+          <a:ln w="12700">
+            <a:miter lim="400000"/>
+          </a:ln>
+          <a:extLst>
+            <a:ext uri="{C572A759-6A51-4108-AA02-DFA0A04FC94B}">
+              <ma14:wrappingTextBoxFlag xmlns="" xmlns:m="http://schemas.openxmlformats.org/officeDocument/2006/math" xmlns:a14="http://schemas.microsoft.com/office/drawing/2010/main" xmlns:ma14="http://schemas.microsoft.com/office/mac/drawingml/2011/main" val="1"/>
+            </a:ext>
+          </a:extLst>
+        </p:spPr>
+        <p:txBody>
+          <a:bodyPr wrap="none" lIns="25400" tIns="25400" rIns="25400" bIns="25400" anchor="ctr">
+            <a:spAutoFit/>
+          </a:bodyPr>
+          <a:lstStyle/>
+          <a:p>
+            <a:pPr>
+              <a:defRPr sz="4800" b="1"/>
+            </a:pPr>
+            <a:r>
+              <a:rPr sz="2400"/>
+              <a:t>What if you have more than 2 groups?</a:t>
+            </a:r>
+          </a:p>
+          <a:p>
+            <a:pPr>
+              <a:defRPr sz="4800" b="1"/>
+            </a:pPr>
+            <a:r>
+              <a:rPr sz="2400"/>
+              <a:t>Use contrasts to compare them</a:t>
+            </a:r>
+          </a:p>
+        </p:txBody>
+      </p:sp>
+      <p:sp>
+        <p:nvSpPr>
+          <p:cNvPr id="800" name="Since we are using the Wald test the logfoldchanges here are interpretable as the logfoldchanges between groups."/>
+          <p:cNvSpPr txBox="1"/>
+          <p:nvPr/>
+        </p:nvSpPr>
+        <p:spPr>
+          <a:xfrm>
+            <a:off x="853661" y="5485094"/>
+            <a:ext cx="7083068" cy="882293"/>
+          </a:xfrm>
+          <a:prstGeom prst="rect">
+            <a:avLst/>
+          </a:prstGeom>
+          <a:ln w="12700">
+            <a:miter lim="400000"/>
+          </a:ln>
+          <a:extLst>
+            <a:ext uri="{C572A759-6A51-4108-AA02-DFA0A04FC94B}">
+              <ma14:wrappingTextBoxFlag xmlns="" xmlns:m="http://schemas.openxmlformats.org/officeDocument/2006/math" xmlns:a14="http://schemas.microsoft.com/office/drawing/2010/main" xmlns:ma14="http://schemas.microsoft.com/office/mac/drawingml/2011/main" val="1"/>
+            </a:ext>
+          </a:extLst>
+        </p:spPr>
+        <p:txBody>
+          <a:bodyPr lIns="25400" tIns="25400" rIns="25400" bIns="25400" anchor="ctr">
+            <a:spAutoFit/>
+          </a:bodyPr>
+          <a:lstStyle>
+            <a:lvl1pPr>
+              <a:defRPr sz="3600"/>
+            </a:lvl1pPr>
+          </a:lstStyle>
+          <a:p>
+            <a:r>
+              <a:rPr sz="1800" dirty="0"/>
+              <a:t>Since we are using the Wald test the </a:t>
+            </a:r>
+            <a:r>
+              <a:rPr sz="1800" dirty="0" err="1"/>
+              <a:t>logfoldchanges</a:t>
+            </a:r>
+            <a:r>
+              <a:rPr sz="1800" dirty="0"/>
+              <a:t> here are interpretable as the </a:t>
+            </a:r>
+            <a:r>
+              <a:rPr sz="1800" dirty="0" err="1"/>
+              <a:t>logfoldchanges</a:t>
+            </a:r>
+            <a:r>
+              <a:rPr sz="1800" dirty="0"/>
+              <a:t> between groups</a:t>
+            </a:r>
+            <a:r>
+              <a:rPr lang="en-US" sz="1800" dirty="0"/>
+              <a:t> and p-values are for that comparison</a:t>
+            </a:r>
+            <a:r>
+              <a:rPr sz="1800" dirty="0"/>
+              <a:t>. </a:t>
+            </a:r>
+          </a:p>
+        </p:txBody>
+      </p:sp>
+      <p:sp>
+        <p:nvSpPr>
+          <p:cNvPr id="2" name="TextBox 1">
+            <a:extLst>
+              <a:ext uri="{FF2B5EF4-FFF2-40B4-BE49-F238E27FC236}">
+                <a16:creationId xmlns:a16="http://schemas.microsoft.com/office/drawing/2014/main" id="{7BA21B0D-2A5F-86F4-2B4B-A8FB3F7F7690}"/>
+              </a:ext>
+            </a:extLst>
+          </p:cNvPr>
+          <p:cNvSpPr txBox="1"/>
+          <p:nvPr/>
+        </p:nvSpPr>
+        <p:spPr>
+          <a:xfrm>
+            <a:off x="3101340" y="1386840"/>
+            <a:ext cx="6574044" cy="646331"/>
+          </a:xfrm>
+          <a:prstGeom prst="rect">
+            <a:avLst/>
+          </a:prstGeom>
+          <a:noFill/>
+        </p:spPr>
+        <p:txBody>
+          <a:bodyPr wrap="none" rtlCol="0">
+            <a:spAutoFit/>
+          </a:bodyPr>
+          <a:lstStyle/>
+          <a:p>
+            <a:r>
+              <a:rPr lang="en-US" dirty="0"/>
+              <a:t>results() can be used to extract any comparison</a:t>
+            </a:r>
+          </a:p>
+          <a:p>
+            <a:r>
+              <a:rPr lang="en-US" dirty="0" err="1"/>
+              <a:t>lfcShrink</a:t>
+            </a:r>
+            <a:r>
+              <a:rPr lang="en-US" dirty="0"/>
+              <a:t>() must have levels set correctly  before running the test.</a:t>
+            </a:r>
+          </a:p>
+        </p:txBody>
+      </p:sp>
       <p:pic>
         <p:nvPicPr>
-          <p:cNvPr id="802" name="Image" descr="Image"/>
+          <p:cNvPr id="4" name="Picture 3">
+            <a:extLst>
+              <a:ext uri="{FF2B5EF4-FFF2-40B4-BE49-F238E27FC236}">
+                <a16:creationId xmlns:a16="http://schemas.microsoft.com/office/drawing/2014/main" id="{5B06D1F9-7B10-9BAB-B098-AFC1A8276D4F}"/>
+              </a:ext>
+            </a:extLst>
+          </p:cNvPr>
           <p:cNvPicPr>
             <a:picLocks noChangeAspect="1"/>
           </p:cNvPicPr>
@@ -7205,60 +8634,23 @@
         </p:blipFill>
         <p:spPr>
           <a:xfrm>
-            <a:off x="3635398" y="1786531"/>
-            <a:ext cx="4368902" cy="271441"/>
-          </a:xfrm>
-          <a:prstGeom prst="rect">
-            <a:avLst/>
-          </a:prstGeom>
-          <a:ln w="12700">
-            <a:miter lim="400000"/>
-          </a:ln>
+            <a:off x="2209800" y="2187840"/>
+            <a:ext cx="7772400" cy="836400"/>
+          </a:xfrm>
+          <a:prstGeom prst="rect">
+            <a:avLst/>
+          </a:prstGeom>
         </p:spPr>
       </p:pic>
-      <p:sp>
-        <p:nvSpPr>
-          <p:cNvPr id="803" name="Comparison of 1 condition vs a group of conditions"/>
-          <p:cNvSpPr txBox="1"/>
-          <p:nvPr/>
-        </p:nvSpPr>
-        <p:spPr>
-          <a:xfrm>
-            <a:off x="2156379" y="537953"/>
-            <a:ext cx="6529416" cy="420628"/>
-          </a:xfrm>
-          <a:prstGeom prst="rect">
-            <a:avLst/>
-          </a:prstGeom>
-          <a:ln w="12700">
-            <a:miter lim="400000"/>
-          </a:ln>
-          <a:extLst>
-            <a:ext uri="{C572A759-6A51-4108-AA02-DFA0A04FC94B}">
-              <ma14:wrappingTextBoxFlag xmlns:ma14="http://schemas.microsoft.com/office/mac/drawingml/2011/main" xmlns:a14="http://schemas.microsoft.com/office/drawing/2010/main" xmlns:m="http://schemas.openxmlformats.org/officeDocument/2006/math" xmlns="" val="1"/>
-            </a:ext>
-          </a:extLst>
-        </p:spPr>
-        <p:txBody>
-          <a:bodyPr wrap="none" lIns="25400" tIns="25400" rIns="25400" bIns="25400" anchor="ctr">
-            <a:spAutoFit/>
-          </a:bodyPr>
-          <a:lstStyle>
-            <a:lvl1pPr>
-              <a:defRPr sz="4800" b="1"/>
-            </a:lvl1pPr>
-          </a:lstStyle>
-          <a:p>
-            <a:r>
-              <a:rPr sz="2400"/>
-              <a:t>Comparison of 1 condition vs a group of conditions</a:t>
-            </a:r>
-          </a:p>
-        </p:txBody>
-      </p:sp>
       <p:pic>
         <p:nvPicPr>
-          <p:cNvPr id="804" name="Image" descr="Image"/>
+          <p:cNvPr id="5" name="Picture 4">
+            <a:extLst>
+              <a:ext uri="{FF2B5EF4-FFF2-40B4-BE49-F238E27FC236}">
+                <a16:creationId xmlns:a16="http://schemas.microsoft.com/office/drawing/2014/main" id="{D60A9E39-E513-266E-2507-38D5FA1ED534}"/>
+              </a:ext>
+            </a:extLst>
+          </p:cNvPr>
           <p:cNvPicPr>
             <a:picLocks noChangeAspect="1"/>
           </p:cNvPicPr>
@@ -7272,20 +8664,23 @@
         </p:blipFill>
         <p:spPr>
           <a:xfrm>
-            <a:off x="688767" y="2455893"/>
-            <a:ext cx="10927229" cy="546362"/>
-          </a:xfrm>
-          <a:prstGeom prst="rect">
-            <a:avLst/>
-          </a:prstGeom>
-          <a:ln w="12700">
-            <a:miter lim="400000"/>
-          </a:ln>
+            <a:off x="2209800" y="3178909"/>
+            <a:ext cx="2331720" cy="458539"/>
+          </a:xfrm>
+          <a:prstGeom prst="rect">
+            <a:avLst/>
+          </a:prstGeom>
         </p:spPr>
       </p:pic>
       <p:pic>
         <p:nvPicPr>
-          <p:cNvPr id="805" name="Image" descr="Image"/>
+          <p:cNvPr id="6" name="Picture 5">
+            <a:extLst>
+              <a:ext uri="{FF2B5EF4-FFF2-40B4-BE49-F238E27FC236}">
+                <a16:creationId xmlns:a16="http://schemas.microsoft.com/office/drawing/2014/main" id="{2665B5EB-78C7-FFC7-F8FE-F05C3E53A70D}"/>
+              </a:ext>
+            </a:extLst>
+          </p:cNvPr>
           <p:cNvPicPr>
             <a:picLocks noChangeAspect="1"/>
           </p:cNvPicPr>
@@ -7299,18 +8694,50 @@
         </p:blipFill>
         <p:spPr>
           <a:xfrm>
-            <a:off x="663833" y="3049809"/>
-            <a:ext cx="10977097" cy="510563"/>
-          </a:xfrm>
-          <a:prstGeom prst="rect">
-            <a:avLst/>
-          </a:prstGeom>
-          <a:ln w="12700">
-            <a:miter lim="400000"/>
-          </a:ln>
+            <a:off x="2209800" y="3833761"/>
+            <a:ext cx="7772400" cy="456224"/>
+          </a:xfrm>
+          <a:prstGeom prst="rect">
+            <a:avLst/>
+          </a:prstGeom>
+        </p:spPr>
+      </p:pic>
+      <p:pic>
+        <p:nvPicPr>
+          <p:cNvPr id="7" name="Picture 6">
+            <a:extLst>
+              <a:ext uri="{FF2B5EF4-FFF2-40B4-BE49-F238E27FC236}">
+                <a16:creationId xmlns:a16="http://schemas.microsoft.com/office/drawing/2014/main" id="{A91DF532-6AE3-AAFB-CE14-EAC3189BF1B4}"/>
+              </a:ext>
+            </a:extLst>
+          </p:cNvPr>
+          <p:cNvPicPr>
+            <a:picLocks noChangeAspect="1"/>
+          </p:cNvPicPr>
+          <p:nvPr/>
+        </p:nvPicPr>
+        <p:blipFill>
+          <a:blip r:embed="rId5"/>
+          <a:stretch>
+            <a:fillRect/>
+          </a:stretch>
+        </p:blipFill>
+        <p:spPr>
+          <a:xfrm>
+            <a:off x="2209800" y="4632524"/>
+            <a:ext cx="5356860" cy="609657"/>
+          </a:xfrm>
+          <a:prstGeom prst="rect">
+            <a:avLst/>
+          </a:prstGeom>
         </p:spPr>
       </p:pic>
     </p:spTree>
+    <p:extLst>
+      <p:ext uri="{BB962C8B-B14F-4D97-AF65-F5344CB8AC3E}">
+        <p14:creationId xmlns:p14="http://schemas.microsoft.com/office/powerpoint/2010/main" val="1792603536"/>
+      </p:ext>
+    </p:extLst>
   </p:cSld>
   <p:clrMapOvr>
     <a:masterClrMapping/>
@@ -7335,43 +8762,16 @@
           <a:chExt cx="0" cy="0"/>
         </a:xfrm>
       </p:grpSpPr>
-      <p:pic>
-        <p:nvPicPr>
-          <p:cNvPr id="807" name="Image" descr="Image"/>
-          <p:cNvPicPr>
-            <a:picLocks noChangeAspect="1"/>
-          </p:cNvPicPr>
-          <p:nvPr/>
-        </p:nvPicPr>
-        <p:blipFill>
-          <a:blip r:embed="rId2"/>
-          <a:stretch>
-            <a:fillRect/>
-          </a:stretch>
-        </p:blipFill>
-        <p:spPr>
-          <a:xfrm>
-            <a:off x="3635398" y="1786531"/>
-            <a:ext cx="4368902" cy="271441"/>
-          </a:xfrm>
-          <a:prstGeom prst="rect">
-            <a:avLst/>
-          </a:prstGeom>
-          <a:ln w="12700">
-            <a:miter lim="400000"/>
-          </a:ln>
-        </p:spPr>
-      </p:pic>
-      <p:sp>
-        <p:nvSpPr>
-          <p:cNvPr id="808" name="Comparison of 1 condition vs a group of conditions"/>
+      <p:sp>
+        <p:nvSpPr>
+          <p:cNvPr id="813" name="Another way of comparing multiple groups: Likelihood Ratio Test (LRT)"/>
           <p:cNvSpPr txBox="1"/>
           <p:nvPr/>
         </p:nvSpPr>
         <p:spPr>
           <a:xfrm>
-            <a:off x="2156379" y="537953"/>
-            <a:ext cx="6529416" cy="420628"/>
+            <a:off x="1587105" y="312206"/>
+            <a:ext cx="7599773" cy="420628"/>
           </a:xfrm>
           <a:prstGeom prst="rect">
             <a:avLst/>
@@ -7396,76 +8796,22 @@
           </a:lstStyle>
           <a:p>
             <a:r>
-              <a:rPr sz="2400"/>
-              <a:t>Comparison of 1 condition vs a group of conditions</a:t>
-            </a:r>
-          </a:p>
-        </p:txBody>
-      </p:sp>
-      <p:pic>
-        <p:nvPicPr>
-          <p:cNvPr id="809" name="Image" descr="Image"/>
-          <p:cNvPicPr>
-            <a:picLocks noChangeAspect="1"/>
-          </p:cNvPicPr>
-          <p:nvPr/>
-        </p:nvPicPr>
-        <p:blipFill>
-          <a:blip r:embed="rId3"/>
-          <a:stretch>
-            <a:fillRect/>
-          </a:stretch>
-        </p:blipFill>
-        <p:spPr>
-          <a:xfrm>
-            <a:off x="1241123" y="2366640"/>
-            <a:ext cx="9601691" cy="480085"/>
-          </a:xfrm>
-          <a:prstGeom prst="rect">
-            <a:avLst/>
-          </a:prstGeom>
-          <a:ln w="12700">
-            <a:miter lim="400000"/>
-          </a:ln>
-        </p:spPr>
-      </p:pic>
-      <p:pic>
-        <p:nvPicPr>
-          <p:cNvPr id="810" name="Image" descr="Image"/>
-          <p:cNvPicPr>
-            <a:picLocks noChangeAspect="1"/>
-          </p:cNvPicPr>
-          <p:nvPr/>
-        </p:nvPicPr>
-        <p:blipFill>
-          <a:blip r:embed="rId4"/>
-          <a:stretch>
-            <a:fillRect/>
-          </a:stretch>
-        </p:blipFill>
-        <p:spPr>
-          <a:xfrm>
-            <a:off x="472648" y="3049809"/>
-            <a:ext cx="11470110" cy="522319"/>
-          </a:xfrm>
-          <a:prstGeom prst="rect">
-            <a:avLst/>
-          </a:prstGeom>
-          <a:ln w="12700">
-            <a:miter lim="400000"/>
-          </a:ln>
-        </p:spPr>
-      </p:pic>
-      <p:sp>
-        <p:nvSpPr>
-          <p:cNvPr id="811" name="This could be useful if you don’t have a true reference population…"/>
+              <a:rPr sz="2400" dirty="0"/>
+              <a:t>comparing multiple groups: Likelihood Ratio Test (LRT)</a:t>
+            </a:r>
+          </a:p>
+        </p:txBody>
+      </p:sp>
+      <p:sp>
+        <p:nvSpPr>
+          <p:cNvPr id="814" name="Is there a difference between the full and reduced model"/>
           <p:cNvSpPr txBox="1"/>
           <p:nvPr/>
         </p:nvSpPr>
         <p:spPr>
           <a:xfrm>
-            <a:off x="1394590" y="4254784"/>
-            <a:ext cx="9626225" cy="913070"/>
+            <a:off x="3050870" y="777990"/>
+            <a:ext cx="5487977" cy="328295"/>
           </a:xfrm>
           <a:prstGeom prst="rect">
             <a:avLst/>
@@ -7483,14 +8829,54 @@
           <a:bodyPr wrap="none" lIns="25400" tIns="25400" rIns="25400" bIns="25400" anchor="ctr">
             <a:spAutoFit/>
           </a:bodyPr>
+          <a:lstStyle>
+            <a:lvl1pPr>
+              <a:defRPr sz="3600" b="1"/>
+            </a:lvl1pPr>
+          </a:lstStyle>
+          <a:p>
+            <a:r>
+              <a:rPr sz="1800" dirty="0"/>
+              <a:t>Is there a difference between the full and reduced model</a:t>
+            </a:r>
+          </a:p>
+        </p:txBody>
+      </p:sp>
+      <p:sp>
+        <p:nvSpPr>
+          <p:cNvPr id="815" name="Full:  ~ condition…"/>
+          <p:cNvSpPr txBox="1"/>
+          <p:nvPr/>
+        </p:nvSpPr>
+        <p:spPr>
+          <a:xfrm>
+            <a:off x="4519767" y="1315273"/>
+            <a:ext cx="3152466" cy="1159292"/>
+          </a:xfrm>
+          <a:prstGeom prst="rect">
+            <a:avLst/>
+          </a:prstGeom>
+          <a:ln w="12700">
+            <a:miter lim="400000"/>
+          </a:ln>
+          <a:extLst>
+            <a:ext uri="{C572A759-6A51-4108-AA02-DFA0A04FC94B}">
+              <ma14:wrappingTextBoxFlag xmlns:ma14="http://schemas.microsoft.com/office/mac/drawingml/2011/main" xmlns:a14="http://schemas.microsoft.com/office/drawing/2010/main" xmlns:m="http://schemas.openxmlformats.org/officeDocument/2006/math" xmlns="" val="1"/>
+            </a:ext>
+          </a:extLst>
+        </p:spPr>
+        <p:txBody>
+          <a:bodyPr wrap="none" lIns="25400" tIns="25400" rIns="25400" bIns="25400" anchor="ctr">
+            <a:spAutoFit/>
+          </a:bodyPr>
           <a:lstStyle/>
           <a:p>
             <a:pPr>
               <a:defRPr sz="3600"/>
             </a:pPr>
             <a:r>
-              <a:rPr sz="2800" dirty="0"/>
-              <a:t>This could be useful if you don’t have a true reference population </a:t>
+              <a:rPr dirty="0"/>
+              <a:t>Full:  ~ condition</a:t>
             </a:r>
           </a:p>
           <a:p>
@@ -7498,8 +8884,79 @@
               <a:defRPr sz="3600"/>
             </a:pPr>
             <a:r>
-              <a:rPr sz="2800" dirty="0"/>
-              <a:t>e.g. comparing a group of different cell types for example</a:t>
+              <a:rPr dirty="0"/>
+              <a:t>Reduced:  ~ 1 </a:t>
+            </a:r>
+          </a:p>
+        </p:txBody>
+      </p:sp>
+      <p:sp>
+        <p:nvSpPr>
+          <p:cNvPr id="816" name="A significant p-value is telling you that the full model has more information than the reduced.…"/>
+          <p:cNvSpPr txBox="1"/>
+          <p:nvPr/>
+        </p:nvSpPr>
+        <p:spPr>
+          <a:xfrm>
+            <a:off x="2912152" y="3280570"/>
+            <a:ext cx="7692743" cy="2205732"/>
+          </a:xfrm>
+          <a:prstGeom prst="rect">
+            <a:avLst/>
+          </a:prstGeom>
+          <a:ln w="12700">
+            <a:miter lim="400000"/>
+          </a:ln>
+          <a:extLst>
+            <a:ext uri="{C572A759-6A51-4108-AA02-DFA0A04FC94B}">
+              <ma14:wrappingTextBoxFlag xmlns:ma14="http://schemas.microsoft.com/office/mac/drawingml/2011/main" xmlns:a14="http://schemas.microsoft.com/office/drawing/2010/main" xmlns:m="http://schemas.openxmlformats.org/officeDocument/2006/math" xmlns="" val="1"/>
+            </a:ext>
+          </a:extLst>
+        </p:spPr>
+        <p:txBody>
+          <a:bodyPr lIns="25400" tIns="25400" rIns="25400" bIns="25400" anchor="ctr">
+            <a:spAutoFit/>
+          </a:bodyPr>
+          <a:lstStyle/>
+          <a:p>
+            <a:pPr algn="l">
+              <a:defRPr sz="3600"/>
+            </a:pPr>
+            <a:r>
+              <a:rPr sz="2000" dirty="0"/>
+              <a:t>A significant p-value is telling you that the full model has more information than the reduced.</a:t>
+            </a:r>
+          </a:p>
+          <a:p>
+            <a:pPr algn="l">
+              <a:defRPr sz="3600"/>
+            </a:pPr>
+            <a:r>
+              <a:rPr sz="2000" dirty="0"/>
+              <a:t> It is not telling you what that difference is</a:t>
+            </a:r>
+          </a:p>
+          <a:p>
+            <a:pPr algn="l">
+              <a:defRPr sz="3600"/>
+            </a:pPr>
+            <a:endParaRPr sz="2000" dirty="0"/>
+          </a:p>
+          <a:p>
+            <a:pPr algn="l">
+              <a:defRPr sz="3600"/>
+            </a:pPr>
+            <a:r>
+              <a:rPr sz="2000" dirty="0"/>
+              <a:t>You can extract the </a:t>
+            </a:r>
+            <a:r>
+              <a:rPr sz="2000" dirty="0" err="1"/>
+              <a:t>logFoldChanges</a:t>
+            </a:r>
+            <a:r>
+              <a:rPr sz="2000" dirty="0"/>
+              <a:t> using the same approach as before for specific comparisons, but the p-values always will come from the above comparison</a:t>
             </a:r>
           </a:p>
         </p:txBody>
@@ -7531,14 +8988,14 @@
       </p:grpSpPr>
       <p:sp>
         <p:nvSpPr>
-          <p:cNvPr id="813" name="Another way of comparing multiple groups: Likelihood Ratio Test (LRT)"/>
+          <p:cNvPr id="808" name="Comparison of 1 condition vs a group of conditions"/>
           <p:cNvSpPr txBox="1"/>
           <p:nvPr/>
         </p:nvSpPr>
         <p:spPr>
           <a:xfrm>
-            <a:off x="1587105" y="312206"/>
-            <a:ext cx="9017790" cy="420628"/>
+            <a:off x="3086019" y="598913"/>
+            <a:ext cx="5460213" cy="420628"/>
           </a:xfrm>
           <a:prstGeom prst="rect">
             <a:avLst/>
@@ -7563,171 +9020,73 @@
           </a:lstStyle>
           <a:p>
             <a:r>
-              <a:rPr sz="2400" dirty="0"/>
-              <a:t>Another way of comparing multiple groups: Likelihood Ratio Test (LRT)</a:t>
-            </a:r>
-          </a:p>
-        </p:txBody>
-      </p:sp>
-      <p:sp>
-        <p:nvSpPr>
-          <p:cNvPr id="814" name="Is there a difference between the full and reduced model"/>
-          <p:cNvSpPr txBox="1"/>
-          <p:nvPr/>
-        </p:nvSpPr>
-        <p:spPr>
-          <a:xfrm>
-            <a:off x="3050870" y="777990"/>
-            <a:ext cx="5487977" cy="328295"/>
-          </a:xfrm>
-          <a:prstGeom prst="rect">
-            <a:avLst/>
-          </a:prstGeom>
-          <a:ln w="12700">
-            <a:miter lim="400000"/>
-          </a:ln>
-          <a:extLst>
-            <a:ext uri="{C572A759-6A51-4108-AA02-DFA0A04FC94B}">
-              <ma14:wrappingTextBoxFlag xmlns:ma14="http://schemas.microsoft.com/office/mac/drawingml/2011/main" xmlns:a14="http://schemas.microsoft.com/office/drawing/2010/main" xmlns:m="http://schemas.openxmlformats.org/officeDocument/2006/math" xmlns="" val="1"/>
-            </a:ext>
-          </a:extLst>
-        </p:spPr>
-        <p:txBody>
-          <a:bodyPr wrap="none" lIns="25400" tIns="25400" rIns="25400" bIns="25400" anchor="ctr">
-            <a:spAutoFit/>
-          </a:bodyPr>
-          <a:lstStyle>
-            <a:lvl1pPr>
-              <a:defRPr sz="3600" b="1"/>
-            </a:lvl1pPr>
-          </a:lstStyle>
-          <a:p>
-            <a:r>
-              <a:rPr sz="1800" dirty="0"/>
-              <a:t>Is there a difference between the full and reduced model</a:t>
-            </a:r>
-          </a:p>
-        </p:txBody>
-      </p:sp>
-      <p:sp>
-        <p:nvSpPr>
-          <p:cNvPr id="815" name="Full:  ~ condition…"/>
-          <p:cNvSpPr txBox="1"/>
-          <p:nvPr/>
-        </p:nvSpPr>
-        <p:spPr>
-          <a:xfrm>
-            <a:off x="4519767" y="1315273"/>
-            <a:ext cx="3152466" cy="1159292"/>
-          </a:xfrm>
-          <a:prstGeom prst="rect">
-            <a:avLst/>
-          </a:prstGeom>
-          <a:ln w="12700">
-            <a:miter lim="400000"/>
-          </a:ln>
-          <a:extLst>
-            <a:ext uri="{C572A759-6A51-4108-AA02-DFA0A04FC94B}">
-              <ma14:wrappingTextBoxFlag xmlns:ma14="http://schemas.microsoft.com/office/mac/drawingml/2011/main" xmlns:a14="http://schemas.microsoft.com/office/drawing/2010/main" xmlns:m="http://schemas.openxmlformats.org/officeDocument/2006/math" xmlns="" val="1"/>
-            </a:ext>
-          </a:extLst>
-        </p:spPr>
-        <p:txBody>
-          <a:bodyPr wrap="none" lIns="25400" tIns="25400" rIns="25400" bIns="25400" anchor="ctr">
-            <a:spAutoFit/>
-          </a:bodyPr>
-          <a:lstStyle/>
-          <a:p>
-            <a:pPr>
-              <a:defRPr sz="3600"/>
-            </a:pPr>
-            <a:r>
-              <a:rPr dirty="0"/>
-              <a:t>Full:  ~ condition</a:t>
-            </a:r>
-          </a:p>
-          <a:p>
-            <a:pPr>
-              <a:defRPr sz="3600"/>
-            </a:pPr>
-            <a:r>
-              <a:rPr dirty="0"/>
-              <a:t>Reduced:  ~ 1 </a:t>
-            </a:r>
-          </a:p>
-        </p:txBody>
-      </p:sp>
-      <p:sp>
-        <p:nvSpPr>
-          <p:cNvPr id="816" name="A significant p-value is telling you that the full model has more information than the reduced.…"/>
-          <p:cNvSpPr txBox="1"/>
-          <p:nvPr/>
-        </p:nvSpPr>
-        <p:spPr>
-          <a:xfrm>
-            <a:off x="2912152" y="3280570"/>
-            <a:ext cx="7692743" cy="2205732"/>
-          </a:xfrm>
-          <a:prstGeom prst="rect">
-            <a:avLst/>
-          </a:prstGeom>
-          <a:ln w="12700">
-            <a:miter lim="400000"/>
-          </a:ln>
-          <a:extLst>
-            <a:ext uri="{C572A759-6A51-4108-AA02-DFA0A04FC94B}">
-              <ma14:wrappingTextBoxFlag xmlns:ma14="http://schemas.microsoft.com/office/mac/drawingml/2011/main" xmlns:a14="http://schemas.microsoft.com/office/drawing/2010/main" xmlns:m="http://schemas.openxmlformats.org/officeDocument/2006/math" xmlns="" val="1"/>
-            </a:ext>
-          </a:extLst>
-        </p:spPr>
-        <p:txBody>
-          <a:bodyPr lIns="25400" tIns="25400" rIns="25400" bIns="25400" anchor="ctr">
-            <a:spAutoFit/>
-          </a:bodyPr>
-          <a:lstStyle/>
-          <a:p>
-            <a:pPr algn="l">
-              <a:defRPr sz="3600"/>
-            </a:pPr>
-            <a:r>
-              <a:rPr sz="2000" dirty="0"/>
-              <a:t>A significant p-value is telling you that the full model has more information than the reduced.</a:t>
-            </a:r>
-          </a:p>
-          <a:p>
-            <a:pPr algn="l">
-              <a:defRPr sz="3600"/>
-            </a:pPr>
-            <a:r>
-              <a:rPr sz="2000" dirty="0"/>
-              <a:t> It is not telling you what that difference is</a:t>
-            </a:r>
-          </a:p>
-          <a:p>
-            <a:pPr algn="l">
-              <a:defRPr sz="3600"/>
-            </a:pPr>
-            <a:endParaRPr sz="2000" dirty="0"/>
-          </a:p>
-          <a:p>
-            <a:pPr algn="l">
-              <a:defRPr sz="3600"/>
-            </a:pPr>
-            <a:r>
-              <a:rPr sz="2000" dirty="0"/>
-              <a:t>You can extract the </a:t>
-            </a:r>
-            <a:r>
-              <a:rPr sz="2000" dirty="0" err="1"/>
-              <a:t>logFoldChanges</a:t>
-            </a:r>
-            <a:r>
-              <a:rPr sz="2000" dirty="0"/>
-              <a:t> using the same approach as before for specific comparisons, but the p-values always will come from the above comparison</a:t>
-            </a:r>
-          </a:p>
-        </p:txBody>
-      </p:sp>
+              <a:rPr lang="en-US" sz="2400" dirty="0"/>
+              <a:t>Testing multiple variable levels at once</a:t>
+            </a:r>
+            <a:endParaRPr sz="2400" dirty="0"/>
+          </a:p>
+        </p:txBody>
+      </p:sp>
+      <p:pic>
+        <p:nvPicPr>
+          <p:cNvPr id="2" name="Picture 1">
+            <a:extLst>
+              <a:ext uri="{FF2B5EF4-FFF2-40B4-BE49-F238E27FC236}">
+                <a16:creationId xmlns:a16="http://schemas.microsoft.com/office/drawing/2014/main" id="{6C3CF310-EF1D-86DD-035A-9C2669EB1A82}"/>
+              </a:ext>
+            </a:extLst>
+          </p:cNvPr>
+          <p:cNvPicPr>
+            <a:picLocks noChangeAspect="1"/>
+          </p:cNvPicPr>
+          <p:nvPr/>
+        </p:nvPicPr>
+        <p:blipFill>
+          <a:blip r:embed="rId2"/>
+          <a:stretch>
+            <a:fillRect/>
+          </a:stretch>
+        </p:blipFill>
+        <p:spPr>
+          <a:xfrm>
+            <a:off x="7747500" y="1341153"/>
+            <a:ext cx="4090572" cy="2470152"/>
+          </a:xfrm>
+          <a:prstGeom prst="rect">
+            <a:avLst/>
+          </a:prstGeom>
+        </p:spPr>
+      </p:pic>
+      <p:pic>
+        <p:nvPicPr>
+          <p:cNvPr id="3" name="Picture 2">
+            <a:extLst>
+              <a:ext uri="{FF2B5EF4-FFF2-40B4-BE49-F238E27FC236}">
+                <a16:creationId xmlns:a16="http://schemas.microsoft.com/office/drawing/2014/main" id="{E81883AD-8641-1E3A-534C-FE75C9672775}"/>
+              </a:ext>
+            </a:extLst>
+          </p:cNvPr>
+          <p:cNvPicPr>
+            <a:picLocks noChangeAspect="1"/>
+          </p:cNvPicPr>
+          <p:nvPr/>
+        </p:nvPicPr>
+        <p:blipFill>
+          <a:blip r:embed="rId3"/>
+          <a:stretch>
+            <a:fillRect/>
+          </a:stretch>
+        </p:blipFill>
+        <p:spPr>
+          <a:xfrm>
+            <a:off x="388620" y="1341119"/>
+            <a:ext cx="7048500" cy="960189"/>
+          </a:xfrm>
+          <a:prstGeom prst="rect">
+            <a:avLst/>
+          </a:prstGeom>
+        </p:spPr>
+      </p:pic>
     </p:spTree>
   </p:cSld>
   <p:clrMapOvr>
@@ -7755,14 +9114,14 @@
       </p:grpSpPr>
       <p:sp>
         <p:nvSpPr>
-          <p:cNvPr id="820" name="Using the LRT to identify genes where there is a difference among your groups"/>
+          <p:cNvPr id="808" name="Comparison of 1 condition vs a group of conditions"/>
           <p:cNvSpPr txBox="1"/>
           <p:nvPr/>
         </p:nvSpPr>
         <p:spPr>
           <a:xfrm>
-            <a:off x="418499" y="519119"/>
-            <a:ext cx="10010882" cy="420628"/>
+            <a:off x="3086019" y="598913"/>
+            <a:ext cx="5460213" cy="420628"/>
           </a:xfrm>
           <a:prstGeom prst="rect">
             <a:avLst/>
@@ -7772,7 +9131,7 @@
           </a:ln>
           <a:extLst>
             <a:ext uri="{C572A759-6A51-4108-AA02-DFA0A04FC94B}">
-              <ma14:wrappingTextBoxFlag xmlns:ma14="http://schemas.microsoft.com/office/mac/drawingml/2011/main" xmlns:a14="http://schemas.microsoft.com/office/drawing/2010/main" xmlns:m="http://schemas.openxmlformats.org/officeDocument/2006/math" xmlns="" val="1"/>
+              <ma14:wrappingTextBoxFlag xmlns="" xmlns:m="http://schemas.openxmlformats.org/officeDocument/2006/math" xmlns:a14="http://schemas.microsoft.com/office/drawing/2010/main" xmlns:ma14="http://schemas.microsoft.com/office/mac/drawingml/2011/main" val="1"/>
             </a:ext>
           </a:extLst>
         </p:spPr>
@@ -7787,15 +9146,22 @@
           </a:lstStyle>
           <a:p>
             <a:r>
-              <a:rPr sz="2400"/>
-              <a:t>Using the LRT to identify genes where there is a difference among your groups</a:t>
-            </a:r>
+              <a:rPr lang="en-US" sz="2400" dirty="0"/>
+              <a:t>Testing multiple variable levels at once</a:t>
+            </a:r>
+            <a:endParaRPr sz="2400" dirty="0"/>
           </a:p>
         </p:txBody>
       </p:sp>
       <p:pic>
         <p:nvPicPr>
-          <p:cNvPr id="821" name="Image" descr="Image"/>
+          <p:cNvPr id="4" name="Picture 3">
+            <a:extLst>
+              <a:ext uri="{FF2B5EF4-FFF2-40B4-BE49-F238E27FC236}">
+                <a16:creationId xmlns:a16="http://schemas.microsoft.com/office/drawing/2014/main" id="{92F585BD-1703-03E4-DE43-6B37FBFA0CC4}"/>
+              </a:ext>
+            </a:extLst>
+          </p:cNvPr>
           <p:cNvPicPr>
             <a:picLocks noChangeAspect="1"/>
           </p:cNvPicPr>
@@ -7809,20 +9175,23 @@
         </p:blipFill>
         <p:spPr>
           <a:xfrm>
-            <a:off x="6502080" y="1345445"/>
-            <a:ext cx="4607794" cy="2185352"/>
-          </a:xfrm>
-          <a:prstGeom prst="rect">
-            <a:avLst/>
-          </a:prstGeom>
-          <a:ln w="12700">
-            <a:miter lim="400000"/>
-          </a:ln>
+            <a:off x="743598" y="1791511"/>
+            <a:ext cx="3724644" cy="3505225"/>
+          </a:xfrm>
+          <a:prstGeom prst="rect">
+            <a:avLst/>
+          </a:prstGeom>
         </p:spPr>
       </p:pic>
       <p:pic>
         <p:nvPicPr>
-          <p:cNvPr id="822" name="Image" descr="Image"/>
+          <p:cNvPr id="5" name="Picture 4">
+            <a:extLst>
+              <a:ext uri="{FF2B5EF4-FFF2-40B4-BE49-F238E27FC236}">
+                <a16:creationId xmlns:a16="http://schemas.microsoft.com/office/drawing/2014/main" id="{E768F779-7477-8A7D-311B-FA4EE2A59313}"/>
+              </a:ext>
+            </a:extLst>
+          </p:cNvPr>
           <p:cNvPicPr>
             <a:picLocks noChangeAspect="1"/>
           </p:cNvPicPr>
@@ -7836,126 +9205,126 @@
         </p:blipFill>
         <p:spPr>
           <a:xfrm>
-            <a:off x="1082127" y="1365118"/>
-            <a:ext cx="4153560" cy="2146006"/>
-          </a:xfrm>
-          <a:prstGeom prst="rect">
-            <a:avLst/>
-          </a:prstGeom>
-          <a:ln w="12700">
-            <a:miter lim="400000"/>
-          </a:ln>
+            <a:off x="646634" y="1345756"/>
+            <a:ext cx="4443313" cy="244138"/>
+          </a:xfrm>
+          <a:prstGeom prst="rect">
+            <a:avLst/>
+          </a:prstGeom>
         </p:spPr>
       </p:pic>
       <p:sp>
         <p:nvSpPr>
-          <p:cNvPr id="823" name="The pvalues reported by LRT are for the comparison of the models (and are the same for any contrast you specify)…"/>
+          <p:cNvPr id="6" name="TextBox 5">
+            <a:extLst>
+              <a:ext uri="{FF2B5EF4-FFF2-40B4-BE49-F238E27FC236}">
+                <a16:creationId xmlns:a16="http://schemas.microsoft.com/office/drawing/2014/main" id="{AFABECCE-54E2-63C5-43EB-611C512083A1}"/>
+              </a:ext>
+            </a:extLst>
+          </p:cNvPr>
           <p:cNvSpPr txBox="1"/>
           <p:nvPr/>
         </p:nvSpPr>
         <p:spPr>
           <a:xfrm>
-            <a:off x="966185" y="4308464"/>
-            <a:ext cx="9356318" cy="1452898"/>
-          </a:xfrm>
-          <a:prstGeom prst="rect">
-            <a:avLst/>
-          </a:prstGeom>
-          <a:ln w="12700">
-            <a:miter lim="400000"/>
-          </a:ln>
-          <a:extLst>
-            <a:ext uri="{C572A759-6A51-4108-AA02-DFA0A04FC94B}">
-              <ma14:wrappingTextBoxFlag xmlns:ma14="http://schemas.microsoft.com/office/mac/drawingml/2011/main" xmlns:a14="http://schemas.microsoft.com/office/drawing/2010/main" xmlns:m="http://schemas.openxmlformats.org/officeDocument/2006/math" xmlns="" val="1"/>
-            </a:ext>
-          </a:extLst>
-        </p:spPr>
-        <p:txBody>
-          <a:bodyPr lIns="25400" tIns="25400" rIns="25400" bIns="25400" anchor="ctr">
+            <a:off x="1707307" y="1916109"/>
+            <a:ext cx="2073453" cy="369332"/>
+          </a:xfrm>
+          <a:prstGeom prst="rect">
+            <a:avLst/>
+          </a:prstGeom>
+          <a:noFill/>
+        </p:spPr>
+        <p:txBody>
+          <a:bodyPr wrap="none" rtlCol="0">
             <a:spAutoFit/>
           </a:bodyPr>
           <a:lstStyle/>
           <a:p>
-            <a:pPr>
-              <a:lnSpc>
-                <a:spcPct val="130000"/>
-              </a:lnSpc>
-              <a:defRPr sz="3600"/>
-            </a:pPr>
-            <a:r>
-              <a:rPr sz="2400" dirty="0"/>
-              <a:t>The </a:t>
-            </a:r>
-            <a:r>
-              <a:rPr sz="2400" dirty="0" err="1"/>
-              <a:t>pvalues</a:t>
-            </a:r>
-            <a:r>
-              <a:rPr sz="2400" dirty="0"/>
-              <a:t> reported by LRT are for the comparison of the models (and are the same for any contrast you specify)</a:t>
-            </a:r>
-          </a:p>
-          <a:p>
-            <a:pPr>
-              <a:lnSpc>
-                <a:spcPct val="130000"/>
-              </a:lnSpc>
-              <a:defRPr sz="3600"/>
-            </a:pPr>
-            <a:r>
-              <a:rPr sz="2400" dirty="0"/>
-              <a:t>Fold changes will be specific to one comparison (here NS vs Brg1)</a:t>
-            </a:r>
-          </a:p>
-        </p:txBody>
-      </p:sp>
-      <p:sp>
-        <p:nvSpPr>
-          <p:cNvPr id="824" name="Double Arrow"/>
-          <p:cNvSpPr/>
-          <p:nvPr/>
-        </p:nvSpPr>
-        <p:spPr>
-          <a:xfrm>
-            <a:off x="3740977" y="1937502"/>
-            <a:ext cx="2690734" cy="635001"/>
-          </a:xfrm>
-          <a:prstGeom prst="leftRightArrow">
-            <a:avLst>
-              <a:gd name="adj1" fmla="val 32000"/>
-              <a:gd name="adj2" fmla="val 44000"/>
-            </a:avLst>
-          </a:prstGeom>
-          <a:solidFill>
-            <a:schemeClr val="accent4">
-              <a:hueOff val="-476017"/>
-              <a:lumOff val="-10042"/>
-            </a:schemeClr>
-          </a:solidFill>
-          <a:ln w="12700">
-            <a:miter lim="400000"/>
-          </a:ln>
-        </p:spPr>
-        <p:txBody>
-          <a:bodyPr lIns="25400" tIns="25400" rIns="25400" bIns="25400" anchor="ctr"/>
-          <a:lstStyle/>
-          <a:p>
-            <a:pPr defTabSz="412750">
-              <a:defRPr sz="3200">
-                <a:solidFill>
-                  <a:srgbClr val="000000"/>
-                </a:solidFill>
-                <a:latin typeface="Helvetica Neue Medium"/>
-                <a:ea typeface="Helvetica Neue Medium"/>
-                <a:cs typeface="Helvetica Neue Medium"/>
-                <a:sym typeface="Helvetica Neue Medium"/>
-              </a:defRPr>
-            </a:pPr>
-            <a:endParaRPr sz="1600"/>
+            <a:r>
+              <a:rPr lang="en-US" dirty="0"/>
+              <a:t>Fold changes differ</a:t>
+            </a:r>
+          </a:p>
+        </p:txBody>
+      </p:sp>
+      <p:pic>
+        <p:nvPicPr>
+          <p:cNvPr id="7" name="Picture 6">
+            <a:extLst>
+              <a:ext uri="{FF2B5EF4-FFF2-40B4-BE49-F238E27FC236}">
+                <a16:creationId xmlns:a16="http://schemas.microsoft.com/office/drawing/2014/main" id="{36596D28-4CD9-EB90-EFE7-D78989001615}"/>
+              </a:ext>
+            </a:extLst>
+          </p:cNvPr>
+          <p:cNvPicPr>
+            <a:picLocks noChangeAspect="1"/>
+          </p:cNvPicPr>
+          <p:nvPr/>
+        </p:nvPicPr>
+        <p:blipFill>
+          <a:blip r:embed="rId4"/>
+          <a:stretch>
+            <a:fillRect/>
+          </a:stretch>
+        </p:blipFill>
+        <p:spPr>
+          <a:xfrm>
+            <a:off x="5745882" y="2806123"/>
+            <a:ext cx="5600700" cy="1079500"/>
+          </a:xfrm>
+          <a:prstGeom prst="rect">
+            <a:avLst/>
+          </a:prstGeom>
+        </p:spPr>
+      </p:pic>
+      <p:sp>
+        <p:nvSpPr>
+          <p:cNvPr id="9" name="TextBox 8">
+            <a:extLst>
+              <a:ext uri="{FF2B5EF4-FFF2-40B4-BE49-F238E27FC236}">
+                <a16:creationId xmlns:a16="http://schemas.microsoft.com/office/drawing/2014/main" id="{3768BF34-DCD9-2946-A0DD-B8F1BB8FE4E6}"/>
+              </a:ext>
+            </a:extLst>
+          </p:cNvPr>
+          <p:cNvSpPr txBox="1"/>
+          <p:nvPr/>
+        </p:nvSpPr>
+        <p:spPr>
+          <a:xfrm>
+            <a:off x="7162231" y="1916109"/>
+            <a:ext cx="3357073" cy="646331"/>
+          </a:xfrm>
+          <a:prstGeom prst="rect">
+            <a:avLst/>
+          </a:prstGeom>
+          <a:noFill/>
+        </p:spPr>
+        <p:txBody>
+          <a:bodyPr wrap="none" rtlCol="0">
+            <a:spAutoFit/>
+          </a:bodyPr>
+          <a:lstStyle/>
+          <a:p>
+            <a:r>
+              <a:rPr lang="en-US" dirty="0"/>
+              <a:t>But p-values are the same</a:t>
+            </a:r>
+          </a:p>
+          <a:p>
+            <a:r>
+              <a:rPr lang="en-US" dirty="0"/>
+              <a:t>(you only get 1 p-value per gene)</a:t>
+            </a:r>
           </a:p>
         </p:txBody>
       </p:sp>
     </p:spTree>
+    <p:extLst>
+      <p:ext uri="{BB962C8B-B14F-4D97-AF65-F5344CB8AC3E}">
+        <p14:creationId xmlns:p14="http://schemas.microsoft.com/office/powerpoint/2010/main" val="154211779"/>
+      </p:ext>
+    </p:extLst>
   </p:cSld>
   <p:clrMapOvr>
     <a:masterClrMapping/>
@@ -8063,15 +9432,7 @@
             </a:pPr>
             <a:r>
               <a:rPr sz="2400" dirty="0"/>
-              <a:t>For example, you have WT and KO animals and they were treated with </a:t>
-            </a:r>
-            <a:r>
-              <a:rPr sz="2400" dirty="0" err="1"/>
-              <a:t>DrugA</a:t>
-            </a:r>
-            <a:r>
-              <a:rPr sz="2400" dirty="0"/>
-              <a:t> or Vehicle control</a:t>
+              <a:t>For example, you have WT and KO animals and they were treated with Drug or Vehicle control</a:t>
             </a:r>
           </a:p>
         </p:txBody>
@@ -8084,8 +9445,8 @@
         </p:nvSpPr>
         <p:spPr>
           <a:xfrm>
-            <a:off x="4715827" y="3612789"/>
-            <a:ext cx="3378132" cy="420628"/>
+            <a:off x="4509244" y="3500241"/>
+            <a:ext cx="5453239" cy="420628"/>
           </a:xfrm>
           <a:prstGeom prst="rect">
             <a:avLst/>
@@ -8106,7 +9467,7 @@
           <a:lstStyle/>
           <a:p>
             <a:r>
-              <a:rPr sz="2400" dirty="0"/>
+              <a:rPr sz="2400" b="1" dirty="0"/>
               <a:t>  = ~ genotype + treatment</a:t>
             </a:r>
           </a:p>
@@ -8232,8 +9593,8 @@
         </p:nvSpPr>
         <p:spPr>
           <a:xfrm>
-            <a:off x="369495" y="4169660"/>
-            <a:ext cx="11231344" cy="328295"/>
+            <a:off x="4183385" y="3903788"/>
+            <a:ext cx="11231344" cy="482183"/>
           </a:xfrm>
           <a:prstGeom prst="rect">
             <a:avLst/>
@@ -8248,6 +9609,74 @@
           </a:extLst>
         </p:spPr>
         <p:txBody>
+          <a:bodyPr wrap="square" lIns="25400" tIns="25400" rIns="25400" bIns="25400" anchor="ctr">
+            <a:spAutoFit/>
+          </a:bodyPr>
+          <a:lstStyle>
+            <a:lvl1pPr>
+              <a:defRPr b="1"/>
+            </a:lvl1pPr>
+          </a:lstStyle>
+          <a:p>
+            <a:r>
+              <a:rPr sz="1400" dirty="0"/>
+              <a:t>Specify which contrast you want in results </a:t>
+            </a:r>
+            <a:endParaRPr lang="en-US" sz="1400" dirty="0"/>
+          </a:p>
+          <a:p>
+            <a:r>
+              <a:rPr sz="1400" dirty="0"/>
+              <a:t>(e.g. </a:t>
+            </a:r>
+            <a:r>
+              <a:rPr lang="en-US" sz="1400" dirty="0"/>
+              <a:t>results</a:t>
+            </a:r>
+            <a:r>
+              <a:rPr sz="1400" dirty="0"/>
+              <a:t>(</a:t>
+            </a:r>
+            <a:r>
+              <a:rPr sz="1400" dirty="0" err="1"/>
+              <a:t>dds</a:t>
+            </a:r>
+            <a:r>
+              <a:rPr sz="1400" dirty="0"/>
+              <a:t>, contrast = c(‘treatment’, ‘drug’, ‘vehicle’)</a:t>
+            </a:r>
+            <a:r>
+              <a:rPr lang="en-US" sz="1400" dirty="0"/>
+              <a:t> )</a:t>
+            </a:r>
+            <a:endParaRPr sz="1400" dirty="0"/>
+          </a:p>
+        </p:txBody>
+      </p:sp>
+      <p:sp>
+        <p:nvSpPr>
+          <p:cNvPr id="833" name="Specify which contrast you want in results (e.g. results(dds, contrast = c(‘genotype’, ‘KO’, ‘WT’)"/>
+          <p:cNvSpPr txBox="1"/>
+          <p:nvPr/>
+        </p:nvSpPr>
+        <p:spPr>
+          <a:xfrm>
+            <a:off x="3318435" y="5529603"/>
+            <a:ext cx="5473230" cy="605294"/>
+          </a:xfrm>
+          <a:prstGeom prst="rect">
+            <a:avLst/>
+          </a:prstGeom>
+          <a:ln w="12700">
+            <a:miter lim="400000"/>
+          </a:ln>
+          <a:extLst>
+            <a:ext uri="{C572A759-6A51-4108-AA02-DFA0A04FC94B}">
+              <ma14:wrappingTextBoxFlag xmlns:ma14="http://schemas.microsoft.com/office/mac/drawingml/2011/main" xmlns:a14="http://schemas.microsoft.com/office/drawing/2010/main" xmlns:m="http://schemas.openxmlformats.org/officeDocument/2006/math" xmlns="" val="1"/>
+            </a:ext>
+          </a:extLst>
+        </p:spPr>
+        <p:txBody>
           <a:bodyPr wrap="none" lIns="25400" tIns="25400" rIns="25400" bIns="25400" anchor="ctr">
             <a:spAutoFit/>
           </a:bodyPr>
@@ -8259,11 +9688,18 @@
           <a:p>
             <a:r>
               <a:rPr dirty="0"/>
-              <a:t>Specify which contrast you want in results (e.g. </a:t>
-            </a:r>
-            <a:r>
-              <a:rPr lang="en-US" dirty="0" err="1"/>
-              <a:t>lfcShrink</a:t>
+              <a:t>Specify which contrast you want in results </a:t>
+            </a:r>
+            <a:endParaRPr lang="en-US" dirty="0"/>
+          </a:p>
+          <a:p>
+            <a:r>
+              <a:rPr dirty="0"/>
+              <a:t>(e.g. </a:t>
+            </a:r>
+            <a:r>
+              <a:rPr lang="en-US" dirty="0"/>
+              <a:t>results</a:t>
             </a:r>
             <a:r>
               <a:rPr dirty="0"/>
@@ -8275,19 +9711,11 @@
             </a:r>
             <a:r>
               <a:rPr dirty="0"/>
-              <a:t>, contrast = c(‘treatment’, ‘drug’, ‘vehicle’) </a:t>
+              <a:t>, contrast = c(‘genotype’, ‘KO’, ‘WT’)</a:t>
             </a:r>
             <a:r>
               <a:rPr lang="en-US" dirty="0"/>
-              <a:t>, type   = ‘</a:t>
-            </a:r>
-            <a:r>
-              <a:rPr lang="en-US" dirty="0" err="1"/>
-              <a:t>ashr</a:t>
-            </a:r>
-            <a:r>
-              <a:rPr lang="en-US" dirty="0"/>
-              <a:t>’)</a:t>
+              <a:t> )</a:t>
             </a:r>
             <a:endParaRPr dirty="0"/>
           </a:p>
@@ -8295,92 +9723,20 @@
       </p:sp>
       <p:sp>
         <p:nvSpPr>
-          <p:cNvPr id="833" name="Specify which contrast you want in results (e.g. results(dds, contrast = c(‘genotype’, ‘KO’, ‘WT’)"/>
+          <p:cNvPr id="10" name="= ~ genotype + treatment">
+            <a:extLst>
+              <a:ext uri="{FF2B5EF4-FFF2-40B4-BE49-F238E27FC236}">
+                <a16:creationId xmlns:a16="http://schemas.microsoft.com/office/drawing/2014/main" id="{243A4D4F-46F3-F20B-AE79-7FD8CB6CD504}"/>
+              </a:ext>
+            </a:extLst>
+          </p:cNvPr>
           <p:cNvSpPr txBox="1"/>
           <p:nvPr/>
         </p:nvSpPr>
         <p:spPr>
           <a:xfrm>
-            <a:off x="369495" y="5503697"/>
-            <a:ext cx="10534872" cy="328295"/>
-          </a:xfrm>
-          <a:prstGeom prst="rect">
-            <a:avLst/>
-          </a:prstGeom>
-          <a:ln w="12700">
-            <a:miter lim="400000"/>
-          </a:ln>
-          <a:extLst>
-            <a:ext uri="{C572A759-6A51-4108-AA02-DFA0A04FC94B}">
-              <ma14:wrappingTextBoxFlag xmlns:ma14="http://schemas.microsoft.com/office/mac/drawingml/2011/main" xmlns:a14="http://schemas.microsoft.com/office/drawing/2010/main" xmlns:m="http://schemas.openxmlformats.org/officeDocument/2006/math" xmlns="" val="1"/>
-            </a:ext>
-          </a:extLst>
-        </p:spPr>
-        <p:txBody>
-          <a:bodyPr wrap="none" lIns="25400" tIns="25400" rIns="25400" bIns="25400" anchor="ctr">
-            <a:spAutoFit/>
-          </a:bodyPr>
-          <a:lstStyle>
-            <a:lvl1pPr>
-              <a:defRPr b="1"/>
-            </a:lvl1pPr>
-          </a:lstStyle>
-          <a:p>
-            <a:r>
-              <a:rPr dirty="0"/>
-              <a:t>Specify which contrast you want in results (e.g. </a:t>
-            </a:r>
-            <a:r>
-              <a:rPr lang="en-US" dirty="0" err="1"/>
-              <a:t>lfcShrink</a:t>
-            </a:r>
-            <a:r>
-              <a:rPr dirty="0"/>
-              <a:t>(</a:t>
-            </a:r>
-            <a:r>
-              <a:rPr dirty="0" err="1"/>
-              <a:t>dds</a:t>
-            </a:r>
-            <a:r>
-              <a:rPr dirty="0"/>
-              <a:t>, contrast = c(‘genotype’, ‘KO’, ‘WT’)</a:t>
-            </a:r>
-            <a:r>
-              <a:rPr lang="en-US" dirty="0"/>
-              <a:t>, type = ‘</a:t>
-            </a:r>
-            <a:r>
-              <a:rPr lang="en-US" dirty="0" err="1"/>
-              <a:t>ashr</a:t>
-            </a:r>
-            <a:r>
-              <a:rPr lang="en-US" dirty="0"/>
-              <a:t>’)</a:t>
-            </a:r>
-            <a:r>
-              <a:rPr dirty="0"/>
-              <a:t> </a:t>
-            </a:r>
-          </a:p>
-        </p:txBody>
-      </p:sp>
-      <p:sp>
-        <p:nvSpPr>
-          <p:cNvPr id="10" name="= ~ genotype + treatment">
-            <a:extLst>
-              <a:ext uri="{FF2B5EF4-FFF2-40B4-BE49-F238E27FC236}">
-                <a16:creationId xmlns:a16="http://schemas.microsoft.com/office/drawing/2014/main" id="{243A4D4F-46F3-F20B-AE79-7FD8CB6CD504}"/>
-              </a:ext>
-            </a:extLst>
-          </p:cNvPr>
-          <p:cNvSpPr txBox="1"/>
-          <p:nvPr/>
-        </p:nvSpPr>
-        <p:spPr>
-          <a:xfrm>
             <a:off x="4570741" y="5015910"/>
-            <a:ext cx="3378132" cy="420628"/>
+            <a:ext cx="5391742" cy="420628"/>
           </a:xfrm>
           <a:prstGeom prst="rect">
             <a:avLst/>

--- a/lectures/2024_GNET_Class6_Viz_ExpDesign.pptx
+++ b/lectures/2024_GNET_Class6_Viz_ExpDesign.pptx
@@ -5,7 +5,7 @@
     <p:sldMasterId id="2147483648" r:id="rId1"/>
   </p:sldMasterIdLst>
   <p:notesMasterIdLst>
-    <p:notesMasterId r:id="rId26"/>
+    <p:notesMasterId r:id="rId30"/>
   </p:notesMasterIdLst>
   <p:sldIdLst>
     <p:sldId id="350" r:id="rId2"/>
@@ -32,6 +32,10 @@
     <p:sldId id="355" r:id="rId23"/>
     <p:sldId id="356" r:id="rId24"/>
     <p:sldId id="357" r:id="rId25"/>
+    <p:sldId id="361" r:id="rId26"/>
+    <p:sldId id="358" r:id="rId27"/>
+    <p:sldId id="359" r:id="rId28"/>
+    <p:sldId id="360" r:id="rId29"/>
   </p:sldIdLst>
   <p:sldSz cx="12192000" cy="6858000"/>
   <p:notesSz cx="6858000" cy="9144000"/>
@@ -7985,7 +7989,7 @@
         </p:blipFill>
         <p:spPr>
           <a:xfrm>
-            <a:off x="5509260" y="2672580"/>
+            <a:off x="5440680" y="2367780"/>
             <a:ext cx="5836920" cy="2590615"/>
           </a:xfrm>
           <a:prstGeom prst="rect">
@@ -7997,6 +8001,693 @@
     <p:extLst>
       <p:ext uri="{BB962C8B-B14F-4D97-AF65-F5344CB8AC3E}">
         <p14:creationId xmlns:p14="http://schemas.microsoft.com/office/powerpoint/2010/main" val="581351450"/>
+      </p:ext>
+    </p:extLst>
+  </p:cSld>
+  <p:clrMapOvr>
+    <a:masterClrMapping/>
+  </p:clrMapOvr>
+</p:sld>
+</file>
+
+<file path=ppt/slides/slide25.xml><?xml version="1.0" encoding="utf-8"?>
+<p:sld xmlns:a="http://schemas.openxmlformats.org/drawingml/2006/main" xmlns:r="http://schemas.openxmlformats.org/officeDocument/2006/relationships" xmlns:p="http://schemas.openxmlformats.org/presentationml/2006/main">
+  <p:cSld>
+    <p:spTree>
+      <p:nvGrpSpPr>
+        <p:cNvPr id="1" name=""/>
+        <p:cNvGrpSpPr/>
+        <p:nvPr/>
+      </p:nvGrpSpPr>
+      <p:grpSpPr>
+        <a:xfrm>
+          <a:off x="0" y="0"/>
+          <a:ext cx="0" cy="0"/>
+          <a:chOff x="0" y="0"/>
+          <a:chExt cx="0" cy="0"/>
+        </a:xfrm>
+      </p:grpSpPr>
+      <p:sp>
+        <p:nvSpPr>
+          <p:cNvPr id="2" name="TextBox 1">
+            <a:extLst>
+              <a:ext uri="{FF2B5EF4-FFF2-40B4-BE49-F238E27FC236}">
+                <a16:creationId xmlns:a16="http://schemas.microsoft.com/office/drawing/2014/main" id="{243C5B6F-D42F-04F9-1A2F-44619FB719F4}"/>
+              </a:ext>
+            </a:extLst>
+          </p:cNvPr>
+          <p:cNvSpPr txBox="1"/>
+          <p:nvPr/>
+        </p:nvSpPr>
+        <p:spPr>
+          <a:xfrm>
+            <a:off x="5585460" y="335280"/>
+            <a:ext cx="1180131" cy="369332"/>
+          </a:xfrm>
+          <a:prstGeom prst="rect">
+            <a:avLst/>
+          </a:prstGeom>
+          <a:noFill/>
+        </p:spPr>
+        <p:txBody>
+          <a:bodyPr wrap="none" rtlCol="0">
+            <a:spAutoFit/>
+          </a:bodyPr>
+          <a:lstStyle/>
+          <a:p>
+            <a:r>
+              <a:rPr lang="en-US" dirty="0"/>
+              <a:t>GSEA plot</a:t>
+            </a:r>
+          </a:p>
+        </p:txBody>
+      </p:sp>
+      <p:pic>
+        <p:nvPicPr>
+          <p:cNvPr id="3" name="Picture 2">
+            <a:extLst>
+              <a:ext uri="{FF2B5EF4-FFF2-40B4-BE49-F238E27FC236}">
+                <a16:creationId xmlns:a16="http://schemas.microsoft.com/office/drawing/2014/main" id="{F411957E-5A6E-90F3-A752-F928BEB2CD5F}"/>
+              </a:ext>
+            </a:extLst>
+          </p:cNvPr>
+          <p:cNvPicPr>
+            <a:picLocks noChangeAspect="1"/>
+          </p:cNvPicPr>
+          <p:nvPr/>
+        </p:nvPicPr>
+        <p:blipFill>
+          <a:blip r:embed="rId2"/>
+          <a:stretch>
+            <a:fillRect/>
+          </a:stretch>
+        </p:blipFill>
+        <p:spPr>
+          <a:xfrm>
+            <a:off x="883091" y="1066800"/>
+            <a:ext cx="3804899" cy="4114800"/>
+          </a:xfrm>
+          <a:prstGeom prst="rect">
+            <a:avLst/>
+          </a:prstGeom>
+        </p:spPr>
+      </p:pic>
+      <p:pic>
+        <p:nvPicPr>
+          <p:cNvPr id="4" name="Picture 3">
+            <a:extLst>
+              <a:ext uri="{FF2B5EF4-FFF2-40B4-BE49-F238E27FC236}">
+                <a16:creationId xmlns:a16="http://schemas.microsoft.com/office/drawing/2014/main" id="{23180AEB-9FD4-EEE0-545F-CFE2994347E1}"/>
+              </a:ext>
+            </a:extLst>
+          </p:cNvPr>
+          <p:cNvPicPr>
+            <a:picLocks noChangeAspect="1"/>
+          </p:cNvPicPr>
+          <p:nvPr/>
+        </p:nvPicPr>
+        <p:blipFill>
+          <a:blip r:embed="rId3"/>
+          <a:stretch>
+            <a:fillRect/>
+          </a:stretch>
+        </p:blipFill>
+        <p:spPr>
+          <a:xfrm>
+            <a:off x="5661660" y="944880"/>
+            <a:ext cx="5556351" cy="4664518"/>
+          </a:xfrm>
+          <a:prstGeom prst="rect">
+            <a:avLst/>
+          </a:prstGeom>
+        </p:spPr>
+      </p:pic>
+      <p:sp>
+        <p:nvSpPr>
+          <p:cNvPr id="5" name="TextBox 4">
+            <a:extLst>
+              <a:ext uri="{FF2B5EF4-FFF2-40B4-BE49-F238E27FC236}">
+                <a16:creationId xmlns:a16="http://schemas.microsoft.com/office/drawing/2014/main" id="{14F5BFD6-91C3-8E50-BCEB-58A239FC9D7E}"/>
+              </a:ext>
+            </a:extLst>
+          </p:cNvPr>
+          <p:cNvSpPr txBox="1"/>
+          <p:nvPr/>
+        </p:nvSpPr>
+        <p:spPr>
+          <a:xfrm>
+            <a:off x="7391400" y="944880"/>
+            <a:ext cx="3657600" cy="369332"/>
+          </a:xfrm>
+          <a:prstGeom prst="rect">
+            <a:avLst/>
+          </a:prstGeom>
+          <a:noFill/>
+        </p:spPr>
+        <p:txBody>
+          <a:bodyPr wrap="square" rtlCol="0">
+            <a:spAutoFit/>
+          </a:bodyPr>
+          <a:lstStyle/>
+          <a:p>
+            <a:r>
+              <a:rPr lang="en-US" dirty="0"/>
+              <a:t>TNFA Signaling via NFKB</a:t>
+            </a:r>
+          </a:p>
+        </p:txBody>
+      </p:sp>
+    </p:spTree>
+    <p:extLst>
+      <p:ext uri="{BB962C8B-B14F-4D97-AF65-F5344CB8AC3E}">
+        <p14:creationId xmlns:p14="http://schemas.microsoft.com/office/powerpoint/2010/main" val="1149381364"/>
+      </p:ext>
+    </p:extLst>
+  </p:cSld>
+  <p:clrMapOvr>
+    <a:masterClrMapping/>
+  </p:clrMapOvr>
+</p:sld>
+</file>
+
+<file path=ppt/slides/slide26.xml><?xml version="1.0" encoding="utf-8"?>
+<p:sld xmlns:a="http://schemas.openxmlformats.org/drawingml/2006/main" xmlns:r="http://schemas.openxmlformats.org/officeDocument/2006/relationships" xmlns:p="http://schemas.openxmlformats.org/presentationml/2006/main">
+  <p:cSld>
+    <p:spTree>
+      <p:nvGrpSpPr>
+        <p:cNvPr id="1" name=""/>
+        <p:cNvGrpSpPr/>
+        <p:nvPr/>
+      </p:nvGrpSpPr>
+      <p:grpSpPr>
+        <a:xfrm>
+          <a:off x="0" y="0"/>
+          <a:ext cx="0" cy="0"/>
+          <a:chOff x="0" y="0"/>
+          <a:chExt cx="0" cy="0"/>
+        </a:xfrm>
+      </p:grpSpPr>
+      <p:sp>
+        <p:nvSpPr>
+          <p:cNvPr id="2" name="TextBox 1">
+            <a:extLst>
+              <a:ext uri="{FF2B5EF4-FFF2-40B4-BE49-F238E27FC236}">
+                <a16:creationId xmlns:a16="http://schemas.microsoft.com/office/drawing/2014/main" id="{F9B4D1FA-BA08-09CF-A1DD-28357848A030}"/>
+              </a:ext>
+            </a:extLst>
+          </p:cNvPr>
+          <p:cNvSpPr txBox="1"/>
+          <p:nvPr/>
+        </p:nvSpPr>
+        <p:spPr>
+          <a:xfrm>
+            <a:off x="4846320" y="205740"/>
+            <a:ext cx="4853940" cy="369332"/>
+          </a:xfrm>
+          <a:prstGeom prst="rect">
+            <a:avLst/>
+          </a:prstGeom>
+          <a:noFill/>
+        </p:spPr>
+        <p:txBody>
+          <a:bodyPr wrap="square" rtlCol="0">
+            <a:spAutoFit/>
+          </a:bodyPr>
+          <a:lstStyle/>
+          <a:p>
+            <a:r>
+              <a:rPr lang="en-US" dirty="0"/>
+              <a:t>Enrichment - enricher</a:t>
+            </a:r>
+          </a:p>
+        </p:txBody>
+      </p:sp>
+      <p:pic>
+        <p:nvPicPr>
+          <p:cNvPr id="3" name="Picture 2">
+            <a:extLst>
+              <a:ext uri="{FF2B5EF4-FFF2-40B4-BE49-F238E27FC236}">
+                <a16:creationId xmlns:a16="http://schemas.microsoft.com/office/drawing/2014/main" id="{64CF129B-FE32-0426-939D-4BC03E6B6173}"/>
+              </a:ext>
+            </a:extLst>
+          </p:cNvPr>
+          <p:cNvPicPr>
+            <a:picLocks noChangeAspect="1"/>
+          </p:cNvPicPr>
+          <p:nvPr/>
+        </p:nvPicPr>
+        <p:blipFill>
+          <a:blip r:embed="rId2"/>
+          <a:stretch>
+            <a:fillRect/>
+          </a:stretch>
+        </p:blipFill>
+        <p:spPr>
+          <a:xfrm>
+            <a:off x="566420" y="896620"/>
+            <a:ext cx="2481580" cy="913104"/>
+          </a:xfrm>
+          <a:prstGeom prst="rect">
+            <a:avLst/>
+          </a:prstGeom>
+        </p:spPr>
+      </p:pic>
+      <p:pic>
+        <p:nvPicPr>
+          <p:cNvPr id="4" name="Picture 3">
+            <a:extLst>
+              <a:ext uri="{FF2B5EF4-FFF2-40B4-BE49-F238E27FC236}">
+                <a16:creationId xmlns:a16="http://schemas.microsoft.com/office/drawing/2014/main" id="{2445D7C9-03E4-E517-B2D5-5C82F5AA1B2E}"/>
+              </a:ext>
+            </a:extLst>
+          </p:cNvPr>
+          <p:cNvPicPr>
+            <a:picLocks noChangeAspect="1"/>
+          </p:cNvPicPr>
+          <p:nvPr/>
+        </p:nvPicPr>
+        <p:blipFill>
+          <a:blip r:embed="rId3"/>
+          <a:stretch>
+            <a:fillRect/>
+          </a:stretch>
+        </p:blipFill>
+        <p:spPr>
+          <a:xfrm>
+            <a:off x="5821680" y="1036319"/>
+            <a:ext cx="5181872" cy="4205577"/>
+          </a:xfrm>
+          <a:prstGeom prst="rect">
+            <a:avLst/>
+          </a:prstGeom>
+        </p:spPr>
+      </p:pic>
+      <p:pic>
+        <p:nvPicPr>
+          <p:cNvPr id="5" name="Picture 4">
+            <a:extLst>
+              <a:ext uri="{FF2B5EF4-FFF2-40B4-BE49-F238E27FC236}">
+                <a16:creationId xmlns:a16="http://schemas.microsoft.com/office/drawing/2014/main" id="{C4D97334-C8DB-CB95-AD9A-B0F1CEEAF9DE}"/>
+              </a:ext>
+            </a:extLst>
+          </p:cNvPr>
+          <p:cNvPicPr>
+            <a:picLocks noChangeAspect="1"/>
+          </p:cNvPicPr>
+          <p:nvPr/>
+        </p:nvPicPr>
+        <p:blipFill>
+          <a:blip r:embed="rId4"/>
+          <a:stretch>
+            <a:fillRect/>
+          </a:stretch>
+        </p:blipFill>
+        <p:spPr>
+          <a:xfrm>
+            <a:off x="384810" y="2503623"/>
+            <a:ext cx="5326380" cy="1703325"/>
+          </a:xfrm>
+          <a:prstGeom prst="rect">
+            <a:avLst/>
+          </a:prstGeom>
+        </p:spPr>
+      </p:pic>
+    </p:spTree>
+    <p:extLst>
+      <p:ext uri="{BB962C8B-B14F-4D97-AF65-F5344CB8AC3E}">
+        <p14:creationId xmlns:p14="http://schemas.microsoft.com/office/powerpoint/2010/main" val="598439181"/>
+      </p:ext>
+    </p:extLst>
+  </p:cSld>
+  <p:clrMapOvr>
+    <a:masterClrMapping/>
+  </p:clrMapOvr>
+</p:sld>
+</file>
+
+<file path=ppt/slides/slide27.xml><?xml version="1.0" encoding="utf-8"?>
+<p:sld xmlns:a="http://schemas.openxmlformats.org/drawingml/2006/main" xmlns:r="http://schemas.openxmlformats.org/officeDocument/2006/relationships" xmlns:p="http://schemas.openxmlformats.org/presentationml/2006/main">
+  <p:cSld>
+    <p:spTree>
+      <p:nvGrpSpPr>
+        <p:cNvPr id="1" name=""/>
+        <p:cNvGrpSpPr/>
+        <p:nvPr/>
+      </p:nvGrpSpPr>
+      <p:grpSpPr>
+        <a:xfrm>
+          <a:off x="0" y="0"/>
+          <a:ext cx="0" cy="0"/>
+          <a:chOff x="0" y="0"/>
+          <a:chExt cx="0" cy="0"/>
+        </a:xfrm>
+      </p:grpSpPr>
+      <p:sp>
+        <p:nvSpPr>
+          <p:cNvPr id="2" name="TextBox 1">
+            <a:extLst>
+              <a:ext uri="{FF2B5EF4-FFF2-40B4-BE49-F238E27FC236}">
+                <a16:creationId xmlns:a16="http://schemas.microsoft.com/office/drawing/2014/main" id="{A396A0CB-A2F5-11C0-37AF-D60D8A089837}"/>
+              </a:ext>
+            </a:extLst>
+          </p:cNvPr>
+          <p:cNvSpPr txBox="1"/>
+          <p:nvPr/>
+        </p:nvSpPr>
+        <p:spPr>
+          <a:xfrm>
+            <a:off x="4640580" y="464820"/>
+            <a:ext cx="6050280" cy="369332"/>
+          </a:xfrm>
+          <a:prstGeom prst="rect">
+            <a:avLst/>
+          </a:prstGeom>
+          <a:noFill/>
+        </p:spPr>
+        <p:txBody>
+          <a:bodyPr wrap="square" rtlCol="0">
+            <a:spAutoFit/>
+          </a:bodyPr>
+          <a:lstStyle/>
+          <a:p>
+            <a:r>
+              <a:rPr lang="en-US" dirty="0"/>
+              <a:t>GSEA vs enricher</a:t>
+            </a:r>
+          </a:p>
+        </p:txBody>
+      </p:sp>
+      <p:sp>
+        <p:nvSpPr>
+          <p:cNvPr id="3" name="TextBox 2">
+            <a:extLst>
+              <a:ext uri="{FF2B5EF4-FFF2-40B4-BE49-F238E27FC236}">
+                <a16:creationId xmlns:a16="http://schemas.microsoft.com/office/drawing/2014/main" id="{2C829942-613C-B296-5F0C-9041254969BA}"/>
+              </a:ext>
+            </a:extLst>
+          </p:cNvPr>
+          <p:cNvSpPr txBox="1"/>
+          <p:nvPr/>
+        </p:nvSpPr>
+        <p:spPr>
+          <a:xfrm>
+            <a:off x="1447800" y="1341120"/>
+            <a:ext cx="5858783" cy="923330"/>
+          </a:xfrm>
+          <a:prstGeom prst="rect">
+            <a:avLst/>
+          </a:prstGeom>
+          <a:noFill/>
+        </p:spPr>
+        <p:txBody>
+          <a:bodyPr wrap="none" rtlCol="0">
+            <a:spAutoFit/>
+          </a:bodyPr>
+          <a:lstStyle/>
+          <a:p>
+            <a:r>
+              <a:rPr lang="en-US" dirty="0"/>
+              <a:t>GSEA</a:t>
+            </a:r>
+          </a:p>
+          <a:p>
+            <a:pPr marL="342900" indent="-342900">
+              <a:buAutoNum type="arabicPeriod"/>
+            </a:pPr>
+            <a:r>
+              <a:rPr lang="en-US" dirty="0"/>
+              <a:t>Takes whole gene list (no cutoff)</a:t>
+            </a:r>
+          </a:p>
+          <a:p>
+            <a:pPr marL="342900" indent="-342900">
+              <a:buAutoNum type="arabicPeriod"/>
+            </a:pPr>
+            <a:r>
+              <a:rPr lang="en-US" dirty="0"/>
+              <a:t>Compares ranks of your genes to some predefined set</a:t>
+            </a:r>
+          </a:p>
+        </p:txBody>
+      </p:sp>
+      <p:sp>
+        <p:nvSpPr>
+          <p:cNvPr id="4" name="TextBox 3">
+            <a:extLst>
+              <a:ext uri="{FF2B5EF4-FFF2-40B4-BE49-F238E27FC236}">
+                <a16:creationId xmlns:a16="http://schemas.microsoft.com/office/drawing/2014/main" id="{A44B1546-EA82-DB23-1E4D-9337043ADAFB}"/>
+              </a:ext>
+            </a:extLst>
+          </p:cNvPr>
+          <p:cNvSpPr txBox="1"/>
+          <p:nvPr/>
+        </p:nvSpPr>
+        <p:spPr>
+          <a:xfrm>
+            <a:off x="1447799" y="3253740"/>
+            <a:ext cx="5897768" cy="923330"/>
+          </a:xfrm>
+          <a:prstGeom prst="rect">
+            <a:avLst/>
+          </a:prstGeom>
+          <a:noFill/>
+        </p:spPr>
+        <p:txBody>
+          <a:bodyPr wrap="none" rtlCol="0">
+            <a:spAutoFit/>
+          </a:bodyPr>
+          <a:lstStyle/>
+          <a:p>
+            <a:r>
+              <a:rPr lang="en-US" dirty="0"/>
+              <a:t>enricher</a:t>
+            </a:r>
+          </a:p>
+          <a:p>
+            <a:pPr marL="342900" indent="-342900">
+              <a:buAutoNum type="arabicPeriod"/>
+            </a:pPr>
+            <a:r>
+              <a:rPr lang="en-US" dirty="0"/>
+              <a:t>Subset of your total genes (</a:t>
+            </a:r>
+            <a:r>
+              <a:rPr lang="en-US" dirty="0" err="1"/>
+              <a:t>lfc</a:t>
+            </a:r>
+            <a:r>
+              <a:rPr lang="en-US" dirty="0"/>
+              <a:t>, </a:t>
+            </a:r>
+            <a:r>
+              <a:rPr lang="en-US" dirty="0" err="1"/>
+              <a:t>pvalue</a:t>
+            </a:r>
+            <a:r>
+              <a:rPr lang="en-US" dirty="0"/>
+              <a:t>, </a:t>
+            </a:r>
+            <a:r>
+              <a:rPr lang="en-US" dirty="0" err="1"/>
+              <a:t>etc</a:t>
+            </a:r>
+            <a:r>
+              <a:rPr lang="en-US" dirty="0"/>
+              <a:t> cutoff)</a:t>
+            </a:r>
+          </a:p>
+          <a:p>
+            <a:pPr marL="342900" indent="-342900">
+              <a:buAutoNum type="arabicPeriod"/>
+            </a:pPr>
+            <a:r>
+              <a:rPr lang="en-US" dirty="0"/>
+              <a:t>Compares if your set overlaps another set significantly</a:t>
+            </a:r>
+          </a:p>
+        </p:txBody>
+      </p:sp>
+      <p:pic>
+        <p:nvPicPr>
+          <p:cNvPr id="9" name="Picture 8">
+            <a:extLst>
+              <a:ext uri="{FF2B5EF4-FFF2-40B4-BE49-F238E27FC236}">
+                <a16:creationId xmlns:a16="http://schemas.microsoft.com/office/drawing/2014/main" id="{085815AD-E7D3-E3EE-E97B-0B49523A72EF}"/>
+              </a:ext>
+            </a:extLst>
+          </p:cNvPr>
+          <p:cNvPicPr>
+            <a:picLocks noChangeAspect="1"/>
+          </p:cNvPicPr>
+          <p:nvPr/>
+        </p:nvPicPr>
+        <p:blipFill>
+          <a:blip r:embed="rId2"/>
+          <a:stretch>
+            <a:fillRect/>
+          </a:stretch>
+        </p:blipFill>
+        <p:spPr>
+          <a:xfrm>
+            <a:off x="7665720" y="4177070"/>
+            <a:ext cx="3224414" cy="2120900"/>
+          </a:xfrm>
+          <a:prstGeom prst="rect">
+            <a:avLst/>
+          </a:prstGeom>
+        </p:spPr>
+      </p:pic>
+    </p:spTree>
+    <p:extLst>
+      <p:ext uri="{BB962C8B-B14F-4D97-AF65-F5344CB8AC3E}">
+        <p14:creationId xmlns:p14="http://schemas.microsoft.com/office/powerpoint/2010/main" val="1654472845"/>
+      </p:ext>
+    </p:extLst>
+  </p:cSld>
+  <p:clrMapOvr>
+    <a:masterClrMapping/>
+  </p:clrMapOvr>
+</p:sld>
+</file>
+
+<file path=ppt/slides/slide28.xml><?xml version="1.0" encoding="utf-8"?>
+<p:sld xmlns:a="http://schemas.openxmlformats.org/drawingml/2006/main" xmlns:r="http://schemas.openxmlformats.org/officeDocument/2006/relationships" xmlns:p="http://schemas.openxmlformats.org/presentationml/2006/main" show="0">
+  <p:cSld>
+    <p:spTree>
+      <p:nvGrpSpPr>
+        <p:cNvPr id="1" name=""/>
+        <p:cNvGrpSpPr/>
+        <p:nvPr/>
+      </p:nvGrpSpPr>
+      <p:grpSpPr>
+        <a:xfrm>
+          <a:off x="0" y="0"/>
+          <a:ext cx="0" cy="0"/>
+          <a:chOff x="0" y="0"/>
+          <a:chExt cx="0" cy="0"/>
+        </a:xfrm>
+      </p:grpSpPr>
+      <p:sp>
+        <p:nvSpPr>
+          <p:cNvPr id="2" name="TextBox 1">
+            <a:extLst>
+              <a:ext uri="{FF2B5EF4-FFF2-40B4-BE49-F238E27FC236}">
+                <a16:creationId xmlns:a16="http://schemas.microsoft.com/office/drawing/2014/main" id="{9A5BB992-9202-D1BA-2473-34652EE2E745}"/>
+              </a:ext>
+            </a:extLst>
+          </p:cNvPr>
+          <p:cNvSpPr txBox="1"/>
+          <p:nvPr/>
+        </p:nvSpPr>
+        <p:spPr>
+          <a:xfrm>
+            <a:off x="3429000" y="312420"/>
+            <a:ext cx="5097870" cy="369332"/>
+          </a:xfrm>
+          <a:prstGeom prst="rect">
+            <a:avLst/>
+          </a:prstGeom>
+          <a:noFill/>
+        </p:spPr>
+        <p:txBody>
+          <a:bodyPr wrap="none" rtlCol="0">
+            <a:spAutoFit/>
+          </a:bodyPr>
+          <a:lstStyle/>
+          <a:p>
+            <a:r>
+              <a:rPr lang="en-US" dirty="0"/>
+              <a:t>Relating expression to the genome - motif analysis</a:t>
+            </a:r>
+          </a:p>
+        </p:txBody>
+      </p:sp>
+      <p:sp>
+        <p:nvSpPr>
+          <p:cNvPr id="3" name="TextBox 2">
+            <a:extLst>
+              <a:ext uri="{FF2B5EF4-FFF2-40B4-BE49-F238E27FC236}">
+                <a16:creationId xmlns:a16="http://schemas.microsoft.com/office/drawing/2014/main" id="{E54FC89F-9B6D-2C7F-17DF-9DA3A24DAEA2}"/>
+              </a:ext>
+            </a:extLst>
+          </p:cNvPr>
+          <p:cNvSpPr txBox="1"/>
+          <p:nvPr/>
+        </p:nvSpPr>
+        <p:spPr>
+          <a:xfrm>
+            <a:off x="4945380" y="2971800"/>
+            <a:ext cx="5166360" cy="369332"/>
+          </a:xfrm>
+          <a:prstGeom prst="rect">
+            <a:avLst/>
+          </a:prstGeom>
+          <a:noFill/>
+        </p:spPr>
+        <p:txBody>
+          <a:bodyPr wrap="square" rtlCol="0">
+            <a:spAutoFit/>
+          </a:bodyPr>
+          <a:lstStyle/>
+          <a:p>
+            <a:r>
+              <a:rPr lang="en-US" dirty="0"/>
+              <a:t>Show in the code</a:t>
+            </a:r>
+          </a:p>
+        </p:txBody>
+      </p:sp>
+      <p:sp>
+        <p:nvSpPr>
+          <p:cNvPr id="4" name="TextBox 3">
+            <a:extLst>
+              <a:ext uri="{FF2B5EF4-FFF2-40B4-BE49-F238E27FC236}">
+                <a16:creationId xmlns:a16="http://schemas.microsoft.com/office/drawing/2014/main" id="{3B4E6384-E41F-CF49-5A6C-B7F8D6F863A4}"/>
+              </a:ext>
+            </a:extLst>
+          </p:cNvPr>
+          <p:cNvSpPr txBox="1"/>
+          <p:nvPr/>
+        </p:nvSpPr>
+        <p:spPr>
+          <a:xfrm>
+            <a:off x="3429000" y="1467980"/>
+            <a:ext cx="1844040" cy="646331"/>
+          </a:xfrm>
+          <a:prstGeom prst="rect">
+            <a:avLst/>
+          </a:prstGeom>
+          <a:noFill/>
+        </p:spPr>
+        <p:txBody>
+          <a:bodyPr wrap="square" rtlCol="0">
+            <a:spAutoFit/>
+          </a:bodyPr>
+          <a:lstStyle/>
+          <a:p>
+            <a:pPr marL="342900" indent="-342900">
+              <a:buAutoNum type="arabicPeriod"/>
+            </a:pPr>
+            <a:r>
+              <a:rPr lang="en-US" dirty="0"/>
+              <a:t>HOMER</a:t>
+            </a:r>
+          </a:p>
+          <a:p>
+            <a:pPr marL="342900" indent="-342900">
+              <a:buAutoNum type="arabicPeriod"/>
+            </a:pPr>
+            <a:r>
+              <a:rPr lang="en-US" dirty="0"/>
+              <a:t>MEMES</a:t>
+            </a:r>
+          </a:p>
+        </p:txBody>
+      </p:sp>
+    </p:spTree>
+    <p:extLst>
+      <p:ext uri="{BB962C8B-B14F-4D97-AF65-F5344CB8AC3E}">
+        <p14:creationId xmlns:p14="http://schemas.microsoft.com/office/powerpoint/2010/main" val="2268413515"/>
       </p:ext>
     </p:extLst>
   </p:cSld>
